--- a/Presentation/HealthcareDatabaseManagementSystemPresentation.pptx
+++ b/Presentation/HealthcareDatabaseManagementSystemPresentation.pptx
@@ -26,14 +26,14 @@
     <p:sldId id="430" r:id="rId17"/>
     <p:sldId id="431" r:id="rId18"/>
     <p:sldId id="420" r:id="rId19"/>
-    <p:sldId id="412" r:id="rId20"/>
-    <p:sldId id="415" r:id="rId21"/>
-    <p:sldId id="425" r:id="rId22"/>
-    <p:sldId id="426" r:id="rId23"/>
-    <p:sldId id="424" r:id="rId24"/>
+    <p:sldId id="424" r:id="rId20"/>
+    <p:sldId id="412" r:id="rId21"/>
+    <p:sldId id="415" r:id="rId22"/>
+    <p:sldId id="425" r:id="rId23"/>
+    <p:sldId id="426" r:id="rId24"/>
     <p:sldId id="433" r:id="rId25"/>
-    <p:sldId id="435" r:id="rId26"/>
-    <p:sldId id="436" r:id="rId27"/>
+    <p:sldId id="437" r:id="rId26"/>
+    <p:sldId id="438" r:id="rId27"/>
   </p:sldIdLst>
   <p:sldSz cx="12192000" cy="6858000"/>
   <p:notesSz cx="6858000" cy="9144000"/>
@@ -158,9 +158,7 @@
 <file path=ppt/revisionInfo.xml><?xml version="1.0" encoding="utf-8"?>
 <p1510:revInfo xmlns:a="http://schemas.openxmlformats.org/drawingml/2006/main" xmlns:r="http://schemas.openxmlformats.org/officeDocument/2006/relationships" xmlns:p1510="http://schemas.microsoft.com/office/powerpoint/2015/10/main">
   <p1510:revLst>
-    <p1510:client id="{49C1ED6B-87C2-F900-7C7E-33D89A0F4B77}" v="2204" dt="2024-02-15T22:11:47.713"/>
-    <p1510:client id="{5D78A102-EA2D-9414-90CD-4BC67DD30EF2}" v="485" dt="2024-02-16T00:42:31.770"/>
-    <p1510:client id="{E67CF7A4-BDAF-5DB8-6986-7C2E377B8A6B}" v="2492" dt="2024-02-15T21:43:55.962"/>
+    <p1510:client id="{5576BB5A-F0B7-4F54-85FA-0A5989D44800}" v="833" dt="2024-03-21T23:43:05.718"/>
   </p1510:revLst>
 </p1510:revInfo>
 </file>
@@ -9121,7 +9119,7 @@
           <a:lstStyle/>
           <a:p>
             <a:r>
-              <a:rPr lang="en-US" dirty="0"/>
+              <a:rPr lang="en-US"/>
               <a:t>Healthcare Database Management System</a:t>
             </a:r>
           </a:p>
@@ -9229,7 +9227,7 @@
           <a:lstStyle/>
           <a:p>
             <a:r>
-              <a:rPr lang="en-US" dirty="0"/>
+              <a:rPr lang="en-US"/>
               <a:t>Patient Table</a:t>
             </a:r>
           </a:p>
@@ -9260,7 +9258,7 @@
           <a:p>
             <a:pPr marL="283210" indent="-283210"/>
             <a:r>
-              <a:rPr lang="en-US" dirty="0">
+              <a:rPr lang="en-US">
                 <a:solidFill>
                   <a:schemeClr val="bg1"/>
                 </a:solidFill>
@@ -9271,7 +9269,7 @@
           <a:p>
             <a:pPr marL="283210" indent="-283210"/>
             <a:r>
-              <a:rPr lang="en-US" dirty="0">
+              <a:rPr lang="en-US">
                 <a:solidFill>
                   <a:schemeClr val="bg1"/>
                 </a:solidFill>
@@ -9282,7 +9280,7 @@
           <a:p>
             <a:pPr marL="283210" indent="-283210"/>
             <a:r>
-              <a:rPr lang="en-US" dirty="0">
+              <a:rPr lang="en-US">
                 <a:solidFill>
                   <a:schemeClr val="bg1"/>
                 </a:solidFill>
@@ -9293,7 +9291,7 @@
           <a:p>
             <a:pPr marL="283210" indent="-283210"/>
             <a:r>
-              <a:rPr lang="en-US" dirty="0">
+              <a:rPr lang="en-US">
                 <a:solidFill>
                   <a:schemeClr val="bg1"/>
                 </a:solidFill>
@@ -9363,7 +9361,7 @@
           <a:lstStyle/>
           <a:p>
             <a:r>
-              <a:rPr lang="en-US" dirty="0"/>
+              <a:rPr lang="en-US"/>
               <a:t>Billing Table</a:t>
             </a:r>
           </a:p>
@@ -9394,7 +9392,7 @@
           <a:p>
             <a:pPr marL="283210" indent="-283210"/>
             <a:r>
-              <a:rPr lang="en-US" dirty="0">
+              <a:rPr lang="en-US">
                 <a:solidFill>
                   <a:schemeClr val="bg1"/>
                 </a:solidFill>
@@ -9405,7 +9403,7 @@
           <a:p>
             <a:pPr marL="283210" indent="-283210"/>
             <a:r>
-              <a:rPr lang="en-US" dirty="0">
+              <a:rPr lang="en-US">
                 <a:solidFill>
                   <a:schemeClr val="bg1"/>
                 </a:solidFill>
@@ -9416,7 +9414,7 @@
           <a:p>
             <a:pPr marL="283210" indent="-283210"/>
             <a:r>
-              <a:rPr lang="en-US" dirty="0">
+              <a:rPr lang="en-US">
                 <a:solidFill>
                   <a:schemeClr val="bg1"/>
                 </a:solidFill>
@@ -9427,7 +9425,7 @@
           <a:p>
             <a:pPr marL="283210" indent="-283210"/>
             <a:r>
-              <a:rPr lang="en-US" dirty="0">
+              <a:rPr lang="en-US">
                 <a:solidFill>
                   <a:schemeClr val="bg1"/>
                 </a:solidFill>
@@ -9438,7 +9436,7 @@
           <a:p>
             <a:pPr marL="283210" indent="-283210"/>
             <a:r>
-              <a:rPr lang="en-US" dirty="0">
+              <a:rPr lang="en-US">
                 <a:solidFill>
                   <a:schemeClr val="bg1"/>
                 </a:solidFill>
@@ -9508,7 +9506,7 @@
           <a:lstStyle/>
           <a:p>
             <a:r>
-              <a:rPr lang="en-US" dirty="0"/>
+              <a:rPr lang="en-US"/>
               <a:t>Insurance Table</a:t>
             </a:r>
           </a:p>
@@ -9539,7 +9537,7 @@
           <a:p>
             <a:pPr marL="283210" indent="-283210"/>
             <a:r>
-              <a:rPr lang="en-US" dirty="0">
+              <a:rPr lang="en-US">
                 <a:solidFill>
                   <a:schemeClr val="bg1"/>
                 </a:solidFill>
@@ -9550,7 +9548,7 @@
           <a:p>
             <a:pPr marL="283210" indent="-283210"/>
             <a:r>
-              <a:rPr lang="en-US" dirty="0">
+              <a:rPr lang="en-US">
                 <a:solidFill>
                   <a:schemeClr val="bg1"/>
                 </a:solidFill>
@@ -9561,7 +9559,7 @@
           <a:p>
             <a:pPr marL="283210" indent="-283210"/>
             <a:r>
-              <a:rPr lang="en-US" dirty="0">
+              <a:rPr lang="en-US">
                 <a:solidFill>
                   <a:schemeClr val="bg1"/>
                 </a:solidFill>
@@ -9572,7 +9570,7 @@
           <a:p>
             <a:pPr marL="283210" indent="-283210"/>
             <a:r>
-              <a:rPr lang="en-US" dirty="0">
+              <a:rPr lang="en-US">
                 <a:solidFill>
                   <a:schemeClr val="bg1"/>
                 </a:solidFill>
@@ -9642,7 +9640,7 @@
           <a:lstStyle/>
           <a:p>
             <a:r>
-              <a:rPr lang="en-US" dirty="0"/>
+              <a:rPr lang="en-US"/>
               <a:t>Procedure Table</a:t>
             </a:r>
           </a:p>
@@ -9673,7 +9671,7 @@
           <a:p>
             <a:pPr marL="283210" indent="-283210"/>
             <a:r>
-              <a:rPr lang="en-US" dirty="0">
+              <a:rPr lang="en-US">
                 <a:solidFill>
                   <a:schemeClr val="bg1"/>
                 </a:solidFill>
@@ -9684,7 +9682,7 @@
           <a:p>
             <a:pPr marL="283210" indent="-283210"/>
             <a:r>
-              <a:rPr lang="en-US" dirty="0">
+              <a:rPr lang="en-US">
                 <a:solidFill>
                   <a:schemeClr val="bg1"/>
                 </a:solidFill>
@@ -9695,7 +9693,7 @@
           <a:p>
             <a:pPr marL="283210" indent="-283210"/>
             <a:r>
-              <a:rPr lang="en-US" dirty="0">
+              <a:rPr lang="en-US">
                 <a:solidFill>
                   <a:schemeClr val="bg1"/>
                 </a:solidFill>
@@ -9706,7 +9704,7 @@
           <a:p>
             <a:pPr marL="283210" indent="-283210"/>
             <a:r>
-              <a:rPr lang="en-US" dirty="0">
+              <a:rPr lang="en-US">
                 <a:solidFill>
                   <a:schemeClr val="bg1"/>
                 </a:solidFill>
@@ -9774,7 +9772,7 @@
           <a:p>
             <a:pPr algn="ctr"/>
             <a:r>
-              <a:rPr lang="en-US" dirty="0"/>
+              <a:rPr lang="en-US"/>
               <a:t>EER Diagram</a:t>
             </a:r>
           </a:p>
@@ -9899,6 +9897,152 @@
       </p:grpSpPr>
       <p:sp>
         <p:nvSpPr>
+          <p:cNvPr id="2" name="Title 1">
+            <a:extLst>
+              <a:ext uri="{FF2B5EF4-FFF2-40B4-BE49-F238E27FC236}">
+                <a16:creationId xmlns:a16="http://schemas.microsoft.com/office/drawing/2014/main" id="{90B0656D-01DF-F902-DF50-546904EA026F}"/>
+              </a:ext>
+            </a:extLst>
+          </p:cNvPr>
+          <p:cNvSpPr>
+            <a:spLocks noGrp="1"/>
+          </p:cNvSpPr>
+          <p:nvPr>
+            <p:ph type="title"/>
+          </p:nvPr>
+        </p:nvSpPr>
+        <p:spPr/>
+        <p:txBody>
+          <a:bodyPr/>
+          <a:lstStyle/>
+          <a:p>
+            <a:r>
+              <a:rPr lang="en-US"/>
+              <a:t>MySQL Workbench</a:t>
+            </a:r>
+          </a:p>
+        </p:txBody>
+      </p:sp>
+      <p:sp>
+        <p:nvSpPr>
+          <p:cNvPr id="3" name="Content Placeholder 2">
+            <a:extLst>
+              <a:ext uri="{FF2B5EF4-FFF2-40B4-BE49-F238E27FC236}">
+                <a16:creationId xmlns:a16="http://schemas.microsoft.com/office/drawing/2014/main" id="{8FDA106C-6116-0FC0-42CE-D0C972B648E7}"/>
+              </a:ext>
+            </a:extLst>
+          </p:cNvPr>
+          <p:cNvSpPr>
+            <a:spLocks noGrp="1"/>
+          </p:cNvSpPr>
+          <p:nvPr>
+            <p:ph sz="quarter" idx="13"/>
+          </p:nvPr>
+        </p:nvSpPr>
+        <p:spPr>
+          <a:xfrm>
+            <a:off x="595523" y="2676525"/>
+            <a:ext cx="6865636" cy="3597470"/>
+          </a:xfrm>
+        </p:spPr>
+        <p:txBody>
+          <a:bodyPr vert="horz" lIns="0" tIns="45720" rIns="91440" bIns="45720" rtlCol="0" anchor="t">
+            <a:normAutofit/>
+          </a:bodyPr>
+          <a:lstStyle/>
+          <a:p>
+            <a:pPr marL="342900" indent="-342900">
+              <a:buFont typeface="Calibri" panose="020B0604020202020204" pitchFamily="34" charset="0"/>
+              <a:buChar char="-"/>
+            </a:pPr>
+            <a:r>
+              <a:rPr lang="en-US" sz="2400"/>
+              <a:t>A majority of the backend database work will be completed in MySQL Workbench.</a:t>
+            </a:r>
+          </a:p>
+          <a:p>
+            <a:pPr marL="342900" indent="-342900">
+              <a:buFont typeface="Calibri" panose="020B0604020202020204" pitchFamily="34" charset="0"/>
+              <a:buChar char="-"/>
+            </a:pPr>
+            <a:r>
+              <a:rPr lang="en-US" sz="2400"/>
+              <a:t>MySQL Workbench is an accessible editor that provides a comprehensive set of tools that will be necessary for work.</a:t>
+            </a:r>
+          </a:p>
+          <a:p>
+            <a:pPr marL="342900" indent="-342900">
+              <a:buFont typeface="Calibri" panose="020B0604020202020204" pitchFamily="34" charset="0"/>
+              <a:buChar char="-"/>
+            </a:pPr>
+            <a:r>
+              <a:rPr lang="en-US" sz="2400"/>
+              <a:t>All queries and schemas will be created here.</a:t>
+            </a:r>
+          </a:p>
+        </p:txBody>
+      </p:sp>
+      <p:pic>
+        <p:nvPicPr>
+          <p:cNvPr id="5" name="Content Placeholder 4" descr="MySQL Workbench (@MySQLWorkbench) / X">
+            <a:extLst>
+              <a:ext uri="{FF2B5EF4-FFF2-40B4-BE49-F238E27FC236}">
+                <a16:creationId xmlns:a16="http://schemas.microsoft.com/office/drawing/2014/main" id="{1FC947B4-0A73-EC98-898E-58F13E2327BD}"/>
+              </a:ext>
+            </a:extLst>
+          </p:cNvPr>
+          <p:cNvPicPr>
+            <a:picLocks noGrp="1" noChangeAspect="1"/>
+          </p:cNvPicPr>
+          <p:nvPr>
+            <p:ph sz="quarter" idx="14"/>
+          </p:nvPr>
+        </p:nvPicPr>
+        <p:blipFill>
+          <a:blip r:embed="rId2"/>
+          <a:stretch>
+            <a:fillRect/>
+          </a:stretch>
+        </p:blipFill>
+        <p:spPr>
+          <a:xfrm>
+            <a:off x="7464562" y="2557721"/>
+            <a:ext cx="3389935" cy="3198470"/>
+          </a:xfrm>
+        </p:spPr>
+      </p:pic>
+    </p:spTree>
+    <p:extLst>
+      <p:ext uri="{BB962C8B-B14F-4D97-AF65-F5344CB8AC3E}">
+        <p14:creationId xmlns:p14="http://schemas.microsoft.com/office/powerpoint/2010/main" val="2344451508"/>
+      </p:ext>
+    </p:extLst>
+  </p:cSld>
+  <p:clrMapOvr>
+    <a:masterClrMapping/>
+  </p:clrMapOvr>
+</p:sld>
+</file>
+
+<file path=ppt/slides/slide17.xml><?xml version="1.0" encoding="utf-8"?>
+<p:sld xmlns:a="http://schemas.openxmlformats.org/drawingml/2006/main" xmlns:r="http://schemas.openxmlformats.org/officeDocument/2006/relationships" xmlns:p="http://schemas.openxmlformats.org/presentationml/2006/main">
+  <p:cSld>
+    <p:spTree>
+      <p:nvGrpSpPr>
+        <p:cNvPr id="1" name=""/>
+        <p:cNvGrpSpPr/>
+        <p:nvPr/>
+      </p:nvGrpSpPr>
+      <p:grpSpPr>
+        <a:xfrm>
+          <a:off x="0" y="0"/>
+          <a:ext cx="0" cy="0"/>
+          <a:chOff x="0" y="0"/>
+          <a:chExt cx="0" cy="0"/>
+        </a:xfrm>
+      </p:grpSpPr>
+      <p:sp>
+        <p:nvSpPr>
           <p:cNvPr id="3" name="Title 2">
             <a:extLst>
               <a:ext uri="{FF2B5EF4-FFF2-40B4-BE49-F238E27FC236}">
@@ -10155,7 +10299,7 @@
 </p:sld>
 </file>
 
-<file path=ppt/slides/slide17.xml><?xml version="1.0" encoding="utf-8"?>
+<file path=ppt/slides/slide18.xml><?xml version="1.0" encoding="utf-8"?>
 <p:sld xmlns:a="http://schemas.openxmlformats.org/drawingml/2006/main" xmlns:r="http://schemas.openxmlformats.org/officeDocument/2006/relationships" xmlns:p="http://schemas.openxmlformats.org/presentationml/2006/main">
   <p:cSld>
     <p:spTree>
@@ -10230,7 +10374,7 @@
           <a:p>
             <a:pPr algn="ctr"/>
             <a:r>
-              <a:rPr lang="en-US" sz="2400" b="1" u="sng" dirty="0"/>
+              <a:rPr lang="en-US" sz="2400" b="1" u="sng"/>
               <a:t>MySQL</a:t>
             </a:r>
           </a:p>
@@ -10239,7 +10383,7 @@
               <a:buFont typeface="Arial" panose="020B0604020202020204" pitchFamily="34" charset="0"/>
               <a:buChar char="•"/>
             </a:pPr>
-            <a:endParaRPr lang="en-US" sz="2400" dirty="0"/>
+            <a:endParaRPr lang="en-US" sz="2400"/>
           </a:p>
           <a:p>
             <a:pPr marL="342900" indent="-342900">
@@ -10247,7 +10391,7 @@
               <a:buChar char="•"/>
             </a:pPr>
             <a:r>
-              <a:rPr lang="en-US" sz="1800" dirty="0">
+              <a:rPr lang="en-US" sz="1800">
                 <a:ea typeface="+mn-lt"/>
                 <a:cs typeface="+mn-lt"/>
               </a:rPr>
@@ -10260,13 +10404,13 @@
               <a:buChar char="•"/>
             </a:pPr>
             <a:r>
-              <a:rPr lang="en-US" sz="1800" dirty="0">
+              <a:rPr lang="en-US" sz="1800">
                 <a:ea typeface="+mn-lt"/>
                 <a:cs typeface="+mn-lt"/>
               </a:rPr>
               <a:t>MySQL coding refers to writing queries and commands to access the data.</a:t>
             </a:r>
-            <a:endParaRPr lang="en-US" sz="1800" dirty="0"/>
+            <a:endParaRPr lang="en-US" sz="1800"/>
           </a:p>
         </p:txBody>
       </p:sp>
@@ -10408,7 +10552,7 @@
 </p:sld>
 </file>
 
-<file path=ppt/slides/slide18.xml><?xml version="1.0" encoding="utf-8"?>
+<file path=ppt/slides/slide19.xml><?xml version="1.0" encoding="utf-8"?>
 <p:sld xmlns:a="http://schemas.openxmlformats.org/drawingml/2006/main" xmlns:r="http://schemas.openxmlformats.org/officeDocument/2006/relationships" xmlns:p="http://schemas.openxmlformats.org/presentationml/2006/main">
   <p:cSld>
     <p:spTree>
@@ -10447,7 +10591,7 @@
           <a:lstStyle/>
           <a:p>
             <a:r>
-              <a:rPr lang="en-US" dirty="0"/>
+              <a:rPr lang="en-US"/>
               <a:t>Technology cont.</a:t>
             </a:r>
           </a:p>
@@ -10483,7 +10627,7 @@
           <a:p>
             <a:pPr algn="ctr"/>
             <a:r>
-              <a:rPr lang="en-US" sz="2400" b="1" u="sng" dirty="0"/>
+              <a:rPr lang="en-US" sz="2400" b="1" u="sng"/>
               <a:t>PHP</a:t>
             </a:r>
           </a:p>
@@ -10492,7 +10636,7 @@
               <a:buFont typeface="Arial" panose="020B0604020202020204" pitchFamily="34" charset="0"/>
               <a:buChar char="•"/>
             </a:pPr>
-            <a:endParaRPr lang="en-US" sz="1800" dirty="0"/>
+            <a:endParaRPr lang="en-US" sz="1800"/>
           </a:p>
           <a:p>
             <a:pPr marL="342900" indent="-342900">
@@ -10500,7 +10644,7 @@
               <a:buChar char="•"/>
             </a:pPr>
             <a:r>
-              <a:rPr lang="en-US" sz="1800" dirty="0"/>
+              <a:rPr lang="en-US" sz="1800"/>
               <a:t>PHP is a widely-used open-source general-purpose scripting language that is especially suited for web development</a:t>
             </a:r>
           </a:p>
@@ -10510,7 +10654,7 @@
               <a:buChar char="•"/>
             </a:pPr>
             <a:r>
-              <a:rPr lang="en-US" sz="1800" dirty="0"/>
+              <a:rPr lang="en-US" sz="1800"/>
               <a:t>It allows us to easily integrate SQL with HTML.</a:t>
             </a:r>
           </a:p>
@@ -10520,7 +10664,7 @@
               <a:buChar char="•"/>
             </a:pPr>
             <a:r>
-              <a:rPr lang="en-US" sz="1800" dirty="0"/>
+              <a:rPr lang="en-US" sz="1800"/>
               <a:t>This makes using the website to alter the database easier.</a:t>
             </a:r>
           </a:p>
@@ -10558,25 +10702,25 @@
               <a:buNone/>
             </a:pPr>
             <a:r>
-              <a:rPr lang="en-US" sz="2400" b="1" u="sng" dirty="0"/>
+              <a:rPr lang="en-US" sz="2400" b="1" u="sng"/>
               <a:t>XAMPP</a:t>
             </a:r>
           </a:p>
           <a:p>
             <a:r>
-              <a:rPr lang="en-US" sz="1800" dirty="0"/>
+              <a:rPr lang="en-US" sz="1800"/>
               <a:t> </a:t>
             </a:r>
           </a:p>
           <a:p>
             <a:r>
-              <a:rPr lang="en-US" sz="1800" dirty="0"/>
+              <a:rPr lang="en-US" sz="1800"/>
               <a:t>XAMPP, which stands for Cross-Platform, Apache, MySQL, PHP, and Perl, is a free platform that allows developers to test their code locally on their own computers.</a:t>
             </a:r>
           </a:p>
           <a:p>
             <a:r>
-              <a:rPr lang="en-US" sz="1800" dirty="0"/>
+              <a:rPr lang="en-US" sz="1800"/>
               <a:t>Using this software makes the testing and debugging process simpler.</a:t>
             </a:r>
           </a:p>
@@ -10655,7 +10799,159 @@
 </p:sld>
 </file>
 
-<file path=ppt/slides/slide19.xml><?xml version="1.0" encoding="utf-8"?>
+<file path=ppt/slides/slide2.xml><?xml version="1.0" encoding="utf-8"?>
+<p:sld xmlns:a="http://schemas.openxmlformats.org/drawingml/2006/main" xmlns:r="http://schemas.openxmlformats.org/officeDocument/2006/relationships" xmlns:p="http://schemas.openxmlformats.org/presentationml/2006/main">
+  <p:cSld>
+    <p:spTree>
+      <p:nvGrpSpPr>
+        <p:cNvPr id="1" name=""/>
+        <p:cNvGrpSpPr/>
+        <p:nvPr/>
+      </p:nvGrpSpPr>
+      <p:grpSpPr>
+        <a:xfrm>
+          <a:off x="0" y="0"/>
+          <a:ext cx="0" cy="0"/>
+          <a:chOff x="0" y="0"/>
+          <a:chExt cx="0" cy="0"/>
+        </a:xfrm>
+      </p:grpSpPr>
+      <p:sp>
+        <p:nvSpPr>
+          <p:cNvPr id="2" name="Title 1">
+            <a:extLst>
+              <a:ext uri="{FF2B5EF4-FFF2-40B4-BE49-F238E27FC236}">
+                <a16:creationId xmlns:a16="http://schemas.microsoft.com/office/drawing/2014/main" id="{4E3F9206-A795-C7ED-7814-16D6ABD97F9A}"/>
+              </a:ext>
+            </a:extLst>
+          </p:cNvPr>
+          <p:cNvSpPr>
+            <a:spLocks noGrp="1"/>
+          </p:cNvSpPr>
+          <p:nvPr>
+            <p:ph type="title"/>
+          </p:nvPr>
+        </p:nvSpPr>
+        <p:spPr/>
+        <p:txBody>
+          <a:bodyPr/>
+          <a:lstStyle/>
+          <a:p>
+            <a:r>
+              <a:rPr lang="en-US"/>
+              <a:t>Main Idea</a:t>
+            </a:r>
+          </a:p>
+        </p:txBody>
+      </p:sp>
+      <p:sp>
+        <p:nvSpPr>
+          <p:cNvPr id="3" name="Content Placeholder 2">
+            <a:extLst>
+              <a:ext uri="{FF2B5EF4-FFF2-40B4-BE49-F238E27FC236}">
+                <a16:creationId xmlns:a16="http://schemas.microsoft.com/office/drawing/2014/main" id="{8B26E0C8-E97A-F7FF-C3CA-1814C5714F8B}"/>
+              </a:ext>
+            </a:extLst>
+          </p:cNvPr>
+          <p:cNvSpPr>
+            <a:spLocks noGrp="1"/>
+          </p:cNvSpPr>
+          <p:nvPr>
+            <p:ph sz="quarter" idx="13"/>
+          </p:nvPr>
+        </p:nvSpPr>
+        <p:spPr/>
+        <p:txBody>
+          <a:bodyPr vert="horz" lIns="0" tIns="228600" rIns="0" bIns="0" rtlCol="0" anchor="t">
+            <a:normAutofit/>
+          </a:bodyPr>
+          <a:lstStyle/>
+          <a:p>
+            <a:pPr marL="283210" indent="-283210"/>
+            <a:r>
+              <a:rPr lang="en-US">
+                <a:solidFill>
+                  <a:schemeClr val="bg1"/>
+                </a:solidFill>
+              </a:rPr>
+              <a:t>The main goal is to create a database system that may be utilized via website by hospitals, insurance companies, and patients to store and access data.</a:t>
+            </a:r>
+          </a:p>
+          <a:p>
+            <a:pPr marL="283210" indent="-283210"/>
+            <a:r>
+              <a:rPr lang="en-US">
+                <a:solidFill>
+                  <a:schemeClr val="bg1"/>
+                </a:solidFill>
+              </a:rPr>
+              <a:t>This system will focus on the general information that a health facility is expected to incorporate:</a:t>
+            </a:r>
+          </a:p>
+          <a:p>
+            <a:pPr lvl="1">
+              <a:buFontTx/>
+              <a:buChar char="-"/>
+            </a:pPr>
+            <a:r>
+              <a:rPr lang="en-US"/>
+              <a:t>Patients</a:t>
+            </a:r>
+          </a:p>
+          <a:p>
+            <a:pPr lvl="1">
+              <a:buFontTx/>
+              <a:buChar char="-"/>
+            </a:pPr>
+            <a:r>
+              <a:rPr lang="en-US"/>
+              <a:t>Insurance</a:t>
+            </a:r>
+          </a:p>
+          <a:p>
+            <a:pPr lvl="1">
+              <a:buFontTx/>
+              <a:buChar char="-"/>
+            </a:pPr>
+            <a:r>
+              <a:rPr lang="en-US"/>
+              <a:t>Billing</a:t>
+            </a:r>
+          </a:p>
+          <a:p>
+            <a:pPr lvl="1">
+              <a:buFontTx/>
+              <a:buChar char="-"/>
+            </a:pPr>
+            <a:r>
+              <a:rPr lang="en-US"/>
+              <a:t>Procedure data</a:t>
+            </a:r>
+          </a:p>
+          <a:p>
+            <a:pPr marL="685546" lvl="1" indent="-283210"/>
+            <a:endParaRPr lang="en-US"/>
+          </a:p>
+          <a:p>
+            <a:pPr marL="685546" lvl="1" indent="-283210"/>
+            <a:endParaRPr lang="en-US"/>
+          </a:p>
+        </p:txBody>
+      </p:sp>
+    </p:spTree>
+    <p:extLst>
+      <p:ext uri="{BB962C8B-B14F-4D97-AF65-F5344CB8AC3E}">
+        <p14:creationId xmlns:p14="http://schemas.microsoft.com/office/powerpoint/2010/main" val="3548240917"/>
+      </p:ext>
+    </p:extLst>
+  </p:cSld>
+  <p:clrMapOvr>
+    <a:masterClrMapping/>
+  </p:clrMapOvr>
+</p:sld>
+</file>
+
+<file path=ppt/slides/slide20.xml><?xml version="1.0" encoding="utf-8"?>
 <p:sld xmlns:a="http://schemas.openxmlformats.org/drawingml/2006/main" xmlns:r="http://schemas.openxmlformats.org/officeDocument/2006/relationships" xmlns:p="http://schemas.openxmlformats.org/presentationml/2006/main">
   <p:cSld>
     <p:spTree>
@@ -10694,7 +10990,7 @@
           <a:lstStyle/>
           <a:p>
             <a:r>
-              <a:rPr lang="en-US" dirty="0"/>
+              <a:rPr lang="en-US"/>
               <a:t>PHPMYADMIN</a:t>
             </a:r>
           </a:p>
@@ -10729,7 +11025,7 @@
           <a:lstStyle/>
           <a:p>
             <a:r>
-              <a:rPr lang="en-US" sz="2400" dirty="0"/>
+              <a:rPr lang="en-US" sz="2400"/>
               <a:t>- XAMPP gives us access to a control panel where we can manage our database server and view information about it.</a:t>
             </a:r>
           </a:p>
@@ -10778,271 +11074,6 @@
 </p:sld>
 </file>
 
-<file path=ppt/slides/slide2.xml><?xml version="1.0" encoding="utf-8"?>
-<p:sld xmlns:a="http://schemas.openxmlformats.org/drawingml/2006/main" xmlns:r="http://schemas.openxmlformats.org/officeDocument/2006/relationships" xmlns:p="http://schemas.openxmlformats.org/presentationml/2006/main">
-  <p:cSld>
-    <p:spTree>
-      <p:nvGrpSpPr>
-        <p:cNvPr id="1" name=""/>
-        <p:cNvGrpSpPr/>
-        <p:nvPr/>
-      </p:nvGrpSpPr>
-      <p:grpSpPr>
-        <a:xfrm>
-          <a:off x="0" y="0"/>
-          <a:ext cx="0" cy="0"/>
-          <a:chOff x="0" y="0"/>
-          <a:chExt cx="0" cy="0"/>
-        </a:xfrm>
-      </p:grpSpPr>
-      <p:sp>
-        <p:nvSpPr>
-          <p:cNvPr id="2" name="Title 1">
-            <a:extLst>
-              <a:ext uri="{FF2B5EF4-FFF2-40B4-BE49-F238E27FC236}">
-                <a16:creationId xmlns:a16="http://schemas.microsoft.com/office/drawing/2014/main" id="{4E3F9206-A795-C7ED-7814-16D6ABD97F9A}"/>
-              </a:ext>
-            </a:extLst>
-          </p:cNvPr>
-          <p:cNvSpPr>
-            <a:spLocks noGrp="1"/>
-          </p:cNvSpPr>
-          <p:nvPr>
-            <p:ph type="title"/>
-          </p:nvPr>
-        </p:nvSpPr>
-        <p:spPr/>
-        <p:txBody>
-          <a:bodyPr/>
-          <a:lstStyle/>
-          <a:p>
-            <a:r>
-              <a:rPr lang="en-US"/>
-              <a:t>Main Idea</a:t>
-            </a:r>
-          </a:p>
-        </p:txBody>
-      </p:sp>
-      <p:sp>
-        <p:nvSpPr>
-          <p:cNvPr id="3" name="Content Placeholder 2">
-            <a:extLst>
-              <a:ext uri="{FF2B5EF4-FFF2-40B4-BE49-F238E27FC236}">
-                <a16:creationId xmlns:a16="http://schemas.microsoft.com/office/drawing/2014/main" id="{8B26E0C8-E97A-F7FF-C3CA-1814C5714F8B}"/>
-              </a:ext>
-            </a:extLst>
-          </p:cNvPr>
-          <p:cNvSpPr>
-            <a:spLocks noGrp="1"/>
-          </p:cNvSpPr>
-          <p:nvPr>
-            <p:ph sz="quarter" idx="13"/>
-          </p:nvPr>
-        </p:nvSpPr>
-        <p:spPr/>
-        <p:txBody>
-          <a:bodyPr vert="horz" lIns="0" tIns="228600" rIns="0" bIns="0" rtlCol="0" anchor="t">
-            <a:normAutofit/>
-          </a:bodyPr>
-          <a:lstStyle/>
-          <a:p>
-            <a:pPr marL="283210" indent="-283210"/>
-            <a:r>
-              <a:rPr lang="en-US" dirty="0">
-                <a:solidFill>
-                  <a:schemeClr val="bg1"/>
-                </a:solidFill>
-              </a:rPr>
-              <a:t>The main goal is to create a database system that may be utilized via website by hospitals, insurance companies, and patients to store and access data.</a:t>
-            </a:r>
-          </a:p>
-          <a:p>
-            <a:pPr marL="283210" indent="-283210"/>
-            <a:r>
-              <a:rPr lang="en-US" dirty="0">
-                <a:solidFill>
-                  <a:schemeClr val="bg1"/>
-                </a:solidFill>
-              </a:rPr>
-              <a:t>This system will focus on the general information that a health facility is expected to incorporate:</a:t>
-            </a:r>
-          </a:p>
-          <a:p>
-            <a:pPr marL="685546" lvl="1" indent="-283210"/>
-            <a:r>
-              <a:rPr lang="en-US" dirty="0"/>
-              <a:t>Patients, Insurance, Billing, Procedure data</a:t>
-            </a:r>
-          </a:p>
-          <a:p>
-            <a:pPr marL="685546" lvl="1" indent="-283210"/>
-            <a:endParaRPr lang="en-US" dirty="0"/>
-          </a:p>
-          <a:p>
-            <a:pPr marL="685546" lvl="1" indent="-283210"/>
-            <a:endParaRPr lang="en-US" dirty="0"/>
-          </a:p>
-        </p:txBody>
-      </p:sp>
-    </p:spTree>
-    <p:extLst>
-      <p:ext uri="{BB962C8B-B14F-4D97-AF65-F5344CB8AC3E}">
-        <p14:creationId xmlns:p14="http://schemas.microsoft.com/office/powerpoint/2010/main" val="3548240917"/>
-      </p:ext>
-    </p:extLst>
-  </p:cSld>
-  <p:clrMapOvr>
-    <a:masterClrMapping/>
-  </p:clrMapOvr>
-</p:sld>
-</file>
-
-<file path=ppt/slides/slide20.xml><?xml version="1.0" encoding="utf-8"?>
-<p:sld xmlns:a="http://schemas.openxmlformats.org/drawingml/2006/main" xmlns:r="http://schemas.openxmlformats.org/officeDocument/2006/relationships" xmlns:p="http://schemas.openxmlformats.org/presentationml/2006/main">
-  <p:cSld>
-    <p:spTree>
-      <p:nvGrpSpPr>
-        <p:cNvPr id="1" name=""/>
-        <p:cNvGrpSpPr/>
-        <p:nvPr/>
-      </p:nvGrpSpPr>
-      <p:grpSpPr>
-        <a:xfrm>
-          <a:off x="0" y="0"/>
-          <a:ext cx="0" cy="0"/>
-          <a:chOff x="0" y="0"/>
-          <a:chExt cx="0" cy="0"/>
-        </a:xfrm>
-      </p:grpSpPr>
-      <p:sp>
-        <p:nvSpPr>
-          <p:cNvPr id="2" name="Title 1">
-            <a:extLst>
-              <a:ext uri="{FF2B5EF4-FFF2-40B4-BE49-F238E27FC236}">
-                <a16:creationId xmlns:a16="http://schemas.microsoft.com/office/drawing/2014/main" id="{90B0656D-01DF-F902-DF50-546904EA026F}"/>
-              </a:ext>
-            </a:extLst>
-          </p:cNvPr>
-          <p:cNvSpPr>
-            <a:spLocks noGrp="1"/>
-          </p:cNvSpPr>
-          <p:nvPr>
-            <p:ph type="title"/>
-          </p:nvPr>
-        </p:nvSpPr>
-        <p:spPr/>
-        <p:txBody>
-          <a:bodyPr/>
-          <a:lstStyle/>
-          <a:p>
-            <a:r>
-              <a:rPr lang="en-US"/>
-              <a:t>MySQL Workbench</a:t>
-            </a:r>
-          </a:p>
-        </p:txBody>
-      </p:sp>
-      <p:sp>
-        <p:nvSpPr>
-          <p:cNvPr id="3" name="Content Placeholder 2">
-            <a:extLst>
-              <a:ext uri="{FF2B5EF4-FFF2-40B4-BE49-F238E27FC236}">
-                <a16:creationId xmlns:a16="http://schemas.microsoft.com/office/drawing/2014/main" id="{8FDA106C-6116-0FC0-42CE-D0C972B648E7}"/>
-              </a:ext>
-            </a:extLst>
-          </p:cNvPr>
-          <p:cNvSpPr>
-            <a:spLocks noGrp="1"/>
-          </p:cNvSpPr>
-          <p:nvPr>
-            <p:ph sz="quarter" idx="13"/>
-          </p:nvPr>
-        </p:nvSpPr>
-        <p:spPr>
-          <a:xfrm>
-            <a:off x="595523" y="2676525"/>
-            <a:ext cx="6865636" cy="3597470"/>
-          </a:xfrm>
-        </p:spPr>
-        <p:txBody>
-          <a:bodyPr vert="horz" lIns="0" tIns="45720" rIns="91440" bIns="45720" rtlCol="0" anchor="t">
-            <a:normAutofit/>
-          </a:bodyPr>
-          <a:lstStyle/>
-          <a:p>
-            <a:pPr marL="342900" indent="-342900">
-              <a:buFont typeface="Calibri" panose="020B0604020202020204" pitchFamily="34" charset="0"/>
-              <a:buChar char="-"/>
-            </a:pPr>
-            <a:r>
-              <a:rPr lang="en-US" sz="2400" dirty="0"/>
-              <a:t>A majority of the backend database work will be completed in MySQL Workbench.</a:t>
-            </a:r>
-          </a:p>
-          <a:p>
-            <a:pPr marL="342900" indent="-342900">
-              <a:buFont typeface="Calibri" panose="020B0604020202020204" pitchFamily="34" charset="0"/>
-              <a:buChar char="-"/>
-            </a:pPr>
-            <a:r>
-              <a:rPr lang="en-US" sz="2400" dirty="0"/>
-              <a:t>MySQL Workbench is an accessible editor that provides a comprehensive set of tools that will be necessary for work.</a:t>
-            </a:r>
-          </a:p>
-          <a:p>
-            <a:pPr marL="342900" indent="-342900">
-              <a:buFont typeface="Calibri" panose="020B0604020202020204" pitchFamily="34" charset="0"/>
-              <a:buChar char="-"/>
-            </a:pPr>
-            <a:r>
-              <a:rPr lang="en-US" sz="2400" dirty="0"/>
-              <a:t>All queries and schemas will be created here.</a:t>
-            </a:r>
-          </a:p>
-        </p:txBody>
-      </p:sp>
-      <p:pic>
-        <p:nvPicPr>
-          <p:cNvPr id="5" name="Content Placeholder 4" descr="MySQL Workbench (@MySQLWorkbench) / X">
-            <a:extLst>
-              <a:ext uri="{FF2B5EF4-FFF2-40B4-BE49-F238E27FC236}">
-                <a16:creationId xmlns:a16="http://schemas.microsoft.com/office/drawing/2014/main" id="{1FC947B4-0A73-EC98-898E-58F13E2327BD}"/>
-              </a:ext>
-            </a:extLst>
-          </p:cNvPr>
-          <p:cNvPicPr>
-            <a:picLocks noGrp="1" noChangeAspect="1"/>
-          </p:cNvPicPr>
-          <p:nvPr>
-            <p:ph sz="quarter" idx="14"/>
-          </p:nvPr>
-        </p:nvPicPr>
-        <p:blipFill>
-          <a:blip r:embed="rId2"/>
-          <a:stretch>
-            <a:fillRect/>
-          </a:stretch>
-        </p:blipFill>
-        <p:spPr>
-          <a:xfrm>
-            <a:off x="7464562" y="2557721"/>
-            <a:ext cx="3389935" cy="3198470"/>
-          </a:xfrm>
-        </p:spPr>
-      </p:pic>
-    </p:spTree>
-    <p:extLst>
-      <p:ext uri="{BB962C8B-B14F-4D97-AF65-F5344CB8AC3E}">
-        <p14:creationId xmlns:p14="http://schemas.microsoft.com/office/powerpoint/2010/main" val="2344451508"/>
-      </p:ext>
-    </p:extLst>
-  </p:cSld>
-  <p:clrMapOvr>
-    <a:masterClrMapping/>
-  </p:clrMapOvr>
-</p:sld>
-</file>
-
 <file path=ppt/slides/slide21.xml><?xml version="1.0" encoding="utf-8"?>
 <p:sld xmlns:a="http://schemas.openxmlformats.org/drawingml/2006/main" xmlns:r="http://schemas.openxmlformats.org/officeDocument/2006/relationships" xmlns:p="http://schemas.openxmlformats.org/presentationml/2006/main">
   <p:cSld>
@@ -11082,7 +11113,7 @@
           <a:lstStyle/>
           <a:p>
             <a:r>
-              <a:rPr lang="en-US" dirty="0"/>
+              <a:rPr lang="en-US"/>
               <a:t>Front End</a:t>
             </a:r>
           </a:p>
@@ -11120,10 +11151,56 @@
       </p:grpSpPr>
       <p:sp>
         <p:nvSpPr>
+          <p:cNvPr id="4" name="Rectangle: Rounded Corners 3">
+            <a:extLst>
+              <a:ext uri="{FF2B5EF4-FFF2-40B4-BE49-F238E27FC236}">
+                <a16:creationId xmlns:a16="http://schemas.microsoft.com/office/drawing/2014/main" id="{07FBDF77-831E-AF9B-F1C2-61C3124634A1}"/>
+              </a:ext>
+            </a:extLst>
+          </p:cNvPr>
+          <p:cNvSpPr/>
+          <p:nvPr/>
+        </p:nvSpPr>
+        <p:spPr>
+          <a:xfrm>
+            <a:off x="331076" y="4374931"/>
+            <a:ext cx="5415455" cy="1828800"/>
+          </a:xfrm>
+          <a:prstGeom prst="roundRect">
+            <a:avLst/>
+          </a:prstGeom>
+        </p:spPr>
+        <p:style>
+          <a:lnRef idx="2">
+            <a:schemeClr val="accent1">
+              <a:shade val="15000"/>
+            </a:schemeClr>
+          </a:lnRef>
+          <a:fillRef idx="1">
+            <a:schemeClr val="accent1"/>
+          </a:fillRef>
+          <a:effectRef idx="0">
+            <a:schemeClr val="accent1"/>
+          </a:effectRef>
+          <a:fontRef idx="minor">
+            <a:schemeClr val="lt1"/>
+          </a:fontRef>
+        </p:style>
+        <p:txBody>
+          <a:bodyPr rtlCol="0" anchor="ctr"/>
+          <a:lstStyle/>
+          <a:p>
+            <a:pPr algn="ctr"/>
+            <a:endParaRPr lang="en-US"/>
+          </a:p>
+        </p:txBody>
+      </p:sp>
+      <p:sp>
+        <p:nvSpPr>
           <p:cNvPr id="2" name="Title 1">
             <a:extLst>
               <a:ext uri="{FF2B5EF4-FFF2-40B4-BE49-F238E27FC236}">
-                <a16:creationId xmlns:a16="http://schemas.microsoft.com/office/drawing/2014/main" id="{90B0656D-01DF-F902-DF50-546904EA026F}"/>
+                <a16:creationId xmlns:a16="http://schemas.microsoft.com/office/drawing/2014/main" id="{B8AE03C0-0CCE-861F-9560-C1412B9844CE}"/>
               </a:ext>
             </a:extLst>
           </p:cNvPr>
@@ -11141,17 +11218,17 @@
           <a:p>
             <a:r>
               <a:rPr lang="en-US"/>
-              <a:t>MySQL Workbench</a:t>
+              <a:t>Overall Website Design</a:t>
             </a:r>
           </a:p>
         </p:txBody>
       </p:sp>
       <p:sp>
         <p:nvSpPr>
-          <p:cNvPr id="3" name="Content Placeholder 2">
-            <a:extLst>
-              <a:ext uri="{FF2B5EF4-FFF2-40B4-BE49-F238E27FC236}">
-                <a16:creationId xmlns:a16="http://schemas.microsoft.com/office/drawing/2014/main" id="{8FDA106C-6116-0FC0-42CE-D0C972B648E7}"/>
+          <p:cNvPr id="3" name="Table Placeholder 2">
+            <a:extLst>
+              <a:ext uri="{FF2B5EF4-FFF2-40B4-BE49-F238E27FC236}">
+                <a16:creationId xmlns:a16="http://schemas.microsoft.com/office/drawing/2014/main" id="{61785C65-2542-02CE-279F-AC039B97AFF4}"/>
               </a:ext>
             </a:extLst>
           </p:cNvPr>
@@ -11159,85 +11236,64 @@
             <a:spLocks noGrp="1"/>
           </p:cNvSpPr>
           <p:nvPr>
-            <p:ph sz="quarter" idx="13"/>
+            <p:ph type="tbl" sz="quarter" idx="10"/>
           </p:nvPr>
         </p:nvSpPr>
-        <p:spPr>
-          <a:xfrm>
-            <a:off x="595523" y="2676525"/>
-            <a:ext cx="6865636" cy="3597470"/>
-          </a:xfrm>
-        </p:spPr>
+        <p:spPr/>
         <p:txBody>
-          <a:bodyPr vert="horz" lIns="0" tIns="45720" rIns="91440" bIns="45720" rtlCol="0" anchor="t">
-            <a:normAutofit/>
-          </a:bodyPr>
+          <a:bodyPr/>
           <a:lstStyle/>
           <a:p>
-            <a:pPr marL="342900" indent="-342900">
-              <a:buFont typeface="Calibri" panose="020B0604020202020204" pitchFamily="34" charset="0"/>
-              <a:buChar char="-"/>
+            <a:r>
+              <a:rPr lang="en-US"/>
+              <a:t>Due to the database containing private information, several user portals are used to restrict the data they can view.</a:t>
+            </a:r>
+          </a:p>
+          <a:p>
+            <a:r>
+              <a:rPr lang="en-US"/>
+              <a:t>Login type is different per user.</a:t>
+            </a:r>
+          </a:p>
+          <a:p>
+            <a:pPr marL="0" indent="0">
+              <a:buNone/>
             </a:pPr>
-            <a:r>
-              <a:rPr lang="en-US" sz="2400" dirty="0"/>
-              <a:t>A majority of the backend database work will be completed in MySQL Workbench.</a:t>
-            </a:r>
-          </a:p>
-          <a:p>
-            <a:pPr marL="342900" indent="-342900">
-              <a:buFont typeface="Calibri" panose="020B0604020202020204" pitchFamily="34" charset="0"/>
-              <a:buChar char="-"/>
+            <a:endParaRPr lang="en-US"/>
+          </a:p>
+          <a:p>
+            <a:pPr marL="514350" indent="-514350">
+              <a:buAutoNum type="arabicPeriod"/>
             </a:pPr>
             <a:r>
-              <a:rPr lang="en-US" sz="2400" dirty="0"/>
-              <a:t>MySQL Workbench is an accessible editor that provides a comprehensive set of tools that will be necessary for work.</a:t>
-            </a:r>
-          </a:p>
-          <a:p>
-            <a:pPr marL="342900" indent="-342900">
-              <a:buFont typeface="Calibri" panose="020B0604020202020204" pitchFamily="34" charset="0"/>
-              <a:buChar char="-"/>
+              <a:rPr lang="en-US"/>
+              <a:t>Patient Page</a:t>
+            </a:r>
+          </a:p>
+          <a:p>
+            <a:pPr marL="514350" indent="-514350">
+              <a:buAutoNum type="arabicPeriod"/>
             </a:pPr>
             <a:r>
-              <a:rPr lang="en-US" sz="2400" dirty="0"/>
-              <a:t>All queries and schemas will be created here.</a:t>
+              <a:rPr lang="en-US"/>
+              <a:t>Insurance Company Page</a:t>
+            </a:r>
+          </a:p>
+          <a:p>
+            <a:pPr marL="514350" indent="-514350">
+              <a:buAutoNum type="arabicPeriod"/>
+            </a:pPr>
+            <a:r>
+              <a:rPr lang="en-US"/>
+              <a:t>Hospital Page</a:t>
             </a:r>
           </a:p>
         </p:txBody>
       </p:sp>
-      <p:pic>
-        <p:nvPicPr>
-          <p:cNvPr id="5" name="Content Placeholder 4" descr="MySQL Workbench (@MySQLWorkbench) / X">
-            <a:extLst>
-              <a:ext uri="{FF2B5EF4-FFF2-40B4-BE49-F238E27FC236}">
-                <a16:creationId xmlns:a16="http://schemas.microsoft.com/office/drawing/2014/main" id="{1FC947B4-0A73-EC98-898E-58F13E2327BD}"/>
-              </a:ext>
-            </a:extLst>
-          </p:cNvPr>
-          <p:cNvPicPr>
-            <a:picLocks noGrp="1" noChangeAspect="1"/>
-          </p:cNvPicPr>
-          <p:nvPr>
-            <p:ph sz="quarter" idx="14"/>
-          </p:nvPr>
-        </p:nvPicPr>
-        <p:blipFill>
-          <a:blip r:embed="rId2"/>
-          <a:stretch>
-            <a:fillRect/>
-          </a:stretch>
-        </p:blipFill>
-        <p:spPr>
-          <a:xfrm>
-            <a:off x="7464562" y="2557721"/>
-            <a:ext cx="3389935" cy="3198470"/>
-          </a:xfrm>
-        </p:spPr>
-      </p:pic>
     </p:spTree>
     <p:extLst>
       <p:ext uri="{BB962C8B-B14F-4D97-AF65-F5344CB8AC3E}">
-        <p14:creationId xmlns:p14="http://schemas.microsoft.com/office/powerpoint/2010/main" val="394617161"/>
+        <p14:creationId xmlns:p14="http://schemas.microsoft.com/office/powerpoint/2010/main" val="684268377"/>
       </p:ext>
     </p:extLst>
   </p:cSld>
@@ -11269,7 +11325,7 @@
           <p:cNvPr id="2" name="Title 1">
             <a:extLst>
               <a:ext uri="{FF2B5EF4-FFF2-40B4-BE49-F238E27FC236}">
-                <a16:creationId xmlns:a16="http://schemas.microsoft.com/office/drawing/2014/main" id="{90B0656D-01DF-F902-DF50-546904EA026F}"/>
+                <a16:creationId xmlns:a16="http://schemas.microsoft.com/office/drawing/2014/main" id="{D9FB800B-1253-C59B-373B-E757BAB6D312}"/>
               </a:ext>
             </a:extLst>
           </p:cNvPr>
@@ -11287,17 +11343,17 @@
           <a:p>
             <a:r>
               <a:rPr lang="en-US"/>
-              <a:t>MySQL Workbench</a:t>
+              <a:t>PHP and SQL</a:t>
             </a:r>
           </a:p>
         </p:txBody>
       </p:sp>
       <p:sp>
         <p:nvSpPr>
-          <p:cNvPr id="3" name="Content Placeholder 2">
-            <a:extLst>
-              <a:ext uri="{FF2B5EF4-FFF2-40B4-BE49-F238E27FC236}">
-                <a16:creationId xmlns:a16="http://schemas.microsoft.com/office/drawing/2014/main" id="{8FDA106C-6116-0FC0-42CE-D0C972B648E7}"/>
+          <p:cNvPr id="4" name="Content Placeholder 3">
+            <a:extLst>
+              <a:ext uri="{FF2B5EF4-FFF2-40B4-BE49-F238E27FC236}">
+                <a16:creationId xmlns:a16="http://schemas.microsoft.com/office/drawing/2014/main" id="{AB0C4540-895B-2D5A-E78C-877A17BB4E27}"/>
               </a:ext>
             </a:extLst>
           </p:cNvPr>
@@ -11308,64 +11364,37 @@
             <p:ph sz="quarter" idx="13"/>
           </p:nvPr>
         </p:nvSpPr>
-        <p:spPr>
-          <a:xfrm>
-            <a:off x="595523" y="2676525"/>
-            <a:ext cx="6865636" cy="3597470"/>
-          </a:xfrm>
-        </p:spPr>
+        <p:spPr/>
         <p:txBody>
-          <a:bodyPr vert="horz" lIns="0" tIns="45720" rIns="91440" bIns="45720" rtlCol="0" anchor="t">
-            <a:normAutofit/>
-          </a:bodyPr>
+          <a:bodyPr/>
           <a:lstStyle/>
           <a:p>
-            <a:pPr marL="342900" indent="-342900">
-              <a:buFont typeface="Calibri" panose="020B0604020202020204" pitchFamily="34" charset="0"/>
-              <a:buChar char="-"/>
-            </a:pPr>
-            <a:r>
-              <a:rPr lang="en-US" sz="2400" dirty="0"/>
-              <a:t>A majority of the backend database work will be completed in MySQL Workbench.</a:t>
-            </a:r>
-          </a:p>
-          <a:p>
-            <a:pPr marL="342900" indent="-342900">
-              <a:buFont typeface="Calibri" panose="020B0604020202020204" pitchFamily="34" charset="0"/>
-              <a:buChar char="-"/>
-            </a:pPr>
-            <a:r>
-              <a:rPr lang="en-US" sz="2400" dirty="0"/>
-              <a:t>MySQL Workbench is an accessible editor that provides a comprehensive set of tools that will be necessary for work.</a:t>
-            </a:r>
-          </a:p>
-          <a:p>
-            <a:pPr marL="342900" indent="-342900">
-              <a:buFont typeface="Calibri" panose="020B0604020202020204" pitchFamily="34" charset="0"/>
-              <a:buChar char="-"/>
-            </a:pPr>
-            <a:r>
-              <a:rPr lang="en-US" sz="2400" dirty="0"/>
-              <a:t>All queries and schemas will be created here.</a:t>
+            <a:r>
+              <a:rPr lang="en-US"/>
+              <a:t>PHP is easily integrated with HTML and makes querying the database using website data streamlined.</a:t>
+            </a:r>
+          </a:p>
+          <a:p>
+            <a:r>
+              <a:rPr lang="en-US"/>
+              <a:t>It can be used to read and validate the data from the website before querying. </a:t>
             </a:r>
           </a:p>
         </p:txBody>
       </p:sp>
       <p:pic>
         <p:nvPicPr>
-          <p:cNvPr id="5" name="Content Placeholder 4" descr="MySQL Workbench (@MySQLWorkbench) / X">
-            <a:extLst>
-              <a:ext uri="{FF2B5EF4-FFF2-40B4-BE49-F238E27FC236}">
-                <a16:creationId xmlns:a16="http://schemas.microsoft.com/office/drawing/2014/main" id="{1FC947B4-0A73-EC98-898E-58F13E2327BD}"/>
+          <p:cNvPr id="5" name="Picture 4">
+            <a:extLst>
+              <a:ext uri="{FF2B5EF4-FFF2-40B4-BE49-F238E27FC236}">
+                <a16:creationId xmlns:a16="http://schemas.microsoft.com/office/drawing/2014/main" id="{31AE2C1D-03BB-9007-4B91-375F47B7E89B}"/>
               </a:ext>
             </a:extLst>
           </p:cNvPr>
           <p:cNvPicPr>
-            <a:picLocks noGrp="1" noChangeAspect="1"/>
+            <a:picLocks noChangeAspect="1"/>
           </p:cNvPicPr>
-          <p:nvPr>
-            <p:ph sz="quarter" idx="14"/>
-          </p:nvPr>
+          <p:nvPr/>
         </p:nvPicPr>
         <p:blipFill>
           <a:blip r:embed="rId2"/>
@@ -11375,15 +11404,170 @@
         </p:blipFill>
         <p:spPr>
           <a:xfrm>
-            <a:off x="7464562" y="2557721"/>
-            <a:ext cx="3389935" cy="3198470"/>
+            <a:off x="5762297" y="4507759"/>
+            <a:ext cx="2105939" cy="1443721"/>
           </a:xfrm>
+          <a:prstGeom prst="rect">
+            <a:avLst/>
+          </a:prstGeom>
         </p:spPr>
       </p:pic>
+      <p:pic>
+        <p:nvPicPr>
+          <p:cNvPr id="6" name="Picture 5" descr="MySQL logo and symbol, meaning, history, PNG">
+            <a:extLst>
+              <a:ext uri="{FF2B5EF4-FFF2-40B4-BE49-F238E27FC236}">
+                <a16:creationId xmlns:a16="http://schemas.microsoft.com/office/drawing/2014/main" id="{2EEF2EC7-1C04-2D8D-B28E-8724BB256190}"/>
+              </a:ext>
+            </a:extLst>
+          </p:cNvPr>
+          <p:cNvPicPr>
+            <a:picLocks noChangeAspect="1"/>
+          </p:cNvPicPr>
+          <p:nvPr/>
+        </p:nvPicPr>
+        <p:blipFill>
+          <a:blip r:embed="rId3"/>
+          <a:stretch>
+            <a:fillRect/>
+          </a:stretch>
+        </p:blipFill>
+        <p:spPr>
+          <a:xfrm>
+            <a:off x="9175531" y="4227916"/>
+            <a:ext cx="2184742" cy="2063118"/>
+          </a:xfrm>
+          <a:prstGeom prst="rect">
+            <a:avLst/>
+          </a:prstGeom>
+        </p:spPr>
+      </p:pic>
+      <p:pic>
+        <p:nvPicPr>
+          <p:cNvPr id="7" name="Picture 6" descr="Download Logo Html Html5 Royalty-Free Stock Illustration ...">
+            <a:extLst>
+              <a:ext uri="{FF2B5EF4-FFF2-40B4-BE49-F238E27FC236}">
+                <a16:creationId xmlns:a16="http://schemas.microsoft.com/office/drawing/2014/main" id="{1D96C85B-1FAA-DA42-9626-B6DDC671CAF1}"/>
+              </a:ext>
+            </a:extLst>
+          </p:cNvPr>
+          <p:cNvPicPr>
+            <a:picLocks noChangeAspect="1"/>
+          </p:cNvPicPr>
+          <p:nvPr/>
+        </p:nvPicPr>
+        <p:blipFill>
+          <a:blip r:embed="rId4"/>
+          <a:stretch>
+            <a:fillRect/>
+          </a:stretch>
+        </p:blipFill>
+        <p:spPr>
+          <a:xfrm>
+            <a:off x="2262353" y="4419754"/>
+            <a:ext cx="1777808" cy="1680734"/>
+          </a:xfrm>
+          <a:prstGeom prst="rect">
+            <a:avLst/>
+          </a:prstGeom>
+        </p:spPr>
+      </p:pic>
+      <p:sp>
+        <p:nvSpPr>
+          <p:cNvPr id="8" name="Arrow: Right 7">
+            <a:extLst>
+              <a:ext uri="{FF2B5EF4-FFF2-40B4-BE49-F238E27FC236}">
+                <a16:creationId xmlns:a16="http://schemas.microsoft.com/office/drawing/2014/main" id="{5B7DD17F-3217-E626-71AB-4A37AC95398F}"/>
+              </a:ext>
+            </a:extLst>
+          </p:cNvPr>
+          <p:cNvSpPr/>
+          <p:nvPr/>
+        </p:nvSpPr>
+        <p:spPr>
+          <a:xfrm>
+            <a:off x="4319752" y="4871545"/>
+            <a:ext cx="953814" cy="536027"/>
+          </a:xfrm>
+          <a:prstGeom prst="rightArrow">
+            <a:avLst/>
+          </a:prstGeom>
+        </p:spPr>
+        <p:style>
+          <a:lnRef idx="2">
+            <a:schemeClr val="accent1">
+              <a:shade val="15000"/>
+            </a:schemeClr>
+          </a:lnRef>
+          <a:fillRef idx="1">
+            <a:schemeClr val="accent1"/>
+          </a:fillRef>
+          <a:effectRef idx="0">
+            <a:schemeClr val="accent1"/>
+          </a:effectRef>
+          <a:fontRef idx="minor">
+            <a:schemeClr val="lt1"/>
+          </a:fontRef>
+        </p:style>
+        <p:txBody>
+          <a:bodyPr rtlCol="0" anchor="ctr"/>
+          <a:lstStyle/>
+          <a:p>
+            <a:pPr algn="ctr"/>
+            <a:endParaRPr lang="en-US"/>
+          </a:p>
+        </p:txBody>
+      </p:sp>
+      <p:sp>
+        <p:nvSpPr>
+          <p:cNvPr id="9" name="Arrow: Right 8">
+            <a:extLst>
+              <a:ext uri="{FF2B5EF4-FFF2-40B4-BE49-F238E27FC236}">
+                <a16:creationId xmlns:a16="http://schemas.microsoft.com/office/drawing/2014/main" id="{E592AB3F-3374-52AF-9217-FEFE4802A340}"/>
+              </a:ext>
+            </a:extLst>
+          </p:cNvPr>
+          <p:cNvSpPr/>
+          <p:nvPr/>
+        </p:nvSpPr>
+        <p:spPr>
+          <a:xfrm>
+            <a:off x="8113890" y="4871545"/>
+            <a:ext cx="953814" cy="536027"/>
+          </a:xfrm>
+          <a:prstGeom prst="rightArrow">
+            <a:avLst/>
+          </a:prstGeom>
+        </p:spPr>
+        <p:style>
+          <a:lnRef idx="2">
+            <a:schemeClr val="accent1">
+              <a:shade val="15000"/>
+            </a:schemeClr>
+          </a:lnRef>
+          <a:fillRef idx="1">
+            <a:schemeClr val="accent1"/>
+          </a:fillRef>
+          <a:effectRef idx="0">
+            <a:schemeClr val="accent1"/>
+          </a:effectRef>
+          <a:fontRef idx="minor">
+            <a:schemeClr val="lt1"/>
+          </a:fontRef>
+        </p:style>
+        <p:txBody>
+          <a:bodyPr rtlCol="0" anchor="ctr"/>
+          <a:lstStyle/>
+          <a:p>
+            <a:pPr algn="ctr"/>
+            <a:endParaRPr lang="en-US"/>
+          </a:p>
+        </p:txBody>
+      </p:sp>
     </p:spTree>
     <p:extLst>
       <p:ext uri="{BB962C8B-B14F-4D97-AF65-F5344CB8AC3E}">
-        <p14:creationId xmlns:p14="http://schemas.microsoft.com/office/powerpoint/2010/main" val="2701544248"/>
+        <p14:creationId xmlns:p14="http://schemas.microsoft.com/office/powerpoint/2010/main" val="867436982"/>
       </p:ext>
     </p:extLst>
   </p:cSld>
@@ -11483,10 +11667,10 @@
               <a:buNone/>
             </a:pPr>
             <a:r>
-              <a:rPr lang="en-US" u="sng" dirty="0"/>
+              <a:rPr lang="en-US" u="sng"/>
               <a:t>MEDITECH</a:t>
             </a:r>
-            <a:endParaRPr lang="en-US" dirty="0"/>
+            <a:endParaRPr lang="en-US"/>
           </a:p>
           <a:p>
             <a:pPr marL="568960" indent="-285750">
@@ -11500,7 +11684,7 @@
               <a:buChar char="-"/>
             </a:pPr>
             <a:r>
-              <a:rPr lang="en-US" sz="1800" dirty="0"/>
+              <a:rPr lang="en-US" sz="1800"/>
               <a:t>Offers integrated EHR (Electronic Health Record) and healthcare data 	management solutions for both healthcare organizations and hospitals. 	MEDITECH Expanse provides efficient and safe support for a wide range of 	applications.</a:t>
             </a:r>
           </a:p>
@@ -11515,10 +11699,10 @@
               <a:buNone/>
             </a:pPr>
             <a:r>
-              <a:rPr lang="en-US" u="sng" dirty="0"/>
+              <a:rPr lang="en-US" u="sng"/>
               <a:t>Epic Systems</a:t>
             </a:r>
-            <a:endParaRPr lang="en-US" dirty="0"/>
+            <a:endParaRPr lang="en-US"/>
           </a:p>
           <a:p>
             <a:pPr marL="0" indent="0">
@@ -11531,11 +11715,11 @@
               <a:buNone/>
             </a:pPr>
             <a:r>
-              <a:rPr lang="en-US" sz="1600" dirty="0"/>
+              <a:rPr lang="en-US" sz="1600"/>
               <a:t>  -     </a:t>
             </a:r>
             <a:r>
-              <a:rPr lang="en-US" sz="1800" dirty="0"/>
+              <a:rPr lang="en-US" sz="1800"/>
               <a:t>Epic is one of the largest EHR providers in the world. Their system, EpicCare, is 	widely used and specializes in seamless interoperability between different 	health facilities.</a:t>
             </a:r>
           </a:p>
@@ -11550,7 +11734,7 @@
               <a:buNone/>
             </a:pPr>
             <a:r>
-              <a:rPr lang="en-US" u="sng" dirty="0"/>
+              <a:rPr lang="en-US" u="sng"/>
               <a:t>Cerner</a:t>
             </a:r>
           </a:p>
@@ -11566,7 +11750,7 @@
               <a:buChar char="-"/>
             </a:pPr>
             <a:r>
-              <a:rPr lang="en-US" sz="1800" dirty="0"/>
+              <a:rPr lang="en-US" sz="1800"/>
               <a:t>Cerner's flagship platform is called Cerner Millennium. It is mainly utilized to 	manage patient records, workflows, medication, and revenue. It focuses on 	operation efficiency and improving clinical outcomes.</a:t>
             </a:r>
           </a:p>
@@ -11574,7 +11758,7 @@
             <a:pPr marL="0" indent="0">
               <a:buNone/>
             </a:pPr>
-            <a:endParaRPr lang="en-US" dirty="0"/>
+            <a:endParaRPr lang="en-US"/>
           </a:p>
         </p:txBody>
       </p:sp>
@@ -11809,7 +11993,7 @@
           <a:p>
             <a:pPr marL="283210" indent="-283210"/>
             <a:r>
-              <a:rPr lang="en-US" dirty="0">
+              <a:rPr lang="en-US">
                 <a:solidFill>
                   <a:schemeClr val="bg1"/>
                 </a:solidFill>
@@ -11820,7 +12004,7 @@
           <a:p>
             <a:pPr marL="283210" indent="-283210"/>
             <a:r>
-              <a:rPr lang="en-US" dirty="0">
+              <a:rPr lang="en-US">
                 <a:solidFill>
                   <a:schemeClr val="bg1"/>
                 </a:solidFill>
@@ -11831,7 +12015,7 @@
           <a:p>
             <a:pPr marL="283210" indent="-283210"/>
             <a:r>
-              <a:rPr lang="en-US" dirty="0">
+              <a:rPr lang="en-US">
                 <a:solidFill>
                   <a:schemeClr val="bg1"/>
                 </a:solidFill>
@@ -13159,7 +13343,7 @@
           <a:lstStyle/>
           <a:p>
             <a:r>
-              <a:rPr lang="en-US" dirty="0"/>
+              <a:rPr lang="en-US"/>
               <a:t>Database</a:t>
             </a:r>
           </a:p>
@@ -13225,14 +13409,14 @@
           <a:lstStyle/>
           <a:p>
             <a:r>
-              <a:rPr lang="en-US" dirty="0"/>
+              <a:rPr lang="en-US"/>
               <a:t>Basic</a:t>
             </a:r>
             <a:br>
-              <a:rPr lang="en-US" dirty="0"/>
+              <a:rPr lang="en-US"/>
             </a:br>
             <a:r>
-              <a:rPr lang="en-US" dirty="0"/>
+              <a:rPr lang="en-US"/>
               <a:t>Schema</a:t>
             </a:r>
           </a:p>
@@ -14191,9 +14375,27 @@
 </file>
 
 <file path=customXml/item1.xml><?xml version="1.0" encoding="utf-8"?>
-<ct:contentTypeSchema xmlns:ct="http://schemas.microsoft.com/office/2006/metadata/contentType" xmlns:ma="http://schemas.microsoft.com/office/2006/metadata/properties/metaAttributes" ct:_="" ma:_="" ma:contentTypeName="Document" ma:contentTypeID="0x0101001ED1717C43E29F48965591C0FE3FB630" ma:contentTypeVersion="4" ma:contentTypeDescription="Create a new document." ma:contentTypeScope="" ma:versionID="62a7fd9bec01966bed193029b7b5d442">
-  <xsd:schema xmlns:xsd="http://www.w3.org/2001/XMLSchema" xmlns:xs="http://www.w3.org/2001/XMLSchema" xmlns:p="http://schemas.microsoft.com/office/2006/metadata/properties" xmlns:ns3="11d7ce33-dfe0-44a5-a210-f9ab29f6f09c" targetNamespace="http://schemas.microsoft.com/office/2006/metadata/properties" ma:root="true" ma:fieldsID="358376cd24425d39587cc3c67456aa86" ns3:_="">
+<p:properties xmlns:p="http://schemas.microsoft.com/office/2006/metadata/properties" xmlns:xsi="http://www.w3.org/2001/XMLSchema-instance" xmlns:pc="http://schemas.microsoft.com/office/infopath/2007/PartnerControls">
+  <documentManagement>
+    <_activity xmlns="11d7ce33-dfe0-44a5-a210-f9ab29f6f09c" xsi:nil="true"/>
+  </documentManagement>
+</p:properties>
+</file>
+
+<file path=customXml/item2.xml><?xml version="1.0" encoding="utf-8"?>
+<?mso-contentType ?>
+<FormTemplates xmlns="http://schemas.microsoft.com/sharepoint/v3/contenttype/forms">
+  <Display>DocumentLibraryForm</Display>
+  <Edit>DocumentLibraryForm</Edit>
+  <New>DocumentLibraryForm</New>
+</FormTemplates>
+</file>
+
+<file path=customXml/item3.xml><?xml version="1.0" encoding="utf-8"?>
+<ct:contentTypeSchema xmlns:ct="http://schemas.microsoft.com/office/2006/metadata/contentType" xmlns:ma="http://schemas.microsoft.com/office/2006/metadata/properties/metaAttributes" ct:_="" ma:_="" ma:contentTypeName="Document" ma:contentTypeID="0x0101001ED1717C43E29F48965591C0FE3FB630" ma:contentTypeVersion="8" ma:contentTypeDescription="Create a new document." ma:contentTypeScope="" ma:versionID="007bec110b1aee58e70eaab377d92dfe">
+  <xsd:schema xmlns:xsd="http://www.w3.org/2001/XMLSchema" xmlns:xs="http://www.w3.org/2001/XMLSchema" xmlns:p="http://schemas.microsoft.com/office/2006/metadata/properties" xmlns:ns3="11d7ce33-dfe0-44a5-a210-f9ab29f6f09c" xmlns:ns4="5dc1f009-03bb-4a08-950e-aabddf1dd0e9" targetNamespace="http://schemas.microsoft.com/office/2006/metadata/properties" ma:root="true" ma:fieldsID="8ef50bc3df263c62a6192b3a4c84f7cf" ns3:_="" ns4:_="">
     <xsd:import namespace="11d7ce33-dfe0-44a5-a210-f9ab29f6f09c"/>
+    <xsd:import namespace="5dc1f009-03bb-4a08-950e-aabddf1dd0e9"/>
     <xsd:element name="properties">
       <xsd:complexType>
         <xsd:sequence>
@@ -14204,6 +14406,10 @@
                 <xsd:element ref="ns3:MediaServiceFastMetadata" minOccurs="0"/>
                 <xsd:element ref="ns3:MediaServiceObjectDetectorVersions" minOccurs="0"/>
                 <xsd:element ref="ns3:MediaServiceSearchProperties" minOccurs="0"/>
+                <xsd:element ref="ns4:SharedWithUsers" minOccurs="0"/>
+                <xsd:element ref="ns4:SharedWithDetails" minOccurs="0"/>
+                <xsd:element ref="ns4:SharingHintHash" minOccurs="0"/>
+                <xsd:element ref="ns3:_activity" minOccurs="0"/>
               </xsd:all>
             </xsd:complexType>
           </xsd:element>
@@ -14232,6 +14438,46 @@
     <xsd:element name="MediaServiceSearchProperties" ma:index="11" nillable="true" ma:displayName="MediaServiceSearchProperties" ma:hidden="true" ma:internalName="MediaServiceSearchProperties" ma:readOnly="true">
       <xsd:simpleType>
         <xsd:restriction base="dms:Note"/>
+      </xsd:simpleType>
+    </xsd:element>
+    <xsd:element name="_activity" ma:index="15" nillable="true" ma:displayName="_activity" ma:hidden="true" ma:internalName="_activity">
+      <xsd:simpleType>
+        <xsd:restriction base="dms:Note"/>
+      </xsd:simpleType>
+    </xsd:element>
+  </xsd:schema>
+  <xsd:schema xmlns:xsd="http://www.w3.org/2001/XMLSchema" xmlns:xs="http://www.w3.org/2001/XMLSchema" xmlns:dms="http://schemas.microsoft.com/office/2006/documentManagement/types" xmlns:pc="http://schemas.microsoft.com/office/infopath/2007/PartnerControls" targetNamespace="5dc1f009-03bb-4a08-950e-aabddf1dd0e9" elementFormDefault="qualified">
+    <xsd:import namespace="http://schemas.microsoft.com/office/2006/documentManagement/types"/>
+    <xsd:import namespace="http://schemas.microsoft.com/office/infopath/2007/PartnerControls"/>
+    <xsd:element name="SharedWithUsers" ma:index="12" nillable="true" ma:displayName="Shared With" ma:internalName="SharedWithUsers" ma:readOnly="true">
+      <xsd:complexType>
+        <xsd:complexContent>
+          <xsd:extension base="dms:UserMulti">
+            <xsd:sequence>
+              <xsd:element name="UserInfo" minOccurs="0" maxOccurs="unbounded">
+                <xsd:complexType>
+                  <xsd:sequence>
+                    <xsd:element name="DisplayName" type="xsd:string" minOccurs="0"/>
+                    <xsd:element name="AccountId" type="dms:UserId" minOccurs="0" nillable="true"/>
+                    <xsd:element name="AccountType" type="xsd:string" minOccurs="0"/>
+                  </xsd:sequence>
+                </xsd:complexType>
+              </xsd:element>
+            </xsd:sequence>
+          </xsd:extension>
+        </xsd:complexContent>
+      </xsd:complexType>
+    </xsd:element>
+    <xsd:element name="SharedWithDetails" ma:index="13" nillable="true" ma:displayName="Shared With Details" ma:internalName="SharedWithDetails" ma:readOnly="true">
+      <xsd:simpleType>
+        <xsd:restriction base="dms:Note">
+          <xsd:maxLength value="255"/>
+        </xsd:restriction>
+      </xsd:simpleType>
+    </xsd:element>
+    <xsd:element name="SharingHintHash" ma:index="14" nillable="true" ma:displayName="Sharing Hint Hash" ma:hidden="true" ma:internalName="SharingHintHash" ma:readOnly="true">
+      <xsd:simpleType>
+        <xsd:restriction base="dms:Text"/>
       </xsd:simpleType>
     </xsd:element>
   </xsd:schema>
@@ -14334,25 +14580,36 @@
 </ct:contentTypeSchema>
 </file>
 
-<file path=customXml/item2.xml><?xml version="1.0" encoding="utf-8"?>
-<p:properties xmlns:p="http://schemas.microsoft.com/office/2006/metadata/properties" xmlns:xsi="http://www.w3.org/2001/XMLSchema-instance" xmlns:pc="http://schemas.microsoft.com/office/infopath/2007/PartnerControls">
-  <documentManagement/>
-</p:properties>
+<file path=customXml/itemProps1.xml><?xml version="1.0" encoding="utf-8"?>
+<ds:datastoreItem xmlns:ds="http://schemas.openxmlformats.org/officeDocument/2006/customXml" ds:itemID="{4F4B194E-8B30-4377-8C59-ECFB902D2A26}">
+  <ds:schemaRefs>
+    <ds:schemaRef ds:uri="11d7ce33-dfe0-44a5-a210-f9ab29f6f09c"/>
+    <ds:schemaRef ds:uri="5dc1f009-03bb-4a08-950e-aabddf1dd0e9"/>
+    <ds:schemaRef ds:uri="http://purl.org/dc/dcmitype/"/>
+    <ds:schemaRef ds:uri="http://purl.org/dc/elements/1.1/"/>
+    <ds:schemaRef ds:uri="http://purl.org/dc/terms/"/>
+    <ds:schemaRef ds:uri="http://schemas.microsoft.com/office/2006/documentManagement/types"/>
+    <ds:schemaRef ds:uri="http://schemas.microsoft.com/office/2006/metadata/properties"/>
+    <ds:schemaRef ds:uri="http://schemas.microsoft.com/office/infopath/2007/PartnerControls"/>
+    <ds:schemaRef ds:uri="http://schemas.openxmlformats.org/package/2006/metadata/core-properties"/>
+    <ds:schemaRef ds:uri="http://www.w3.org/XML/1998/namespace"/>
+  </ds:schemaRefs>
+</ds:datastoreItem>
 </file>
 
-<file path=customXml/item3.xml><?xml version="1.0" encoding="utf-8"?>
-<?mso-contentType ?>
-<FormTemplates xmlns="http://schemas.microsoft.com/sharepoint/v3/contenttype/forms">
-  <Display>DocumentLibraryForm</Display>
-  <Edit>DocumentLibraryForm</Edit>
-  <New>DocumentLibraryForm</New>
-</FormTemplates>
+<file path=customXml/itemProps2.xml><?xml version="1.0" encoding="utf-8"?>
+<ds:datastoreItem xmlns:ds="http://schemas.openxmlformats.org/officeDocument/2006/customXml" ds:itemID="{C21FFAC0-05A2-416A-B06C-C248395482CF}">
+  <ds:schemaRefs>
+    <ds:schemaRef ds:uri="http://schemas.microsoft.com/sharepoint/v3/contenttype/forms"/>
+  </ds:schemaRefs>
+</ds:datastoreItem>
 </file>
 
-<file path=customXml/itemProps1.xml><?xml version="1.0" encoding="utf-8"?>
-<ds:datastoreItem xmlns:ds="http://schemas.openxmlformats.org/officeDocument/2006/customXml" ds:itemID="{9BF9334E-2928-4D7B-B45A-44C3D4D2C41D}">
+<file path=customXml/itemProps3.xml><?xml version="1.0" encoding="utf-8"?>
+<ds:datastoreItem xmlns:ds="http://schemas.openxmlformats.org/officeDocument/2006/customXml" ds:itemID="{2E25E1FC-564E-4386-A895-BC4FF5BAEBEE}">
   <ds:schemaRefs>
     <ds:schemaRef ds:uri="11d7ce33-dfe0-44a5-a210-f9ab29f6f09c"/>
+    <ds:schemaRef ds:uri="5dc1f009-03bb-4a08-950e-aabddf1dd0e9"/>
     <ds:schemaRef ds:uri="http://purl.org/dc/elements/1.1/"/>
     <ds:schemaRef ds:uri="http://purl.org/dc/terms/"/>
     <ds:schemaRef ds:uri="http://schemas.microsoft.com/internal/obd"/>
@@ -14367,30 +14624,6 @@
 </ds:datastoreItem>
 </file>
 
-<file path=customXml/itemProps2.xml><?xml version="1.0" encoding="utf-8"?>
-<ds:datastoreItem xmlns:ds="http://schemas.openxmlformats.org/officeDocument/2006/customXml" ds:itemID="{4F4B194E-8B30-4377-8C59-ECFB902D2A26}">
-  <ds:schemaRefs>
-    <ds:schemaRef ds:uri="11d7ce33-dfe0-44a5-a210-f9ab29f6f09c"/>
-    <ds:schemaRef ds:uri="http://purl.org/dc/dcmitype/"/>
-    <ds:schemaRef ds:uri="http://purl.org/dc/elements/1.1/"/>
-    <ds:schemaRef ds:uri="http://purl.org/dc/terms/"/>
-    <ds:schemaRef ds:uri="http://schemas.microsoft.com/office/2006/documentManagement/types"/>
-    <ds:schemaRef ds:uri="http://schemas.microsoft.com/office/2006/metadata/properties"/>
-    <ds:schemaRef ds:uri="http://schemas.microsoft.com/office/infopath/2007/PartnerControls"/>
-    <ds:schemaRef ds:uri="http://schemas.openxmlformats.org/package/2006/metadata/core-properties"/>
-    <ds:schemaRef ds:uri="http://www.w3.org/XML/1998/namespace"/>
-  </ds:schemaRefs>
-</ds:datastoreItem>
-</file>
-
-<file path=customXml/itemProps3.xml><?xml version="1.0" encoding="utf-8"?>
-<ds:datastoreItem xmlns:ds="http://schemas.openxmlformats.org/officeDocument/2006/customXml" ds:itemID="{C21FFAC0-05A2-416A-B06C-C248395482CF}">
-  <ds:schemaRefs>
-    <ds:schemaRef ds:uri="http://schemas.microsoft.com/sharepoint/v3/contenttype/forms"/>
-  </ds:schemaRefs>
-</ds:datastoreItem>
-</file>
-
 <file path=docMetadata/LabelInfo.xml><?xml version="1.0" encoding="utf-8"?>
 <clbl:labelList xmlns:clbl="http://schemas.microsoft.com/office/2020/mipLabelMetadata"/>
 </file>
--- a/Presentation/HealthcareDatabaseManagementSystemPresentation.pptx
+++ b/Presentation/HealthcareDatabaseManagementSystemPresentation.pptx
@@ -5,10 +5,10 @@
     <p:sldMasterId id="2147483658" r:id="rId4"/>
   </p:sldMasterIdLst>
   <p:notesMasterIdLst>
-    <p:notesMasterId r:id="rId28"/>
+    <p:notesMasterId r:id="rId32"/>
   </p:notesMasterIdLst>
   <p:handoutMasterIdLst>
-    <p:handoutMasterId r:id="rId29"/>
+    <p:handoutMasterId r:id="rId33"/>
   </p:handoutMasterIdLst>
   <p:sldIdLst>
     <p:sldId id="410" r:id="rId5"/>
@@ -18,22 +18,26 @@
     <p:sldId id="423" r:id="rId9"/>
     <p:sldId id="418" r:id="rId10"/>
     <p:sldId id="419" r:id="rId11"/>
-    <p:sldId id="434" r:id="rId12"/>
-    <p:sldId id="416" r:id="rId13"/>
-    <p:sldId id="427" r:id="rId14"/>
-    <p:sldId id="428" r:id="rId15"/>
-    <p:sldId id="429" r:id="rId16"/>
-    <p:sldId id="430" r:id="rId17"/>
-    <p:sldId id="431" r:id="rId18"/>
-    <p:sldId id="420" r:id="rId19"/>
-    <p:sldId id="424" r:id="rId20"/>
-    <p:sldId id="412" r:id="rId21"/>
-    <p:sldId id="415" r:id="rId22"/>
-    <p:sldId id="425" r:id="rId23"/>
-    <p:sldId id="426" r:id="rId24"/>
-    <p:sldId id="433" r:id="rId25"/>
-    <p:sldId id="437" r:id="rId26"/>
-    <p:sldId id="438" r:id="rId27"/>
+    <p:sldId id="441" r:id="rId12"/>
+    <p:sldId id="420" r:id="rId13"/>
+    <p:sldId id="424" r:id="rId14"/>
+    <p:sldId id="412" r:id="rId15"/>
+    <p:sldId id="415" r:id="rId16"/>
+    <p:sldId id="425" r:id="rId17"/>
+    <p:sldId id="426" r:id="rId18"/>
+    <p:sldId id="438" r:id="rId19"/>
+    <p:sldId id="433" r:id="rId20"/>
+    <p:sldId id="437" r:id="rId21"/>
+    <p:sldId id="440" r:id="rId22"/>
+    <p:sldId id="434" r:id="rId23"/>
+    <p:sldId id="416" r:id="rId24"/>
+    <p:sldId id="427" r:id="rId25"/>
+    <p:sldId id="428" r:id="rId26"/>
+    <p:sldId id="429" r:id="rId27"/>
+    <p:sldId id="430" r:id="rId28"/>
+    <p:sldId id="439" r:id="rId29"/>
+    <p:sldId id="431" r:id="rId30"/>
+    <p:sldId id="442" r:id="rId31"/>
   </p:sldIdLst>
   <p:sldSz cx="12192000" cy="6858000"/>
   <p:notesSz cx="6858000" cy="9144000"/>
@@ -158,7 +162,8 @@
 <file path=ppt/revisionInfo.xml><?xml version="1.0" encoding="utf-8"?>
 <p1510:revInfo xmlns:a="http://schemas.openxmlformats.org/drawingml/2006/main" xmlns:r="http://schemas.openxmlformats.org/officeDocument/2006/relationships" xmlns:p1510="http://schemas.microsoft.com/office/powerpoint/2015/10/main">
   <p1510:revLst>
-    <p1510:client id="{5576BB5A-F0B7-4F54-85FA-0A5989D44800}" v="833" dt="2024-03-21T23:43:05.718"/>
+    <p1510:client id="{2BC5FD47-D778-4E66-93B3-22BD62538FDE}" v="51" dt="2024-04-23T01:03:02.057"/>
+    <p1510:client id="{F37377B7-C3CF-45AC-A2A6-EEC78155C116}" v="222" dt="2024-04-23T00:24:10.783"/>
   </p1510:revLst>
 </p1510:revInfo>
 </file>
@@ -220,7 +225,7 @@
           <a:p>
             <a:fld id="{1EBEDD12-BCD5-485B-BCBC-34BB01D7923C}" type="datetimeFigureOut">
               <a:rPr lang="en-US" smtClean="0"/>
-              <a:t>3/21/2024</a:t>
+              <a:t>4/22/2024</a:t>
             </a:fld>
             <a:endParaRPr lang="en-US"/>
           </a:p>
@@ -434,7 +439,7 @@
           <a:p>
             <a:fld id="{6EE7A52F-9D89-7442-A8E9-48D1527B5F6B}" type="datetimeFigureOut">
               <a:rPr lang="en-US" smtClean="0"/>
-              <a:t>3/21/2024</a:t>
+              <a:t>4/22/2024</a:t>
             </a:fld>
             <a:endParaRPr lang="en-US"/>
           </a:p>
@@ -9183,704 +9188,6 @@
 <file path=ppt/slides/slide10.xml><?xml version="1.0" encoding="utf-8"?>
 <p:sld xmlns:a="http://schemas.openxmlformats.org/drawingml/2006/main" xmlns:r="http://schemas.openxmlformats.org/officeDocument/2006/relationships" xmlns:p="http://schemas.openxmlformats.org/presentationml/2006/main">
   <p:cSld>
-    <p:bg>
-      <p:bgPr>
-        <a:solidFill>
-          <a:schemeClr val="accent1"/>
-        </a:solidFill>
-        <a:effectLst/>
-      </p:bgPr>
-    </p:bg>
-    <p:spTree>
-      <p:nvGrpSpPr>
-        <p:cNvPr id="1" name=""/>
-        <p:cNvGrpSpPr/>
-        <p:nvPr/>
-      </p:nvGrpSpPr>
-      <p:grpSpPr>
-        <a:xfrm>
-          <a:off x="0" y="0"/>
-          <a:ext cx="0" cy="0"/>
-          <a:chOff x="0" y="0"/>
-          <a:chExt cx="0" cy="0"/>
-        </a:xfrm>
-      </p:grpSpPr>
-      <p:sp>
-        <p:nvSpPr>
-          <p:cNvPr id="2" name="Title 1">
-            <a:extLst>
-              <a:ext uri="{FF2B5EF4-FFF2-40B4-BE49-F238E27FC236}">
-                <a16:creationId xmlns:a16="http://schemas.microsoft.com/office/drawing/2014/main" id="{4E3F9206-A795-C7ED-7814-16D6ABD97F9A}"/>
-              </a:ext>
-            </a:extLst>
-          </p:cNvPr>
-          <p:cNvSpPr>
-            <a:spLocks noGrp="1"/>
-          </p:cNvSpPr>
-          <p:nvPr>
-            <p:ph type="title"/>
-          </p:nvPr>
-        </p:nvSpPr>
-        <p:spPr/>
-        <p:txBody>
-          <a:bodyPr/>
-          <a:lstStyle/>
-          <a:p>
-            <a:r>
-              <a:rPr lang="en-US"/>
-              <a:t>Patient Table</a:t>
-            </a:r>
-          </a:p>
-        </p:txBody>
-      </p:sp>
-      <p:sp>
-        <p:nvSpPr>
-          <p:cNvPr id="3" name="Content Placeholder 2">
-            <a:extLst>
-              <a:ext uri="{FF2B5EF4-FFF2-40B4-BE49-F238E27FC236}">
-                <a16:creationId xmlns:a16="http://schemas.microsoft.com/office/drawing/2014/main" id="{8B26E0C8-E97A-F7FF-C3CA-1814C5714F8B}"/>
-              </a:ext>
-            </a:extLst>
-          </p:cNvPr>
-          <p:cNvSpPr>
-            <a:spLocks noGrp="1"/>
-          </p:cNvSpPr>
-          <p:nvPr>
-            <p:ph sz="quarter" idx="13"/>
-          </p:nvPr>
-        </p:nvSpPr>
-        <p:spPr/>
-        <p:txBody>
-          <a:bodyPr vert="horz" lIns="0" tIns="228600" rIns="0" bIns="0" rtlCol="0" anchor="t">
-            <a:normAutofit/>
-          </a:bodyPr>
-          <a:lstStyle/>
-          <a:p>
-            <a:pPr marL="283210" indent="-283210"/>
-            <a:r>
-              <a:rPr lang="en-US">
-                <a:solidFill>
-                  <a:schemeClr val="bg1"/>
-                </a:solidFill>
-              </a:rPr>
-              <a:t>Contains information about individual patients.</a:t>
-            </a:r>
-          </a:p>
-          <a:p>
-            <a:pPr marL="283210" indent="-283210"/>
-            <a:r>
-              <a:rPr lang="en-US">
-                <a:solidFill>
-                  <a:schemeClr val="bg1"/>
-                </a:solidFill>
-              </a:rPr>
-              <a:t>Attributes include personal information such as social security number, address, and contact information.</a:t>
-            </a:r>
-          </a:p>
-          <a:p>
-            <a:pPr marL="283210" indent="-283210"/>
-            <a:r>
-              <a:rPr lang="en-US">
-                <a:solidFill>
-                  <a:schemeClr val="bg1"/>
-                </a:solidFill>
-              </a:rPr>
-              <a:t>Its primary key is social security number.</a:t>
-            </a:r>
-          </a:p>
-          <a:p>
-            <a:pPr marL="283210" indent="-283210"/>
-            <a:r>
-              <a:rPr lang="en-US">
-                <a:solidFill>
-                  <a:schemeClr val="bg1"/>
-                </a:solidFill>
-              </a:rPr>
-              <a:t>Its foreign key is an insurance ID number, which is used to access the insurance table.</a:t>
-            </a:r>
-          </a:p>
-        </p:txBody>
-      </p:sp>
-    </p:spTree>
-    <p:extLst>
-      <p:ext uri="{BB962C8B-B14F-4D97-AF65-F5344CB8AC3E}">
-        <p14:creationId xmlns:p14="http://schemas.microsoft.com/office/powerpoint/2010/main" val="555575388"/>
-      </p:ext>
-    </p:extLst>
-  </p:cSld>
-  <p:clrMapOvr>
-    <a:masterClrMapping/>
-  </p:clrMapOvr>
-</p:sld>
-</file>
-
-<file path=ppt/slides/slide11.xml><?xml version="1.0" encoding="utf-8"?>
-<p:sld xmlns:a="http://schemas.openxmlformats.org/drawingml/2006/main" xmlns:r="http://schemas.openxmlformats.org/officeDocument/2006/relationships" xmlns:p="http://schemas.openxmlformats.org/presentationml/2006/main">
-  <p:cSld>
-    <p:bg>
-      <p:bgPr>
-        <a:solidFill>
-          <a:schemeClr val="accent2"/>
-        </a:solidFill>
-        <a:effectLst/>
-      </p:bgPr>
-    </p:bg>
-    <p:spTree>
-      <p:nvGrpSpPr>
-        <p:cNvPr id="1" name=""/>
-        <p:cNvGrpSpPr/>
-        <p:nvPr/>
-      </p:nvGrpSpPr>
-      <p:grpSpPr>
-        <a:xfrm>
-          <a:off x="0" y="0"/>
-          <a:ext cx="0" cy="0"/>
-          <a:chOff x="0" y="0"/>
-          <a:chExt cx="0" cy="0"/>
-        </a:xfrm>
-      </p:grpSpPr>
-      <p:sp>
-        <p:nvSpPr>
-          <p:cNvPr id="2" name="Title 1">
-            <a:extLst>
-              <a:ext uri="{FF2B5EF4-FFF2-40B4-BE49-F238E27FC236}">
-                <a16:creationId xmlns:a16="http://schemas.microsoft.com/office/drawing/2014/main" id="{4E3F9206-A795-C7ED-7814-16D6ABD97F9A}"/>
-              </a:ext>
-            </a:extLst>
-          </p:cNvPr>
-          <p:cNvSpPr>
-            <a:spLocks noGrp="1"/>
-          </p:cNvSpPr>
-          <p:nvPr>
-            <p:ph type="title"/>
-          </p:nvPr>
-        </p:nvSpPr>
-        <p:spPr/>
-        <p:txBody>
-          <a:bodyPr/>
-          <a:lstStyle/>
-          <a:p>
-            <a:r>
-              <a:rPr lang="en-US"/>
-              <a:t>Billing Table</a:t>
-            </a:r>
-          </a:p>
-        </p:txBody>
-      </p:sp>
-      <p:sp>
-        <p:nvSpPr>
-          <p:cNvPr id="3" name="Content Placeholder 2">
-            <a:extLst>
-              <a:ext uri="{FF2B5EF4-FFF2-40B4-BE49-F238E27FC236}">
-                <a16:creationId xmlns:a16="http://schemas.microsoft.com/office/drawing/2014/main" id="{8B26E0C8-E97A-F7FF-C3CA-1814C5714F8B}"/>
-              </a:ext>
-            </a:extLst>
-          </p:cNvPr>
-          <p:cNvSpPr>
-            <a:spLocks noGrp="1"/>
-          </p:cNvSpPr>
-          <p:nvPr>
-            <p:ph sz="quarter" idx="13"/>
-          </p:nvPr>
-        </p:nvSpPr>
-        <p:spPr/>
-        <p:txBody>
-          <a:bodyPr vert="horz" lIns="0" tIns="228600" rIns="0" bIns="0" rtlCol="0" anchor="t">
-            <a:normAutofit/>
-          </a:bodyPr>
-          <a:lstStyle/>
-          <a:p>
-            <a:pPr marL="283210" indent="-283210"/>
-            <a:r>
-              <a:rPr lang="en-US">
-                <a:solidFill>
-                  <a:schemeClr val="bg1"/>
-                </a:solidFill>
-              </a:rPr>
-              <a:t>Contains information about transactions.</a:t>
-            </a:r>
-          </a:p>
-          <a:p>
-            <a:pPr marL="283210" indent="-283210"/>
-            <a:r>
-              <a:rPr lang="en-US">
-                <a:solidFill>
-                  <a:schemeClr val="bg1"/>
-                </a:solidFill>
-              </a:rPr>
-              <a:t>Attributes include information on procedure costs, past operations, and anything related to payment.</a:t>
-            </a:r>
-          </a:p>
-          <a:p>
-            <a:pPr marL="283210" indent="-283210"/>
-            <a:r>
-              <a:rPr lang="en-US">
-                <a:solidFill>
-                  <a:schemeClr val="bg1"/>
-                </a:solidFill>
-              </a:rPr>
-              <a:t>Its primary key a billing ID number.</a:t>
-            </a:r>
-          </a:p>
-          <a:p>
-            <a:pPr marL="283210" indent="-283210"/>
-            <a:r>
-              <a:rPr lang="en-US">
-                <a:solidFill>
-                  <a:schemeClr val="bg1"/>
-                </a:solidFill>
-              </a:rPr>
-              <a:t>Its first foreign key is SSN to access the patient table.</a:t>
-            </a:r>
-          </a:p>
-          <a:p>
-            <a:pPr marL="283210" indent="-283210"/>
-            <a:r>
-              <a:rPr lang="en-US">
-                <a:solidFill>
-                  <a:schemeClr val="bg1"/>
-                </a:solidFill>
-              </a:rPr>
-              <a:t>Its second foreign key is a procedure code which  accesses the procedure table.</a:t>
-            </a:r>
-          </a:p>
-        </p:txBody>
-      </p:sp>
-    </p:spTree>
-    <p:extLst>
-      <p:ext uri="{BB962C8B-B14F-4D97-AF65-F5344CB8AC3E}">
-        <p14:creationId xmlns:p14="http://schemas.microsoft.com/office/powerpoint/2010/main" val="1442064200"/>
-      </p:ext>
-    </p:extLst>
-  </p:cSld>
-  <p:clrMapOvr>
-    <a:masterClrMapping/>
-  </p:clrMapOvr>
-</p:sld>
-</file>
-
-<file path=ppt/slides/slide12.xml><?xml version="1.0" encoding="utf-8"?>
-<p:sld xmlns:a="http://schemas.openxmlformats.org/drawingml/2006/main" xmlns:r="http://schemas.openxmlformats.org/officeDocument/2006/relationships" xmlns:p="http://schemas.openxmlformats.org/presentationml/2006/main">
-  <p:cSld>
-    <p:bg>
-      <p:bgPr>
-        <a:solidFill>
-          <a:schemeClr val="accent1"/>
-        </a:solidFill>
-        <a:effectLst/>
-      </p:bgPr>
-    </p:bg>
-    <p:spTree>
-      <p:nvGrpSpPr>
-        <p:cNvPr id="1" name=""/>
-        <p:cNvGrpSpPr/>
-        <p:nvPr/>
-      </p:nvGrpSpPr>
-      <p:grpSpPr>
-        <a:xfrm>
-          <a:off x="0" y="0"/>
-          <a:ext cx="0" cy="0"/>
-          <a:chOff x="0" y="0"/>
-          <a:chExt cx="0" cy="0"/>
-        </a:xfrm>
-      </p:grpSpPr>
-      <p:sp>
-        <p:nvSpPr>
-          <p:cNvPr id="2" name="Title 1">
-            <a:extLst>
-              <a:ext uri="{FF2B5EF4-FFF2-40B4-BE49-F238E27FC236}">
-                <a16:creationId xmlns:a16="http://schemas.microsoft.com/office/drawing/2014/main" id="{4E3F9206-A795-C7ED-7814-16D6ABD97F9A}"/>
-              </a:ext>
-            </a:extLst>
-          </p:cNvPr>
-          <p:cNvSpPr>
-            <a:spLocks noGrp="1"/>
-          </p:cNvSpPr>
-          <p:nvPr>
-            <p:ph type="title"/>
-          </p:nvPr>
-        </p:nvSpPr>
-        <p:spPr/>
-        <p:txBody>
-          <a:bodyPr/>
-          <a:lstStyle/>
-          <a:p>
-            <a:r>
-              <a:rPr lang="en-US"/>
-              <a:t>Insurance Table</a:t>
-            </a:r>
-          </a:p>
-        </p:txBody>
-      </p:sp>
-      <p:sp>
-        <p:nvSpPr>
-          <p:cNvPr id="3" name="Content Placeholder 2">
-            <a:extLst>
-              <a:ext uri="{FF2B5EF4-FFF2-40B4-BE49-F238E27FC236}">
-                <a16:creationId xmlns:a16="http://schemas.microsoft.com/office/drawing/2014/main" id="{8B26E0C8-E97A-F7FF-C3CA-1814C5714F8B}"/>
-              </a:ext>
-            </a:extLst>
-          </p:cNvPr>
-          <p:cNvSpPr>
-            <a:spLocks noGrp="1"/>
-          </p:cNvSpPr>
-          <p:nvPr>
-            <p:ph sz="quarter" idx="13"/>
-          </p:nvPr>
-        </p:nvSpPr>
-        <p:spPr/>
-        <p:txBody>
-          <a:bodyPr vert="horz" lIns="0" tIns="228600" rIns="0" bIns="0" rtlCol="0" anchor="t">
-            <a:normAutofit/>
-          </a:bodyPr>
-          <a:lstStyle/>
-          <a:p>
-            <a:pPr marL="283210" indent="-283210"/>
-            <a:r>
-              <a:rPr lang="en-US">
-                <a:solidFill>
-                  <a:schemeClr val="bg1"/>
-                </a:solidFill>
-              </a:rPr>
-              <a:t>Contains insurance information</a:t>
-            </a:r>
-          </a:p>
-          <a:p>
-            <a:pPr marL="283210" indent="-283210"/>
-            <a:r>
-              <a:rPr lang="en-US">
-                <a:solidFill>
-                  <a:schemeClr val="bg1"/>
-                </a:solidFill>
-              </a:rPr>
-              <a:t>Attributes include insurance company name, policy number, and dates.</a:t>
-            </a:r>
-          </a:p>
-          <a:p>
-            <a:pPr marL="283210" indent="-283210"/>
-            <a:r>
-              <a:rPr lang="en-US">
-                <a:solidFill>
-                  <a:schemeClr val="bg1"/>
-                </a:solidFill>
-              </a:rPr>
-              <a:t>Its primary key is insurance number.</a:t>
-            </a:r>
-          </a:p>
-          <a:p>
-            <a:pPr marL="283210" indent="-283210"/>
-            <a:r>
-              <a:rPr lang="en-US">
-                <a:solidFill>
-                  <a:schemeClr val="bg1"/>
-                </a:solidFill>
-              </a:rPr>
-              <a:t>It has no foreign key.</a:t>
-            </a:r>
-          </a:p>
-        </p:txBody>
-      </p:sp>
-    </p:spTree>
-    <p:extLst>
-      <p:ext uri="{BB962C8B-B14F-4D97-AF65-F5344CB8AC3E}">
-        <p14:creationId xmlns:p14="http://schemas.microsoft.com/office/powerpoint/2010/main" val="215277334"/>
-      </p:ext>
-    </p:extLst>
-  </p:cSld>
-  <p:clrMapOvr>
-    <a:masterClrMapping/>
-  </p:clrMapOvr>
-</p:sld>
-</file>
-
-<file path=ppt/slides/slide13.xml><?xml version="1.0" encoding="utf-8"?>
-<p:sld xmlns:a="http://schemas.openxmlformats.org/drawingml/2006/main" xmlns:r="http://schemas.openxmlformats.org/officeDocument/2006/relationships" xmlns:p="http://schemas.openxmlformats.org/presentationml/2006/main">
-  <p:cSld>
-    <p:bg>
-      <p:bgPr>
-        <a:solidFill>
-          <a:schemeClr val="accent2"/>
-        </a:solidFill>
-        <a:effectLst/>
-      </p:bgPr>
-    </p:bg>
-    <p:spTree>
-      <p:nvGrpSpPr>
-        <p:cNvPr id="1" name=""/>
-        <p:cNvGrpSpPr/>
-        <p:nvPr/>
-      </p:nvGrpSpPr>
-      <p:grpSpPr>
-        <a:xfrm>
-          <a:off x="0" y="0"/>
-          <a:ext cx="0" cy="0"/>
-          <a:chOff x="0" y="0"/>
-          <a:chExt cx="0" cy="0"/>
-        </a:xfrm>
-      </p:grpSpPr>
-      <p:sp>
-        <p:nvSpPr>
-          <p:cNvPr id="2" name="Title 1">
-            <a:extLst>
-              <a:ext uri="{FF2B5EF4-FFF2-40B4-BE49-F238E27FC236}">
-                <a16:creationId xmlns:a16="http://schemas.microsoft.com/office/drawing/2014/main" id="{4E3F9206-A795-C7ED-7814-16D6ABD97F9A}"/>
-              </a:ext>
-            </a:extLst>
-          </p:cNvPr>
-          <p:cNvSpPr>
-            <a:spLocks noGrp="1"/>
-          </p:cNvSpPr>
-          <p:nvPr>
-            <p:ph type="title"/>
-          </p:nvPr>
-        </p:nvSpPr>
-        <p:spPr/>
-        <p:txBody>
-          <a:bodyPr/>
-          <a:lstStyle/>
-          <a:p>
-            <a:r>
-              <a:rPr lang="en-US"/>
-              <a:t>Procedure Table</a:t>
-            </a:r>
-          </a:p>
-        </p:txBody>
-      </p:sp>
-      <p:sp>
-        <p:nvSpPr>
-          <p:cNvPr id="3" name="Content Placeholder 2">
-            <a:extLst>
-              <a:ext uri="{FF2B5EF4-FFF2-40B4-BE49-F238E27FC236}">
-                <a16:creationId xmlns:a16="http://schemas.microsoft.com/office/drawing/2014/main" id="{8B26E0C8-E97A-F7FF-C3CA-1814C5714F8B}"/>
-              </a:ext>
-            </a:extLst>
-          </p:cNvPr>
-          <p:cNvSpPr>
-            <a:spLocks noGrp="1"/>
-          </p:cNvSpPr>
-          <p:nvPr>
-            <p:ph sz="quarter" idx="13"/>
-          </p:nvPr>
-        </p:nvSpPr>
-        <p:spPr/>
-        <p:txBody>
-          <a:bodyPr vert="horz" lIns="0" tIns="228600" rIns="0" bIns="0" rtlCol="0" anchor="t">
-            <a:normAutofit/>
-          </a:bodyPr>
-          <a:lstStyle/>
-          <a:p>
-            <a:pPr marL="283210" indent="-283210"/>
-            <a:r>
-              <a:rPr lang="en-US">
-                <a:solidFill>
-                  <a:schemeClr val="bg1"/>
-                </a:solidFill>
-              </a:rPr>
-              <a:t>Contains information about past procedures.</a:t>
-            </a:r>
-          </a:p>
-          <a:p>
-            <a:pPr marL="283210" indent="-283210"/>
-            <a:r>
-              <a:rPr lang="en-US">
-                <a:solidFill>
-                  <a:schemeClr val="bg1"/>
-                </a:solidFill>
-              </a:rPr>
-              <a:t>Attributes include dates, operation type via code, and a description of the operation.</a:t>
-            </a:r>
-          </a:p>
-          <a:p>
-            <a:pPr marL="283210" indent="-283210"/>
-            <a:r>
-              <a:rPr lang="en-US">
-                <a:solidFill>
-                  <a:schemeClr val="bg1"/>
-                </a:solidFill>
-              </a:rPr>
-              <a:t>Its primary key is the procedure code.</a:t>
-            </a:r>
-          </a:p>
-          <a:p>
-            <a:pPr marL="283210" indent="-283210"/>
-            <a:r>
-              <a:rPr lang="en-US">
-                <a:solidFill>
-                  <a:schemeClr val="bg1"/>
-                </a:solidFill>
-              </a:rPr>
-              <a:t>It has no foreign key.</a:t>
-            </a:r>
-          </a:p>
-        </p:txBody>
-      </p:sp>
-    </p:spTree>
-    <p:extLst>
-      <p:ext uri="{BB962C8B-B14F-4D97-AF65-F5344CB8AC3E}">
-        <p14:creationId xmlns:p14="http://schemas.microsoft.com/office/powerpoint/2010/main" val="1133866786"/>
-      </p:ext>
-    </p:extLst>
-  </p:cSld>
-  <p:clrMapOvr>
-    <a:masterClrMapping/>
-  </p:clrMapOvr>
-</p:sld>
-</file>
-
-<file path=ppt/slides/slide14.xml><?xml version="1.0" encoding="utf-8"?>
-<p:sld xmlns:a="http://schemas.openxmlformats.org/drawingml/2006/main" xmlns:r="http://schemas.openxmlformats.org/officeDocument/2006/relationships" xmlns:p="http://schemas.openxmlformats.org/presentationml/2006/main">
-  <p:cSld>
-    <p:spTree>
-      <p:nvGrpSpPr>
-        <p:cNvPr id="1" name=""/>
-        <p:cNvGrpSpPr/>
-        <p:nvPr/>
-      </p:nvGrpSpPr>
-      <p:grpSpPr>
-        <a:xfrm>
-          <a:off x="0" y="0"/>
-          <a:ext cx="0" cy="0"/>
-          <a:chOff x="0" y="0"/>
-          <a:chExt cx="0" cy="0"/>
-        </a:xfrm>
-      </p:grpSpPr>
-      <p:sp>
-        <p:nvSpPr>
-          <p:cNvPr id="2" name="Title 1">
-            <a:extLst>
-              <a:ext uri="{FF2B5EF4-FFF2-40B4-BE49-F238E27FC236}">
-                <a16:creationId xmlns:a16="http://schemas.microsoft.com/office/drawing/2014/main" id="{4E3F9206-A795-C7ED-7814-16D6ABD97F9A}"/>
-              </a:ext>
-            </a:extLst>
-          </p:cNvPr>
-          <p:cNvSpPr>
-            <a:spLocks noGrp="1"/>
-          </p:cNvSpPr>
-          <p:nvPr>
-            <p:ph type="title"/>
-          </p:nvPr>
-        </p:nvSpPr>
-        <p:spPr>
-          <a:xfrm>
-            <a:off x="2702126" y="472440"/>
-            <a:ext cx="6787747" cy="685799"/>
-          </a:xfrm>
-        </p:spPr>
-        <p:txBody>
-          <a:bodyPr/>
-          <a:lstStyle/>
-          <a:p>
-            <a:pPr algn="ctr"/>
-            <a:r>
-              <a:rPr lang="en-US"/>
-              <a:t>EER Diagram</a:t>
-            </a:r>
-          </a:p>
-        </p:txBody>
-      </p:sp>
-      <p:pic>
-        <p:nvPicPr>
-          <p:cNvPr id="5" name="Content Placeholder 4">
-            <a:extLst>
-              <a:ext uri="{FF2B5EF4-FFF2-40B4-BE49-F238E27FC236}">
-                <a16:creationId xmlns:a16="http://schemas.microsoft.com/office/drawing/2014/main" id="{82B2BB56-86D3-81FB-0741-2926301DBCD9}"/>
-              </a:ext>
-            </a:extLst>
-          </p:cNvPr>
-          <p:cNvPicPr>
-            <a:picLocks noGrp="1" noChangeAspect="1"/>
-          </p:cNvPicPr>
-          <p:nvPr>
-            <p:ph sz="quarter" idx="13"/>
-          </p:nvPr>
-        </p:nvPicPr>
-        <p:blipFill>
-          <a:blip r:embed="rId2"/>
-          <a:stretch>
-            <a:fillRect/>
-          </a:stretch>
-        </p:blipFill>
-        <p:spPr>
-          <a:xfrm>
-            <a:off x="2267730" y="1264919"/>
-            <a:ext cx="7656539" cy="5057787"/>
-          </a:xfrm>
-        </p:spPr>
-      </p:pic>
-    </p:spTree>
-    <p:extLst>
-      <p:ext uri="{BB962C8B-B14F-4D97-AF65-F5344CB8AC3E}">
-        <p14:creationId xmlns:p14="http://schemas.microsoft.com/office/powerpoint/2010/main" val="2786145554"/>
-      </p:ext>
-    </p:extLst>
-  </p:cSld>
-  <p:clrMapOvr>
-    <a:masterClrMapping/>
-  </p:clrMapOvr>
-</p:sld>
-</file>
-
-<file path=ppt/slides/slide15.xml><?xml version="1.0" encoding="utf-8"?>
-<p:sld xmlns:a="http://schemas.openxmlformats.org/drawingml/2006/main" xmlns:r="http://schemas.openxmlformats.org/officeDocument/2006/relationships" xmlns:p="http://schemas.openxmlformats.org/presentationml/2006/main">
-  <p:cSld>
-    <p:spTree>
-      <p:nvGrpSpPr>
-        <p:cNvPr id="1" name=""/>
-        <p:cNvGrpSpPr/>
-        <p:nvPr/>
-      </p:nvGrpSpPr>
-      <p:grpSpPr>
-        <a:xfrm>
-          <a:off x="0" y="0"/>
-          <a:ext cx="0" cy="0"/>
-          <a:chOff x="0" y="0"/>
-          <a:chExt cx="0" cy="0"/>
-        </a:xfrm>
-      </p:grpSpPr>
-      <p:sp>
-        <p:nvSpPr>
-          <p:cNvPr id="2" name="Title 1">
-            <a:extLst>
-              <a:ext uri="{FF2B5EF4-FFF2-40B4-BE49-F238E27FC236}">
-                <a16:creationId xmlns:a16="http://schemas.microsoft.com/office/drawing/2014/main" id="{4459B701-27A8-7166-3951-1D38DA0708BA}"/>
-              </a:ext>
-            </a:extLst>
-          </p:cNvPr>
-          <p:cNvSpPr>
-            <a:spLocks noGrp="1"/>
-          </p:cNvSpPr>
-          <p:nvPr>
-            <p:ph type="title"/>
-          </p:nvPr>
-        </p:nvSpPr>
-        <p:spPr/>
-        <p:txBody>
-          <a:bodyPr/>
-          <a:lstStyle/>
-          <a:p>
-            <a:r>
-              <a:rPr lang="en-US"/>
-              <a:t>Technology Stack</a:t>
-            </a:r>
-          </a:p>
-        </p:txBody>
-      </p:sp>
-    </p:spTree>
-    <p:extLst>
-      <p:ext uri="{BB962C8B-B14F-4D97-AF65-F5344CB8AC3E}">
-        <p14:creationId xmlns:p14="http://schemas.microsoft.com/office/powerpoint/2010/main" val="2790568823"/>
-      </p:ext>
-    </p:extLst>
-  </p:cSld>
-  <p:clrMapOvr>
-    <a:masterClrMapping/>
-  </p:clrMapOvr>
-</p:sld>
-</file>
-
-<file path=ppt/slides/slide16.xml><?xml version="1.0" encoding="utf-8"?>
-<p:sld xmlns:a="http://schemas.openxmlformats.org/drawingml/2006/main" xmlns:r="http://schemas.openxmlformats.org/officeDocument/2006/relationships" xmlns:p="http://schemas.openxmlformats.org/presentationml/2006/main">
-  <p:cSld>
     <p:spTree>
       <p:nvGrpSpPr>
         <p:cNvPr id="1" name=""/>
@@ -10024,7 +9331,7 @@
 </p:sld>
 </file>
 
-<file path=ppt/slides/slide17.xml><?xml version="1.0" encoding="utf-8"?>
+<file path=ppt/slides/slide11.xml><?xml version="1.0" encoding="utf-8"?>
 <p:sld xmlns:a="http://schemas.openxmlformats.org/drawingml/2006/main" xmlns:r="http://schemas.openxmlformats.org/officeDocument/2006/relationships" xmlns:p="http://schemas.openxmlformats.org/presentationml/2006/main">
   <p:cSld>
     <p:spTree>
@@ -10299,7 +9606,7 @@
 </p:sld>
 </file>
 
-<file path=ppt/slides/slide18.xml><?xml version="1.0" encoding="utf-8"?>
+<file path=ppt/slides/slide12.xml><?xml version="1.0" encoding="utf-8"?>
 <p:sld xmlns:a="http://schemas.openxmlformats.org/drawingml/2006/main" xmlns:r="http://schemas.openxmlformats.org/officeDocument/2006/relationships" xmlns:p="http://schemas.openxmlformats.org/presentationml/2006/main">
   <p:cSld>
     <p:spTree>
@@ -10552,7 +9859,7 @@
 </p:sld>
 </file>
 
-<file path=ppt/slides/slide19.xml><?xml version="1.0" encoding="utf-8"?>
+<file path=ppt/slides/slide13.xml><?xml version="1.0" encoding="utf-8"?>
 <p:sld xmlns:a="http://schemas.openxmlformats.org/drawingml/2006/main" xmlns:r="http://schemas.openxmlformats.org/officeDocument/2006/relationships" xmlns:p="http://schemas.openxmlformats.org/presentationml/2006/main">
   <p:cSld>
     <p:spTree>
@@ -10799,159 +10106,7 @@
 </p:sld>
 </file>
 
-<file path=ppt/slides/slide2.xml><?xml version="1.0" encoding="utf-8"?>
-<p:sld xmlns:a="http://schemas.openxmlformats.org/drawingml/2006/main" xmlns:r="http://schemas.openxmlformats.org/officeDocument/2006/relationships" xmlns:p="http://schemas.openxmlformats.org/presentationml/2006/main">
-  <p:cSld>
-    <p:spTree>
-      <p:nvGrpSpPr>
-        <p:cNvPr id="1" name=""/>
-        <p:cNvGrpSpPr/>
-        <p:nvPr/>
-      </p:nvGrpSpPr>
-      <p:grpSpPr>
-        <a:xfrm>
-          <a:off x="0" y="0"/>
-          <a:ext cx="0" cy="0"/>
-          <a:chOff x="0" y="0"/>
-          <a:chExt cx="0" cy="0"/>
-        </a:xfrm>
-      </p:grpSpPr>
-      <p:sp>
-        <p:nvSpPr>
-          <p:cNvPr id="2" name="Title 1">
-            <a:extLst>
-              <a:ext uri="{FF2B5EF4-FFF2-40B4-BE49-F238E27FC236}">
-                <a16:creationId xmlns:a16="http://schemas.microsoft.com/office/drawing/2014/main" id="{4E3F9206-A795-C7ED-7814-16D6ABD97F9A}"/>
-              </a:ext>
-            </a:extLst>
-          </p:cNvPr>
-          <p:cNvSpPr>
-            <a:spLocks noGrp="1"/>
-          </p:cNvSpPr>
-          <p:nvPr>
-            <p:ph type="title"/>
-          </p:nvPr>
-        </p:nvSpPr>
-        <p:spPr/>
-        <p:txBody>
-          <a:bodyPr/>
-          <a:lstStyle/>
-          <a:p>
-            <a:r>
-              <a:rPr lang="en-US"/>
-              <a:t>Main Idea</a:t>
-            </a:r>
-          </a:p>
-        </p:txBody>
-      </p:sp>
-      <p:sp>
-        <p:nvSpPr>
-          <p:cNvPr id="3" name="Content Placeholder 2">
-            <a:extLst>
-              <a:ext uri="{FF2B5EF4-FFF2-40B4-BE49-F238E27FC236}">
-                <a16:creationId xmlns:a16="http://schemas.microsoft.com/office/drawing/2014/main" id="{8B26E0C8-E97A-F7FF-C3CA-1814C5714F8B}"/>
-              </a:ext>
-            </a:extLst>
-          </p:cNvPr>
-          <p:cNvSpPr>
-            <a:spLocks noGrp="1"/>
-          </p:cNvSpPr>
-          <p:nvPr>
-            <p:ph sz="quarter" idx="13"/>
-          </p:nvPr>
-        </p:nvSpPr>
-        <p:spPr/>
-        <p:txBody>
-          <a:bodyPr vert="horz" lIns="0" tIns="228600" rIns="0" bIns="0" rtlCol="0" anchor="t">
-            <a:normAutofit/>
-          </a:bodyPr>
-          <a:lstStyle/>
-          <a:p>
-            <a:pPr marL="283210" indent="-283210"/>
-            <a:r>
-              <a:rPr lang="en-US">
-                <a:solidFill>
-                  <a:schemeClr val="bg1"/>
-                </a:solidFill>
-              </a:rPr>
-              <a:t>The main goal is to create a database system that may be utilized via website by hospitals, insurance companies, and patients to store and access data.</a:t>
-            </a:r>
-          </a:p>
-          <a:p>
-            <a:pPr marL="283210" indent="-283210"/>
-            <a:r>
-              <a:rPr lang="en-US">
-                <a:solidFill>
-                  <a:schemeClr val="bg1"/>
-                </a:solidFill>
-              </a:rPr>
-              <a:t>This system will focus on the general information that a health facility is expected to incorporate:</a:t>
-            </a:r>
-          </a:p>
-          <a:p>
-            <a:pPr lvl="1">
-              <a:buFontTx/>
-              <a:buChar char="-"/>
-            </a:pPr>
-            <a:r>
-              <a:rPr lang="en-US"/>
-              <a:t>Patients</a:t>
-            </a:r>
-          </a:p>
-          <a:p>
-            <a:pPr lvl="1">
-              <a:buFontTx/>
-              <a:buChar char="-"/>
-            </a:pPr>
-            <a:r>
-              <a:rPr lang="en-US"/>
-              <a:t>Insurance</a:t>
-            </a:r>
-          </a:p>
-          <a:p>
-            <a:pPr lvl="1">
-              <a:buFontTx/>
-              <a:buChar char="-"/>
-            </a:pPr>
-            <a:r>
-              <a:rPr lang="en-US"/>
-              <a:t>Billing</a:t>
-            </a:r>
-          </a:p>
-          <a:p>
-            <a:pPr lvl="1">
-              <a:buFontTx/>
-              <a:buChar char="-"/>
-            </a:pPr>
-            <a:r>
-              <a:rPr lang="en-US"/>
-              <a:t>Procedure data</a:t>
-            </a:r>
-          </a:p>
-          <a:p>
-            <a:pPr marL="685546" lvl="1" indent="-283210"/>
-            <a:endParaRPr lang="en-US"/>
-          </a:p>
-          <a:p>
-            <a:pPr marL="685546" lvl="1" indent="-283210"/>
-            <a:endParaRPr lang="en-US"/>
-          </a:p>
-        </p:txBody>
-      </p:sp>
-    </p:spTree>
-    <p:extLst>
-      <p:ext uri="{BB962C8B-B14F-4D97-AF65-F5344CB8AC3E}">
-        <p14:creationId xmlns:p14="http://schemas.microsoft.com/office/powerpoint/2010/main" val="3548240917"/>
-      </p:ext>
-    </p:extLst>
-  </p:cSld>
-  <p:clrMapOvr>
-    <a:masterClrMapping/>
-  </p:clrMapOvr>
-</p:sld>
-</file>
-
-<file path=ppt/slides/slide20.xml><?xml version="1.0" encoding="utf-8"?>
+<file path=ppt/slides/slide14.xml><?xml version="1.0" encoding="utf-8"?>
 <p:sld xmlns:a="http://schemas.openxmlformats.org/drawingml/2006/main" xmlns:r="http://schemas.openxmlformats.org/officeDocument/2006/relationships" xmlns:p="http://schemas.openxmlformats.org/presentationml/2006/main">
   <p:cSld>
     <p:spTree>
@@ -11074,7 +10229,7 @@
 </p:sld>
 </file>
 
-<file path=ppt/slides/slide21.xml><?xml version="1.0" encoding="utf-8"?>
+<file path=ppt/slides/slide15.xml><?xml version="1.0" encoding="utf-8"?>
 <p:sld xmlns:a="http://schemas.openxmlformats.org/drawingml/2006/main" xmlns:r="http://schemas.openxmlformats.org/officeDocument/2006/relationships" xmlns:p="http://schemas.openxmlformats.org/presentationml/2006/main">
   <p:cSld>
     <p:spTree>
@@ -11096,6 +10251,280 @@
           <p:cNvPr id="2" name="Title 1">
             <a:extLst>
               <a:ext uri="{FF2B5EF4-FFF2-40B4-BE49-F238E27FC236}">
+                <a16:creationId xmlns:a16="http://schemas.microsoft.com/office/drawing/2014/main" id="{D9FB800B-1253-C59B-373B-E757BAB6D312}"/>
+              </a:ext>
+            </a:extLst>
+          </p:cNvPr>
+          <p:cNvSpPr>
+            <a:spLocks noGrp="1"/>
+          </p:cNvSpPr>
+          <p:nvPr>
+            <p:ph type="title"/>
+          </p:nvPr>
+        </p:nvSpPr>
+        <p:spPr/>
+        <p:txBody>
+          <a:bodyPr/>
+          <a:lstStyle/>
+          <a:p>
+            <a:r>
+              <a:rPr lang="en-US"/>
+              <a:t>PHP and SQL</a:t>
+            </a:r>
+          </a:p>
+        </p:txBody>
+      </p:sp>
+      <p:sp>
+        <p:nvSpPr>
+          <p:cNvPr id="4" name="Content Placeholder 3">
+            <a:extLst>
+              <a:ext uri="{FF2B5EF4-FFF2-40B4-BE49-F238E27FC236}">
+                <a16:creationId xmlns:a16="http://schemas.microsoft.com/office/drawing/2014/main" id="{AB0C4540-895B-2D5A-E78C-877A17BB4E27}"/>
+              </a:ext>
+            </a:extLst>
+          </p:cNvPr>
+          <p:cNvSpPr>
+            <a:spLocks noGrp="1"/>
+          </p:cNvSpPr>
+          <p:nvPr>
+            <p:ph sz="quarter" idx="13"/>
+          </p:nvPr>
+        </p:nvSpPr>
+        <p:spPr/>
+        <p:txBody>
+          <a:bodyPr/>
+          <a:lstStyle/>
+          <a:p>
+            <a:r>
+              <a:rPr lang="en-US"/>
+              <a:t>PHP is easily integrated with HTML and makes querying the database using website data streamlined.</a:t>
+            </a:r>
+          </a:p>
+          <a:p>
+            <a:r>
+              <a:rPr lang="en-US"/>
+              <a:t>It can be used to read and validate the data from the website before querying. </a:t>
+            </a:r>
+          </a:p>
+        </p:txBody>
+      </p:sp>
+      <p:pic>
+        <p:nvPicPr>
+          <p:cNvPr id="5" name="Picture 4">
+            <a:extLst>
+              <a:ext uri="{FF2B5EF4-FFF2-40B4-BE49-F238E27FC236}">
+                <a16:creationId xmlns:a16="http://schemas.microsoft.com/office/drawing/2014/main" id="{31AE2C1D-03BB-9007-4B91-375F47B7E89B}"/>
+              </a:ext>
+            </a:extLst>
+          </p:cNvPr>
+          <p:cNvPicPr>
+            <a:picLocks noChangeAspect="1"/>
+          </p:cNvPicPr>
+          <p:nvPr/>
+        </p:nvPicPr>
+        <p:blipFill>
+          <a:blip r:embed="rId2"/>
+          <a:stretch>
+            <a:fillRect/>
+          </a:stretch>
+        </p:blipFill>
+        <p:spPr>
+          <a:xfrm>
+            <a:off x="5762297" y="4507759"/>
+            <a:ext cx="2105939" cy="1443721"/>
+          </a:xfrm>
+          <a:prstGeom prst="rect">
+            <a:avLst/>
+          </a:prstGeom>
+        </p:spPr>
+      </p:pic>
+      <p:pic>
+        <p:nvPicPr>
+          <p:cNvPr id="6" name="Picture 5" descr="MySQL logo and symbol, meaning, history, PNG">
+            <a:extLst>
+              <a:ext uri="{FF2B5EF4-FFF2-40B4-BE49-F238E27FC236}">
+                <a16:creationId xmlns:a16="http://schemas.microsoft.com/office/drawing/2014/main" id="{2EEF2EC7-1C04-2D8D-B28E-8724BB256190}"/>
+              </a:ext>
+            </a:extLst>
+          </p:cNvPr>
+          <p:cNvPicPr>
+            <a:picLocks noChangeAspect="1"/>
+          </p:cNvPicPr>
+          <p:nvPr/>
+        </p:nvPicPr>
+        <p:blipFill>
+          <a:blip r:embed="rId3"/>
+          <a:stretch>
+            <a:fillRect/>
+          </a:stretch>
+        </p:blipFill>
+        <p:spPr>
+          <a:xfrm>
+            <a:off x="9175531" y="4227916"/>
+            <a:ext cx="2184742" cy="2063118"/>
+          </a:xfrm>
+          <a:prstGeom prst="rect">
+            <a:avLst/>
+          </a:prstGeom>
+        </p:spPr>
+      </p:pic>
+      <p:pic>
+        <p:nvPicPr>
+          <p:cNvPr id="7" name="Picture 6" descr="Download Logo Html Html5 Royalty-Free Stock Illustration ...">
+            <a:extLst>
+              <a:ext uri="{FF2B5EF4-FFF2-40B4-BE49-F238E27FC236}">
+                <a16:creationId xmlns:a16="http://schemas.microsoft.com/office/drawing/2014/main" id="{1D96C85B-1FAA-DA42-9626-B6DDC671CAF1}"/>
+              </a:ext>
+            </a:extLst>
+          </p:cNvPr>
+          <p:cNvPicPr>
+            <a:picLocks noChangeAspect="1"/>
+          </p:cNvPicPr>
+          <p:nvPr/>
+        </p:nvPicPr>
+        <p:blipFill>
+          <a:blip r:embed="rId4"/>
+          <a:stretch>
+            <a:fillRect/>
+          </a:stretch>
+        </p:blipFill>
+        <p:spPr>
+          <a:xfrm>
+            <a:off x="2262353" y="4419754"/>
+            <a:ext cx="1777808" cy="1680734"/>
+          </a:xfrm>
+          <a:prstGeom prst="rect">
+            <a:avLst/>
+          </a:prstGeom>
+        </p:spPr>
+      </p:pic>
+      <p:sp>
+        <p:nvSpPr>
+          <p:cNvPr id="8" name="Arrow: Right 7">
+            <a:extLst>
+              <a:ext uri="{FF2B5EF4-FFF2-40B4-BE49-F238E27FC236}">
+                <a16:creationId xmlns:a16="http://schemas.microsoft.com/office/drawing/2014/main" id="{5B7DD17F-3217-E626-71AB-4A37AC95398F}"/>
+              </a:ext>
+            </a:extLst>
+          </p:cNvPr>
+          <p:cNvSpPr/>
+          <p:nvPr/>
+        </p:nvSpPr>
+        <p:spPr>
+          <a:xfrm>
+            <a:off x="4319752" y="4871545"/>
+            <a:ext cx="953814" cy="536027"/>
+          </a:xfrm>
+          <a:prstGeom prst="rightArrow">
+            <a:avLst/>
+          </a:prstGeom>
+        </p:spPr>
+        <p:style>
+          <a:lnRef idx="2">
+            <a:schemeClr val="accent1">
+              <a:shade val="15000"/>
+            </a:schemeClr>
+          </a:lnRef>
+          <a:fillRef idx="1">
+            <a:schemeClr val="accent1"/>
+          </a:fillRef>
+          <a:effectRef idx="0">
+            <a:schemeClr val="accent1"/>
+          </a:effectRef>
+          <a:fontRef idx="minor">
+            <a:schemeClr val="lt1"/>
+          </a:fontRef>
+        </p:style>
+        <p:txBody>
+          <a:bodyPr rtlCol="0" anchor="ctr"/>
+          <a:lstStyle/>
+          <a:p>
+            <a:pPr algn="ctr"/>
+            <a:endParaRPr lang="en-US"/>
+          </a:p>
+        </p:txBody>
+      </p:sp>
+      <p:sp>
+        <p:nvSpPr>
+          <p:cNvPr id="9" name="Arrow: Right 8">
+            <a:extLst>
+              <a:ext uri="{FF2B5EF4-FFF2-40B4-BE49-F238E27FC236}">
+                <a16:creationId xmlns:a16="http://schemas.microsoft.com/office/drawing/2014/main" id="{E592AB3F-3374-52AF-9217-FEFE4802A340}"/>
+              </a:ext>
+            </a:extLst>
+          </p:cNvPr>
+          <p:cNvSpPr/>
+          <p:nvPr/>
+        </p:nvSpPr>
+        <p:spPr>
+          <a:xfrm>
+            <a:off x="8113890" y="4871545"/>
+            <a:ext cx="953814" cy="536027"/>
+          </a:xfrm>
+          <a:prstGeom prst="rightArrow">
+            <a:avLst/>
+          </a:prstGeom>
+        </p:spPr>
+        <p:style>
+          <a:lnRef idx="2">
+            <a:schemeClr val="accent1">
+              <a:shade val="15000"/>
+            </a:schemeClr>
+          </a:lnRef>
+          <a:fillRef idx="1">
+            <a:schemeClr val="accent1"/>
+          </a:fillRef>
+          <a:effectRef idx="0">
+            <a:schemeClr val="accent1"/>
+          </a:effectRef>
+          <a:fontRef idx="minor">
+            <a:schemeClr val="lt1"/>
+          </a:fontRef>
+        </p:style>
+        <p:txBody>
+          <a:bodyPr rtlCol="0" anchor="ctr"/>
+          <a:lstStyle/>
+          <a:p>
+            <a:pPr algn="ctr"/>
+            <a:endParaRPr lang="en-US"/>
+          </a:p>
+        </p:txBody>
+      </p:sp>
+    </p:spTree>
+    <p:extLst>
+      <p:ext uri="{BB962C8B-B14F-4D97-AF65-F5344CB8AC3E}">
+        <p14:creationId xmlns:p14="http://schemas.microsoft.com/office/powerpoint/2010/main" val="867436982"/>
+      </p:ext>
+    </p:extLst>
+  </p:cSld>
+  <p:clrMapOvr>
+    <a:masterClrMapping/>
+  </p:clrMapOvr>
+</p:sld>
+</file>
+
+<file path=ppt/slides/slide16.xml><?xml version="1.0" encoding="utf-8"?>
+<p:sld xmlns:a="http://schemas.openxmlformats.org/drawingml/2006/main" xmlns:r="http://schemas.openxmlformats.org/officeDocument/2006/relationships" xmlns:p="http://schemas.openxmlformats.org/presentationml/2006/main">
+  <p:cSld>
+    <p:spTree>
+      <p:nvGrpSpPr>
+        <p:cNvPr id="1" name=""/>
+        <p:cNvGrpSpPr/>
+        <p:nvPr/>
+      </p:nvGrpSpPr>
+      <p:grpSpPr>
+        <a:xfrm>
+          <a:off x="0" y="0"/>
+          <a:ext cx="0" cy="0"/>
+          <a:chOff x="0" y="0"/>
+          <a:chExt cx="0" cy="0"/>
+        </a:xfrm>
+      </p:grpSpPr>
+      <p:sp>
+        <p:nvSpPr>
+          <p:cNvPr id="2" name="Title 1">
+            <a:extLst>
+              <a:ext uri="{FF2B5EF4-FFF2-40B4-BE49-F238E27FC236}">
                 <a16:creationId xmlns:a16="http://schemas.microsoft.com/office/drawing/2014/main" id="{4459B701-27A8-7166-3951-1D38DA0708BA}"/>
               </a:ext>
             </a:extLst>
@@ -11132,7 +10561,7 @@
 </p:sld>
 </file>
 
-<file path=ppt/slides/slide22.xml><?xml version="1.0" encoding="utf-8"?>
+<file path=ppt/slides/slide17.xml><?xml version="1.0" encoding="utf-8"?>
 <p:sld xmlns:a="http://schemas.openxmlformats.org/drawingml/2006/main" xmlns:r="http://schemas.openxmlformats.org/officeDocument/2006/relationships" xmlns:p="http://schemas.openxmlformats.org/presentationml/2006/main">
   <p:cSld>
     <p:spTree>
@@ -11245,13 +10674,13 @@
           <a:lstStyle/>
           <a:p>
             <a:r>
-              <a:rPr lang="en-US"/>
+              <a:rPr lang="en-US" dirty="0"/>
               <a:t>Due to the database containing private information, several user portals are used to restrict the data they can view.</a:t>
             </a:r>
           </a:p>
           <a:p>
             <a:r>
-              <a:rPr lang="en-US"/>
+              <a:rPr lang="en-US" dirty="0"/>
               <a:t>Login type is different per user.</a:t>
             </a:r>
           </a:p>
@@ -11259,14 +10688,14 @@
             <a:pPr marL="0" indent="0">
               <a:buNone/>
             </a:pPr>
-            <a:endParaRPr lang="en-US"/>
+            <a:endParaRPr lang="en-US" dirty="0"/>
           </a:p>
           <a:p>
             <a:pPr marL="514350" indent="-514350">
               <a:buAutoNum type="arabicPeriod"/>
             </a:pPr>
             <a:r>
-              <a:rPr lang="en-US"/>
+              <a:rPr lang="en-US" dirty="0"/>
               <a:t>Patient Page</a:t>
             </a:r>
           </a:p>
@@ -11274,18 +10703,15 @@
             <a:pPr marL="514350" indent="-514350">
               <a:buAutoNum type="arabicPeriod"/>
             </a:pPr>
-            <a:r>
-              <a:rPr lang="en-US"/>
-              <a:t>Insurance Company Page</a:t>
-            </a:r>
+            <a:endParaRPr lang="en-US" dirty="0"/>
           </a:p>
           <a:p>
             <a:pPr marL="514350" indent="-514350">
               <a:buAutoNum type="arabicPeriod"/>
             </a:pPr>
             <a:r>
-              <a:rPr lang="en-US"/>
-              <a:t>Hospital Page</a:t>
+              <a:rPr lang="en-US" dirty="0"/>
+              <a:t>Staff Page</a:t>
             </a:r>
           </a:p>
         </p:txBody>
@@ -11303,9 +10729,17 @@
 </p:sld>
 </file>
 
-<file path=ppt/slides/slide23.xml><?xml version="1.0" encoding="utf-8"?>
+<file path=ppt/slides/slide18.xml><?xml version="1.0" encoding="utf-8"?>
 <p:sld xmlns:a="http://schemas.openxmlformats.org/drawingml/2006/main" xmlns:r="http://schemas.openxmlformats.org/officeDocument/2006/relationships" xmlns:p="http://schemas.openxmlformats.org/presentationml/2006/main">
   <p:cSld>
+    <p:bg>
+      <p:bgPr>
+        <a:solidFill>
+          <a:schemeClr val="tx1"/>
+        </a:solidFill>
+        <a:effectLst/>
+      </p:bgPr>
+    </p:bg>
     <p:spTree>
       <p:nvGrpSpPr>
         <p:cNvPr id="1" name=""/>
@@ -11322,10 +10756,59 @@
       </p:grpSpPr>
       <p:sp>
         <p:nvSpPr>
+          <p:cNvPr id="13" name="Rectangle 12">
+            <a:extLst>
+              <a:ext uri="{FF2B5EF4-FFF2-40B4-BE49-F238E27FC236}">
+                <a16:creationId xmlns:a16="http://schemas.microsoft.com/office/drawing/2014/main" id="{9164E572-382E-E248-51F5-5EE8601E1764}"/>
+              </a:ext>
+            </a:extLst>
+          </p:cNvPr>
+          <p:cNvSpPr/>
+          <p:nvPr/>
+        </p:nvSpPr>
+        <p:spPr>
+          <a:xfrm>
+            <a:off x="566244" y="1284627"/>
+            <a:ext cx="10540563" cy="5352656"/>
+          </a:xfrm>
+          <a:prstGeom prst="rect">
+            <a:avLst/>
+          </a:prstGeom>
+          <a:solidFill>
+            <a:schemeClr val="bg2"/>
+          </a:solidFill>
+        </p:spPr>
+        <p:style>
+          <a:lnRef idx="2">
+            <a:schemeClr val="accent1">
+              <a:shade val="15000"/>
+            </a:schemeClr>
+          </a:lnRef>
+          <a:fillRef idx="1">
+            <a:schemeClr val="accent1"/>
+          </a:fillRef>
+          <a:effectRef idx="0">
+            <a:schemeClr val="accent1"/>
+          </a:effectRef>
+          <a:fontRef idx="minor">
+            <a:schemeClr val="lt1"/>
+          </a:fontRef>
+        </p:style>
+        <p:txBody>
+          <a:bodyPr rtlCol="0" anchor="ctr"/>
+          <a:lstStyle/>
+          <a:p>
+            <a:pPr algn="ctr"/>
+            <a:endParaRPr lang="en-US" dirty="0"/>
+          </a:p>
+        </p:txBody>
+      </p:sp>
+      <p:sp>
+        <p:nvSpPr>
           <p:cNvPr id="2" name="Title 1">
             <a:extLst>
               <a:ext uri="{FF2B5EF4-FFF2-40B4-BE49-F238E27FC236}">
-                <a16:creationId xmlns:a16="http://schemas.microsoft.com/office/drawing/2014/main" id="{D9FB800B-1253-C59B-373B-E757BAB6D312}"/>
+                <a16:creationId xmlns:a16="http://schemas.microsoft.com/office/drawing/2014/main" id="{4E3F9206-A795-C7ED-7814-16D6ABD97F9A}"/>
               </a:ext>
             </a:extLst>
           </p:cNvPr>
@@ -11336,148 +10819,30 @@
             <p:ph type="title"/>
           </p:nvPr>
         </p:nvSpPr>
-        <p:spPr/>
+        <p:spPr>
+          <a:xfrm>
+            <a:off x="313766" y="415232"/>
+            <a:ext cx="6787747" cy="685799"/>
+          </a:xfrm>
+        </p:spPr>
         <p:txBody>
           <a:bodyPr/>
           <a:lstStyle/>
           <a:p>
-            <a:r>
-              <a:rPr lang="en-US"/>
-              <a:t>PHP and SQL</a:t>
+            <a:pPr algn="ctr"/>
+            <a:r>
+              <a:rPr lang="en-US" dirty="0"/>
+              <a:t>Webpage Flowchart</a:t>
             </a:r>
           </a:p>
         </p:txBody>
       </p:sp>
       <p:sp>
         <p:nvSpPr>
-          <p:cNvPr id="4" name="Content Placeholder 3">
-            <a:extLst>
-              <a:ext uri="{FF2B5EF4-FFF2-40B4-BE49-F238E27FC236}">
-                <a16:creationId xmlns:a16="http://schemas.microsoft.com/office/drawing/2014/main" id="{AB0C4540-895B-2D5A-E78C-877A17BB4E27}"/>
-              </a:ext>
-            </a:extLst>
-          </p:cNvPr>
-          <p:cNvSpPr>
-            <a:spLocks noGrp="1"/>
-          </p:cNvSpPr>
-          <p:nvPr>
-            <p:ph sz="quarter" idx="13"/>
-          </p:nvPr>
-        </p:nvSpPr>
-        <p:spPr/>
-        <p:txBody>
-          <a:bodyPr/>
-          <a:lstStyle/>
-          <a:p>
-            <a:r>
-              <a:rPr lang="en-US"/>
-              <a:t>PHP is easily integrated with HTML and makes querying the database using website data streamlined.</a:t>
-            </a:r>
-          </a:p>
-          <a:p>
-            <a:r>
-              <a:rPr lang="en-US"/>
-              <a:t>It can be used to read and validate the data from the website before querying. </a:t>
-            </a:r>
-          </a:p>
-        </p:txBody>
-      </p:sp>
-      <p:pic>
-        <p:nvPicPr>
-          <p:cNvPr id="5" name="Picture 4">
-            <a:extLst>
-              <a:ext uri="{FF2B5EF4-FFF2-40B4-BE49-F238E27FC236}">
-                <a16:creationId xmlns:a16="http://schemas.microsoft.com/office/drawing/2014/main" id="{31AE2C1D-03BB-9007-4B91-375F47B7E89B}"/>
-              </a:ext>
-            </a:extLst>
-          </p:cNvPr>
-          <p:cNvPicPr>
-            <a:picLocks noChangeAspect="1"/>
-          </p:cNvPicPr>
-          <p:nvPr/>
-        </p:nvPicPr>
-        <p:blipFill>
-          <a:blip r:embed="rId2"/>
-          <a:stretch>
-            <a:fillRect/>
-          </a:stretch>
-        </p:blipFill>
-        <p:spPr>
-          <a:xfrm>
-            <a:off x="5762297" y="4507759"/>
-            <a:ext cx="2105939" cy="1443721"/>
-          </a:xfrm>
-          <a:prstGeom prst="rect">
-            <a:avLst/>
-          </a:prstGeom>
-        </p:spPr>
-      </p:pic>
-      <p:pic>
-        <p:nvPicPr>
-          <p:cNvPr id="6" name="Picture 5" descr="MySQL logo and symbol, meaning, history, PNG">
-            <a:extLst>
-              <a:ext uri="{FF2B5EF4-FFF2-40B4-BE49-F238E27FC236}">
-                <a16:creationId xmlns:a16="http://schemas.microsoft.com/office/drawing/2014/main" id="{2EEF2EC7-1C04-2D8D-B28E-8724BB256190}"/>
-              </a:ext>
-            </a:extLst>
-          </p:cNvPr>
-          <p:cNvPicPr>
-            <a:picLocks noChangeAspect="1"/>
-          </p:cNvPicPr>
-          <p:nvPr/>
-        </p:nvPicPr>
-        <p:blipFill>
-          <a:blip r:embed="rId3"/>
-          <a:stretch>
-            <a:fillRect/>
-          </a:stretch>
-        </p:blipFill>
-        <p:spPr>
-          <a:xfrm>
-            <a:off x="9175531" y="4227916"/>
-            <a:ext cx="2184742" cy="2063118"/>
-          </a:xfrm>
-          <a:prstGeom prst="rect">
-            <a:avLst/>
-          </a:prstGeom>
-        </p:spPr>
-      </p:pic>
-      <p:pic>
-        <p:nvPicPr>
-          <p:cNvPr id="7" name="Picture 6" descr="Download Logo Html Html5 Royalty-Free Stock Illustration ...">
-            <a:extLst>
-              <a:ext uri="{FF2B5EF4-FFF2-40B4-BE49-F238E27FC236}">
-                <a16:creationId xmlns:a16="http://schemas.microsoft.com/office/drawing/2014/main" id="{1D96C85B-1FAA-DA42-9626-B6DDC671CAF1}"/>
-              </a:ext>
-            </a:extLst>
-          </p:cNvPr>
-          <p:cNvPicPr>
-            <a:picLocks noChangeAspect="1"/>
-          </p:cNvPicPr>
-          <p:nvPr/>
-        </p:nvPicPr>
-        <p:blipFill>
-          <a:blip r:embed="rId4"/>
-          <a:stretch>
-            <a:fillRect/>
-          </a:stretch>
-        </p:blipFill>
-        <p:spPr>
-          <a:xfrm>
-            <a:off x="2262353" y="4419754"/>
-            <a:ext cx="1777808" cy="1680734"/>
-          </a:xfrm>
-          <a:prstGeom prst="rect">
-            <a:avLst/>
-          </a:prstGeom>
-        </p:spPr>
-      </p:pic>
-      <p:sp>
-        <p:nvSpPr>
-          <p:cNvPr id="8" name="Arrow: Right 7">
-            <a:extLst>
-              <a:ext uri="{FF2B5EF4-FFF2-40B4-BE49-F238E27FC236}">
-                <a16:creationId xmlns:a16="http://schemas.microsoft.com/office/drawing/2014/main" id="{5B7DD17F-3217-E626-71AB-4A37AC95398F}"/>
+          <p:cNvPr id="3" name="Rectangle 2">
+            <a:extLst>
+              <a:ext uri="{FF2B5EF4-FFF2-40B4-BE49-F238E27FC236}">
+                <a16:creationId xmlns:a16="http://schemas.microsoft.com/office/drawing/2014/main" id="{D60D428E-BAA7-D1EB-BEE0-2CE7E5CBCDC0}"/>
               </a:ext>
             </a:extLst>
           </p:cNvPr>
@@ -11486,10 +10851,10 @@
         </p:nvSpPr>
         <p:spPr>
           <a:xfrm>
-            <a:off x="4319752" y="4871545"/>
-            <a:ext cx="953814" cy="536027"/>
+            <a:off x="622738" y="3458430"/>
+            <a:ext cx="1726324" cy="772510"/>
           </a:xfrm>
-          <a:prstGeom prst="rightArrow">
+          <a:prstGeom prst="rect">
             <a:avLst/>
           </a:prstGeom>
         </p:spPr>
@@ -11514,16 +10879,34 @@
           <a:lstStyle/>
           <a:p>
             <a:pPr algn="ctr"/>
-            <a:endParaRPr lang="en-US"/>
+            <a:r>
+              <a:rPr lang="en-US" dirty="0">
+                <a:solidFill>
+                  <a:schemeClr val="bg1"/>
+                </a:solidFill>
+              </a:rPr>
+              <a:t>Main Login</a:t>
+            </a:r>
+          </a:p>
+          <a:p>
+            <a:pPr algn="ctr"/>
+            <a:r>
+              <a:rPr lang="en-US" dirty="0">
+                <a:solidFill>
+                  <a:schemeClr val="bg1"/>
+                </a:solidFill>
+              </a:rPr>
+              <a:t>Page</a:t>
+            </a:r>
           </a:p>
         </p:txBody>
       </p:sp>
       <p:sp>
         <p:nvSpPr>
-          <p:cNvPr id="9" name="Arrow: Right 8">
-            <a:extLst>
-              <a:ext uri="{FF2B5EF4-FFF2-40B4-BE49-F238E27FC236}">
-                <a16:creationId xmlns:a16="http://schemas.microsoft.com/office/drawing/2014/main" id="{E592AB3F-3374-52AF-9217-FEFE4802A340}"/>
+          <p:cNvPr id="5" name="Rectangle 4">
+            <a:extLst>
+              <a:ext uri="{FF2B5EF4-FFF2-40B4-BE49-F238E27FC236}">
+                <a16:creationId xmlns:a16="http://schemas.microsoft.com/office/drawing/2014/main" id="{593EA16E-70D8-8581-9958-182EC8C80589}"/>
               </a:ext>
             </a:extLst>
           </p:cNvPr>
@@ -11532,10 +10915,10 @@
         </p:nvSpPr>
         <p:spPr>
           <a:xfrm>
-            <a:off x="8113890" y="4871545"/>
-            <a:ext cx="953814" cy="536027"/>
+            <a:off x="2921875" y="2149106"/>
+            <a:ext cx="1726324" cy="772510"/>
           </a:xfrm>
-          <a:prstGeom prst="rightArrow">
+          <a:prstGeom prst="rect">
             <a:avLst/>
           </a:prstGeom>
         </p:spPr>
@@ -11560,6 +10943,776 @@
           <a:lstStyle/>
           <a:p>
             <a:pPr algn="ctr"/>
+            <a:r>
+              <a:rPr lang="en-US" dirty="0">
+                <a:solidFill>
+                  <a:schemeClr val="bg1"/>
+                </a:solidFill>
+              </a:rPr>
+              <a:t>Patient Login</a:t>
+            </a:r>
+          </a:p>
+        </p:txBody>
+      </p:sp>
+      <p:sp>
+        <p:nvSpPr>
+          <p:cNvPr id="6" name="Rectangle 5">
+            <a:extLst>
+              <a:ext uri="{FF2B5EF4-FFF2-40B4-BE49-F238E27FC236}">
+                <a16:creationId xmlns:a16="http://schemas.microsoft.com/office/drawing/2014/main" id="{9A1E3757-A8E2-A92D-4A8E-F00E94CA8152}"/>
+              </a:ext>
+            </a:extLst>
+          </p:cNvPr>
+          <p:cNvSpPr/>
+          <p:nvPr/>
+        </p:nvSpPr>
+        <p:spPr>
+          <a:xfrm>
+            <a:off x="2844478" y="4816699"/>
+            <a:ext cx="1726324" cy="772510"/>
+          </a:xfrm>
+          <a:prstGeom prst="rect">
+            <a:avLst/>
+          </a:prstGeom>
+        </p:spPr>
+        <p:style>
+          <a:lnRef idx="2">
+            <a:schemeClr val="accent1">
+              <a:shade val="15000"/>
+            </a:schemeClr>
+          </a:lnRef>
+          <a:fillRef idx="1">
+            <a:schemeClr val="accent1"/>
+          </a:fillRef>
+          <a:effectRef idx="0">
+            <a:schemeClr val="accent1"/>
+          </a:effectRef>
+          <a:fontRef idx="minor">
+            <a:schemeClr val="lt1"/>
+          </a:fontRef>
+        </p:style>
+        <p:txBody>
+          <a:bodyPr rtlCol="0" anchor="ctr"/>
+          <a:lstStyle/>
+          <a:p>
+            <a:pPr algn="ctr"/>
+            <a:r>
+              <a:rPr lang="en-US" dirty="0">
+                <a:solidFill>
+                  <a:schemeClr val="bg1"/>
+                </a:solidFill>
+              </a:rPr>
+              <a:t>Staff Login</a:t>
+            </a:r>
+          </a:p>
+        </p:txBody>
+      </p:sp>
+      <p:sp>
+        <p:nvSpPr>
+          <p:cNvPr id="7" name="Rectangle 6">
+            <a:extLst>
+              <a:ext uri="{FF2B5EF4-FFF2-40B4-BE49-F238E27FC236}">
+                <a16:creationId xmlns:a16="http://schemas.microsoft.com/office/drawing/2014/main" id="{A937BE38-BA62-994D-3840-FB2AA2692726}"/>
+              </a:ext>
+            </a:extLst>
+          </p:cNvPr>
+          <p:cNvSpPr/>
+          <p:nvPr/>
+        </p:nvSpPr>
+        <p:spPr>
+          <a:xfrm>
+            <a:off x="5410200" y="4816699"/>
+            <a:ext cx="1726324" cy="772510"/>
+          </a:xfrm>
+          <a:prstGeom prst="rect">
+            <a:avLst/>
+          </a:prstGeom>
+        </p:spPr>
+        <p:style>
+          <a:lnRef idx="2">
+            <a:schemeClr val="accent1">
+              <a:shade val="15000"/>
+            </a:schemeClr>
+          </a:lnRef>
+          <a:fillRef idx="1">
+            <a:schemeClr val="accent1"/>
+          </a:fillRef>
+          <a:effectRef idx="0">
+            <a:schemeClr val="accent1"/>
+          </a:effectRef>
+          <a:fontRef idx="minor">
+            <a:schemeClr val="lt1"/>
+          </a:fontRef>
+        </p:style>
+        <p:txBody>
+          <a:bodyPr rtlCol="0" anchor="ctr"/>
+          <a:lstStyle/>
+          <a:p>
+            <a:pPr algn="ctr"/>
+            <a:r>
+              <a:rPr lang="en-US" dirty="0">
+                <a:solidFill>
+                  <a:schemeClr val="bg1"/>
+                </a:solidFill>
+              </a:rPr>
+              <a:t>Staff Access Page</a:t>
+            </a:r>
+          </a:p>
+        </p:txBody>
+      </p:sp>
+      <p:sp>
+        <p:nvSpPr>
+          <p:cNvPr id="8" name="Rectangle 7">
+            <a:extLst>
+              <a:ext uri="{FF2B5EF4-FFF2-40B4-BE49-F238E27FC236}">
+                <a16:creationId xmlns:a16="http://schemas.microsoft.com/office/drawing/2014/main" id="{699A8831-64AB-78C9-B1D2-92DEA6FB30F5}"/>
+              </a:ext>
+            </a:extLst>
+          </p:cNvPr>
+          <p:cNvSpPr/>
+          <p:nvPr/>
+        </p:nvSpPr>
+        <p:spPr>
+          <a:xfrm>
+            <a:off x="8258503" y="5413389"/>
+            <a:ext cx="1726324" cy="772510"/>
+          </a:xfrm>
+          <a:prstGeom prst="rect">
+            <a:avLst/>
+          </a:prstGeom>
+        </p:spPr>
+        <p:style>
+          <a:lnRef idx="2">
+            <a:schemeClr val="accent1">
+              <a:shade val="15000"/>
+            </a:schemeClr>
+          </a:lnRef>
+          <a:fillRef idx="1">
+            <a:schemeClr val="accent1"/>
+          </a:fillRef>
+          <a:effectRef idx="0">
+            <a:schemeClr val="accent1"/>
+          </a:effectRef>
+          <a:fontRef idx="minor">
+            <a:schemeClr val="lt1"/>
+          </a:fontRef>
+        </p:style>
+        <p:txBody>
+          <a:bodyPr rtlCol="0" anchor="ctr"/>
+          <a:lstStyle/>
+          <a:p>
+            <a:pPr algn="ctr"/>
+            <a:r>
+              <a:rPr lang="en-US" dirty="0">
+                <a:solidFill>
+                  <a:schemeClr val="bg1"/>
+                </a:solidFill>
+              </a:rPr>
+              <a:t>Create Bills</a:t>
+            </a:r>
+          </a:p>
+        </p:txBody>
+      </p:sp>
+      <p:sp>
+        <p:nvSpPr>
+          <p:cNvPr id="9" name="Rectangle 8">
+            <a:extLst>
+              <a:ext uri="{FF2B5EF4-FFF2-40B4-BE49-F238E27FC236}">
+                <a16:creationId xmlns:a16="http://schemas.microsoft.com/office/drawing/2014/main" id="{C658D263-A893-356B-2189-A4B56F73458C}"/>
+              </a:ext>
+            </a:extLst>
+          </p:cNvPr>
+          <p:cNvSpPr/>
+          <p:nvPr/>
+        </p:nvSpPr>
+        <p:spPr>
+          <a:xfrm>
+            <a:off x="8258503" y="4189495"/>
+            <a:ext cx="1726324" cy="772510"/>
+          </a:xfrm>
+          <a:prstGeom prst="rect">
+            <a:avLst/>
+          </a:prstGeom>
+        </p:spPr>
+        <p:style>
+          <a:lnRef idx="2">
+            <a:schemeClr val="accent1">
+              <a:shade val="15000"/>
+            </a:schemeClr>
+          </a:lnRef>
+          <a:fillRef idx="1">
+            <a:schemeClr val="accent1"/>
+          </a:fillRef>
+          <a:effectRef idx="0">
+            <a:schemeClr val="accent1"/>
+          </a:effectRef>
+          <a:fontRef idx="minor">
+            <a:schemeClr val="lt1"/>
+          </a:fontRef>
+        </p:style>
+        <p:txBody>
+          <a:bodyPr rtlCol="0" anchor="ctr"/>
+          <a:lstStyle/>
+          <a:p>
+            <a:pPr algn="ctr"/>
+            <a:r>
+              <a:rPr lang="en-US" dirty="0">
+                <a:solidFill>
+                  <a:schemeClr val="bg1"/>
+                </a:solidFill>
+              </a:rPr>
+              <a:t>Add New Patient</a:t>
+            </a:r>
+          </a:p>
+        </p:txBody>
+      </p:sp>
+      <p:sp>
+        <p:nvSpPr>
+          <p:cNvPr id="10" name="Rectangle 9">
+            <a:extLst>
+              <a:ext uri="{FF2B5EF4-FFF2-40B4-BE49-F238E27FC236}">
+                <a16:creationId xmlns:a16="http://schemas.microsoft.com/office/drawing/2014/main" id="{AFD90101-502C-CD4E-702D-AB6E96BE4457}"/>
+              </a:ext>
+            </a:extLst>
+          </p:cNvPr>
+          <p:cNvSpPr/>
+          <p:nvPr/>
+        </p:nvSpPr>
+        <p:spPr>
+          <a:xfrm>
+            <a:off x="5410200" y="2149105"/>
+            <a:ext cx="1726324" cy="772510"/>
+          </a:xfrm>
+          <a:prstGeom prst="rect">
+            <a:avLst/>
+          </a:prstGeom>
+        </p:spPr>
+        <p:style>
+          <a:lnRef idx="2">
+            <a:schemeClr val="accent1">
+              <a:shade val="15000"/>
+            </a:schemeClr>
+          </a:lnRef>
+          <a:fillRef idx="1">
+            <a:schemeClr val="accent1"/>
+          </a:fillRef>
+          <a:effectRef idx="0">
+            <a:schemeClr val="accent1"/>
+          </a:effectRef>
+          <a:fontRef idx="minor">
+            <a:schemeClr val="lt1"/>
+          </a:fontRef>
+        </p:style>
+        <p:txBody>
+          <a:bodyPr rtlCol="0" anchor="ctr"/>
+          <a:lstStyle/>
+          <a:p>
+            <a:pPr algn="ctr"/>
+            <a:r>
+              <a:rPr lang="en-US" dirty="0">
+                <a:solidFill>
+                  <a:schemeClr val="bg1"/>
+                </a:solidFill>
+              </a:rPr>
+              <a:t>Staff Access Page</a:t>
+            </a:r>
+          </a:p>
+        </p:txBody>
+      </p:sp>
+      <p:sp>
+        <p:nvSpPr>
+          <p:cNvPr id="11" name="Rectangle 10">
+            <a:extLst>
+              <a:ext uri="{FF2B5EF4-FFF2-40B4-BE49-F238E27FC236}">
+                <a16:creationId xmlns:a16="http://schemas.microsoft.com/office/drawing/2014/main" id="{97419656-CB55-7A7E-0AC4-85ABC4CED61E}"/>
+              </a:ext>
+            </a:extLst>
+          </p:cNvPr>
+          <p:cNvSpPr/>
+          <p:nvPr/>
+        </p:nvSpPr>
+        <p:spPr>
+          <a:xfrm>
+            <a:off x="8258503" y="1619911"/>
+            <a:ext cx="1726324" cy="772510"/>
+          </a:xfrm>
+          <a:prstGeom prst="rect">
+            <a:avLst/>
+          </a:prstGeom>
+        </p:spPr>
+        <p:style>
+          <a:lnRef idx="2">
+            <a:schemeClr val="accent1">
+              <a:shade val="15000"/>
+            </a:schemeClr>
+          </a:lnRef>
+          <a:fillRef idx="1">
+            <a:schemeClr val="accent1"/>
+          </a:fillRef>
+          <a:effectRef idx="0">
+            <a:schemeClr val="accent1"/>
+          </a:effectRef>
+          <a:fontRef idx="minor">
+            <a:schemeClr val="lt1"/>
+          </a:fontRef>
+        </p:style>
+        <p:txBody>
+          <a:bodyPr rtlCol="0" anchor="ctr"/>
+          <a:lstStyle/>
+          <a:p>
+            <a:pPr algn="ctr"/>
+            <a:r>
+              <a:rPr lang="en-US" dirty="0">
+                <a:solidFill>
+                  <a:schemeClr val="bg1"/>
+                </a:solidFill>
+              </a:rPr>
+              <a:t>View Information</a:t>
+            </a:r>
+          </a:p>
+        </p:txBody>
+      </p:sp>
+      <p:sp>
+        <p:nvSpPr>
+          <p:cNvPr id="12" name="Rectangle 11">
+            <a:extLst>
+              <a:ext uri="{FF2B5EF4-FFF2-40B4-BE49-F238E27FC236}">
+                <a16:creationId xmlns:a16="http://schemas.microsoft.com/office/drawing/2014/main" id="{10941414-71F1-E22B-2B69-85639E44D5BF}"/>
+              </a:ext>
+            </a:extLst>
+          </p:cNvPr>
+          <p:cNvSpPr/>
+          <p:nvPr/>
+        </p:nvSpPr>
+        <p:spPr>
+          <a:xfrm>
+            <a:off x="8258503" y="2692392"/>
+            <a:ext cx="1794641" cy="861848"/>
+          </a:xfrm>
+          <a:prstGeom prst="rect">
+            <a:avLst/>
+          </a:prstGeom>
+        </p:spPr>
+        <p:style>
+          <a:lnRef idx="2">
+            <a:schemeClr val="accent1">
+              <a:shade val="15000"/>
+            </a:schemeClr>
+          </a:lnRef>
+          <a:fillRef idx="1">
+            <a:schemeClr val="accent1"/>
+          </a:fillRef>
+          <a:effectRef idx="0">
+            <a:schemeClr val="accent1"/>
+          </a:effectRef>
+          <a:fontRef idx="minor">
+            <a:schemeClr val="lt1"/>
+          </a:fontRef>
+        </p:style>
+        <p:txBody>
+          <a:bodyPr rtlCol="0" anchor="ctr"/>
+          <a:lstStyle/>
+          <a:p>
+            <a:pPr algn="ctr"/>
+            <a:r>
+              <a:rPr lang="en-US" dirty="0">
+                <a:solidFill>
+                  <a:schemeClr val="bg1"/>
+                </a:solidFill>
+              </a:rPr>
+              <a:t>Update Personal Information</a:t>
+            </a:r>
+          </a:p>
+        </p:txBody>
+      </p:sp>
+      <p:sp>
+        <p:nvSpPr>
+          <p:cNvPr id="16" name="Arrow: Right 15">
+            <a:extLst>
+              <a:ext uri="{FF2B5EF4-FFF2-40B4-BE49-F238E27FC236}">
+                <a16:creationId xmlns:a16="http://schemas.microsoft.com/office/drawing/2014/main" id="{DE58AF52-24D6-0A60-C1CB-85EC03FA87B6}"/>
+              </a:ext>
+            </a:extLst>
+          </p:cNvPr>
+          <p:cNvSpPr/>
+          <p:nvPr/>
+        </p:nvSpPr>
+        <p:spPr>
+          <a:xfrm rot="19005026">
+            <a:off x="2294448" y="3097952"/>
+            <a:ext cx="599090" cy="212834"/>
+          </a:xfrm>
+          <a:prstGeom prst="rightArrow">
+            <a:avLst/>
+          </a:prstGeom>
+          <a:solidFill>
+            <a:schemeClr val="tx1"/>
+          </a:solidFill>
+        </p:spPr>
+        <p:style>
+          <a:lnRef idx="2">
+            <a:schemeClr val="accent1">
+              <a:shade val="15000"/>
+            </a:schemeClr>
+          </a:lnRef>
+          <a:fillRef idx="1">
+            <a:schemeClr val="accent1"/>
+          </a:fillRef>
+          <a:effectRef idx="0">
+            <a:schemeClr val="accent1"/>
+          </a:effectRef>
+          <a:fontRef idx="minor">
+            <a:schemeClr val="lt1"/>
+          </a:fontRef>
+        </p:style>
+        <p:txBody>
+          <a:bodyPr rtlCol="0" anchor="ctr"/>
+          <a:lstStyle/>
+          <a:p>
+            <a:pPr algn="ctr"/>
+            <a:endParaRPr lang="en-US"/>
+          </a:p>
+        </p:txBody>
+      </p:sp>
+      <p:sp>
+        <p:nvSpPr>
+          <p:cNvPr id="17" name="Arrow: Right 16">
+            <a:extLst>
+              <a:ext uri="{FF2B5EF4-FFF2-40B4-BE49-F238E27FC236}">
+                <a16:creationId xmlns:a16="http://schemas.microsoft.com/office/drawing/2014/main" id="{8C27E8A8-55CC-1930-FD1F-1EA962CF6219}"/>
+              </a:ext>
+            </a:extLst>
+          </p:cNvPr>
+          <p:cNvSpPr/>
+          <p:nvPr/>
+        </p:nvSpPr>
+        <p:spPr>
+          <a:xfrm rot="3149240">
+            <a:off x="2278117" y="4419634"/>
+            <a:ext cx="599090" cy="212834"/>
+          </a:xfrm>
+          <a:prstGeom prst="rightArrow">
+            <a:avLst/>
+          </a:prstGeom>
+          <a:solidFill>
+            <a:schemeClr val="tx1"/>
+          </a:solidFill>
+        </p:spPr>
+        <p:style>
+          <a:lnRef idx="2">
+            <a:schemeClr val="accent1">
+              <a:shade val="15000"/>
+            </a:schemeClr>
+          </a:lnRef>
+          <a:fillRef idx="1">
+            <a:schemeClr val="accent1"/>
+          </a:fillRef>
+          <a:effectRef idx="0">
+            <a:schemeClr val="accent1"/>
+          </a:effectRef>
+          <a:fontRef idx="minor">
+            <a:schemeClr val="lt1"/>
+          </a:fontRef>
+        </p:style>
+        <p:txBody>
+          <a:bodyPr rtlCol="0" anchor="ctr"/>
+          <a:lstStyle/>
+          <a:p>
+            <a:pPr algn="ctr"/>
+            <a:endParaRPr lang="en-US"/>
+          </a:p>
+        </p:txBody>
+      </p:sp>
+      <p:sp>
+        <p:nvSpPr>
+          <p:cNvPr id="18" name="Arrow: Right 17">
+            <a:extLst>
+              <a:ext uri="{FF2B5EF4-FFF2-40B4-BE49-F238E27FC236}">
+                <a16:creationId xmlns:a16="http://schemas.microsoft.com/office/drawing/2014/main" id="{690D92DE-4E4F-4DB9-3FB3-04158299B742}"/>
+              </a:ext>
+            </a:extLst>
+          </p:cNvPr>
+          <p:cNvSpPr/>
+          <p:nvPr/>
+        </p:nvSpPr>
+        <p:spPr>
+          <a:xfrm>
+            <a:off x="4724400" y="2453119"/>
+            <a:ext cx="599090" cy="212834"/>
+          </a:xfrm>
+          <a:prstGeom prst="rightArrow">
+            <a:avLst/>
+          </a:prstGeom>
+          <a:solidFill>
+            <a:schemeClr val="tx1"/>
+          </a:solidFill>
+        </p:spPr>
+        <p:style>
+          <a:lnRef idx="2">
+            <a:schemeClr val="accent1">
+              <a:shade val="15000"/>
+            </a:schemeClr>
+          </a:lnRef>
+          <a:fillRef idx="1">
+            <a:schemeClr val="accent1"/>
+          </a:fillRef>
+          <a:effectRef idx="0">
+            <a:schemeClr val="accent1"/>
+          </a:effectRef>
+          <a:fontRef idx="minor">
+            <a:schemeClr val="lt1"/>
+          </a:fontRef>
+        </p:style>
+        <p:txBody>
+          <a:bodyPr rtlCol="0" anchor="ctr"/>
+          <a:lstStyle/>
+          <a:p>
+            <a:pPr algn="ctr"/>
+            <a:endParaRPr lang="en-US"/>
+          </a:p>
+        </p:txBody>
+      </p:sp>
+      <p:sp>
+        <p:nvSpPr>
+          <p:cNvPr id="19" name="Arrow: Right 18">
+            <a:extLst>
+              <a:ext uri="{FF2B5EF4-FFF2-40B4-BE49-F238E27FC236}">
+                <a16:creationId xmlns:a16="http://schemas.microsoft.com/office/drawing/2014/main" id="{C08BD57A-943B-A905-4D09-5E4B6E3F7A5C}"/>
+              </a:ext>
+            </a:extLst>
+          </p:cNvPr>
+          <p:cNvSpPr/>
+          <p:nvPr/>
+        </p:nvSpPr>
+        <p:spPr>
+          <a:xfrm>
+            <a:off x="4724400" y="5096537"/>
+            <a:ext cx="599090" cy="212834"/>
+          </a:xfrm>
+          <a:prstGeom prst="rightArrow">
+            <a:avLst/>
+          </a:prstGeom>
+          <a:solidFill>
+            <a:schemeClr val="tx1"/>
+          </a:solidFill>
+        </p:spPr>
+        <p:style>
+          <a:lnRef idx="2">
+            <a:schemeClr val="accent1">
+              <a:shade val="15000"/>
+            </a:schemeClr>
+          </a:lnRef>
+          <a:fillRef idx="1">
+            <a:schemeClr val="accent1"/>
+          </a:fillRef>
+          <a:effectRef idx="0">
+            <a:schemeClr val="accent1"/>
+          </a:effectRef>
+          <a:fontRef idx="minor">
+            <a:schemeClr val="lt1"/>
+          </a:fontRef>
+        </p:style>
+        <p:txBody>
+          <a:bodyPr rtlCol="0" anchor="ctr"/>
+          <a:lstStyle/>
+          <a:p>
+            <a:pPr algn="ctr"/>
+            <a:endParaRPr lang="en-US"/>
+          </a:p>
+        </p:txBody>
+      </p:sp>
+      <p:sp>
+        <p:nvSpPr>
+          <p:cNvPr id="20" name="Arrow: Right 19">
+            <a:extLst>
+              <a:ext uri="{FF2B5EF4-FFF2-40B4-BE49-F238E27FC236}">
+                <a16:creationId xmlns:a16="http://schemas.microsoft.com/office/drawing/2014/main" id="{0A8F83EE-D413-3C25-2496-E0256AC7C3C1}"/>
+              </a:ext>
+            </a:extLst>
+          </p:cNvPr>
+          <p:cNvSpPr/>
+          <p:nvPr/>
+        </p:nvSpPr>
+        <p:spPr>
+          <a:xfrm rot="20412730">
+            <a:off x="7397968" y="2145160"/>
+            <a:ext cx="599090" cy="212834"/>
+          </a:xfrm>
+          <a:prstGeom prst="rightArrow">
+            <a:avLst/>
+          </a:prstGeom>
+          <a:solidFill>
+            <a:schemeClr val="tx1"/>
+          </a:solidFill>
+        </p:spPr>
+        <p:style>
+          <a:lnRef idx="2">
+            <a:schemeClr val="accent1">
+              <a:shade val="15000"/>
+            </a:schemeClr>
+          </a:lnRef>
+          <a:fillRef idx="1">
+            <a:schemeClr val="accent1"/>
+          </a:fillRef>
+          <a:effectRef idx="0">
+            <a:schemeClr val="accent1"/>
+          </a:effectRef>
+          <a:fontRef idx="minor">
+            <a:schemeClr val="lt1"/>
+          </a:fontRef>
+        </p:style>
+        <p:txBody>
+          <a:bodyPr rtlCol="0" anchor="ctr"/>
+          <a:lstStyle/>
+          <a:p>
+            <a:pPr algn="ctr"/>
+            <a:endParaRPr lang="en-US"/>
+          </a:p>
+        </p:txBody>
+      </p:sp>
+      <p:sp>
+        <p:nvSpPr>
+          <p:cNvPr id="21" name="Arrow: Right 20">
+            <a:extLst>
+              <a:ext uri="{FF2B5EF4-FFF2-40B4-BE49-F238E27FC236}">
+                <a16:creationId xmlns:a16="http://schemas.microsoft.com/office/drawing/2014/main" id="{42407B99-FBB9-2B3B-B764-0BBAADCDAC34}"/>
+              </a:ext>
+            </a:extLst>
+          </p:cNvPr>
+          <p:cNvSpPr/>
+          <p:nvPr/>
+        </p:nvSpPr>
+        <p:spPr>
+          <a:xfrm rot="1335737">
+            <a:off x="7398320" y="2848837"/>
+            <a:ext cx="599090" cy="212834"/>
+          </a:xfrm>
+          <a:prstGeom prst="rightArrow">
+            <a:avLst/>
+          </a:prstGeom>
+          <a:solidFill>
+            <a:schemeClr val="tx1"/>
+          </a:solidFill>
+        </p:spPr>
+        <p:style>
+          <a:lnRef idx="2">
+            <a:schemeClr val="accent1">
+              <a:shade val="15000"/>
+            </a:schemeClr>
+          </a:lnRef>
+          <a:fillRef idx="1">
+            <a:schemeClr val="accent1"/>
+          </a:fillRef>
+          <a:effectRef idx="0">
+            <a:schemeClr val="accent1"/>
+          </a:effectRef>
+          <a:fontRef idx="minor">
+            <a:schemeClr val="lt1"/>
+          </a:fontRef>
+        </p:style>
+        <p:txBody>
+          <a:bodyPr rtlCol="0" anchor="ctr"/>
+          <a:lstStyle/>
+          <a:p>
+            <a:pPr algn="ctr"/>
+            <a:endParaRPr lang="en-US"/>
+          </a:p>
+        </p:txBody>
+      </p:sp>
+      <p:sp>
+        <p:nvSpPr>
+          <p:cNvPr id="22" name="Arrow: Right 21">
+            <a:extLst>
+              <a:ext uri="{FF2B5EF4-FFF2-40B4-BE49-F238E27FC236}">
+                <a16:creationId xmlns:a16="http://schemas.microsoft.com/office/drawing/2014/main" id="{FB8FF2CC-9961-A475-902E-91D3D36FF026}"/>
+              </a:ext>
+            </a:extLst>
+          </p:cNvPr>
+          <p:cNvSpPr/>
+          <p:nvPr/>
+        </p:nvSpPr>
+        <p:spPr>
+          <a:xfrm rot="2125298">
+            <a:off x="7410072" y="5480524"/>
+            <a:ext cx="599090" cy="212834"/>
+          </a:xfrm>
+          <a:prstGeom prst="rightArrow">
+            <a:avLst/>
+          </a:prstGeom>
+          <a:solidFill>
+            <a:schemeClr val="tx1"/>
+          </a:solidFill>
+        </p:spPr>
+        <p:style>
+          <a:lnRef idx="2">
+            <a:schemeClr val="accent1">
+              <a:shade val="15000"/>
+            </a:schemeClr>
+          </a:lnRef>
+          <a:fillRef idx="1">
+            <a:schemeClr val="accent1"/>
+          </a:fillRef>
+          <a:effectRef idx="0">
+            <a:schemeClr val="accent1"/>
+          </a:effectRef>
+          <a:fontRef idx="minor">
+            <a:schemeClr val="lt1"/>
+          </a:fontRef>
+        </p:style>
+        <p:txBody>
+          <a:bodyPr rtlCol="0" anchor="ctr"/>
+          <a:lstStyle/>
+          <a:p>
+            <a:pPr algn="ctr"/>
+            <a:endParaRPr lang="en-US"/>
+          </a:p>
+        </p:txBody>
+      </p:sp>
+      <p:sp>
+        <p:nvSpPr>
+          <p:cNvPr id="23" name="Arrow: Right 22">
+            <a:extLst>
+              <a:ext uri="{FF2B5EF4-FFF2-40B4-BE49-F238E27FC236}">
+                <a16:creationId xmlns:a16="http://schemas.microsoft.com/office/drawing/2014/main" id="{BA1834D9-90FD-5E56-B920-20E70462400B}"/>
+              </a:ext>
+            </a:extLst>
+          </p:cNvPr>
+          <p:cNvSpPr/>
+          <p:nvPr/>
+        </p:nvSpPr>
+        <p:spPr>
+          <a:xfrm rot="19978104">
+            <a:off x="7443950" y="4684032"/>
+            <a:ext cx="599090" cy="212834"/>
+          </a:xfrm>
+          <a:prstGeom prst="rightArrow">
+            <a:avLst/>
+          </a:prstGeom>
+          <a:solidFill>
+            <a:schemeClr val="tx1"/>
+          </a:solidFill>
+        </p:spPr>
+        <p:style>
+          <a:lnRef idx="2">
+            <a:schemeClr val="accent1">
+              <a:shade val="15000"/>
+            </a:schemeClr>
+          </a:lnRef>
+          <a:fillRef idx="1">
+            <a:schemeClr val="accent1"/>
+          </a:fillRef>
+          <a:effectRef idx="0">
+            <a:schemeClr val="accent1"/>
+          </a:effectRef>
+          <a:fontRef idx="minor">
+            <a:schemeClr val="lt1"/>
+          </a:fontRef>
+        </p:style>
+        <p:txBody>
+          <a:bodyPr rtlCol="0" anchor="ctr"/>
+          <a:lstStyle/>
+          <a:p>
+            <a:pPr algn="ctr"/>
             <a:endParaRPr lang="en-US"/>
           </a:p>
         </p:txBody>
@@ -11567,7 +11720,1308 @@
     </p:spTree>
     <p:extLst>
       <p:ext uri="{BB962C8B-B14F-4D97-AF65-F5344CB8AC3E}">
-        <p14:creationId xmlns:p14="http://schemas.microsoft.com/office/powerpoint/2010/main" val="867436982"/>
+        <p14:creationId xmlns:p14="http://schemas.microsoft.com/office/powerpoint/2010/main" val="1209172532"/>
+      </p:ext>
+    </p:extLst>
+  </p:cSld>
+  <p:clrMapOvr>
+    <a:masterClrMapping/>
+  </p:clrMapOvr>
+</p:sld>
+</file>
+
+<file path=ppt/slides/slide19.xml><?xml version="1.0" encoding="utf-8"?>
+<p:sld xmlns:a="http://schemas.openxmlformats.org/drawingml/2006/main" xmlns:r="http://schemas.openxmlformats.org/officeDocument/2006/relationships" xmlns:p="http://schemas.openxmlformats.org/presentationml/2006/main">
+  <p:cSld>
+    <p:spTree>
+      <p:nvGrpSpPr>
+        <p:cNvPr id="1" name=""/>
+        <p:cNvGrpSpPr/>
+        <p:nvPr/>
+      </p:nvGrpSpPr>
+      <p:grpSpPr>
+        <a:xfrm>
+          <a:off x="0" y="0"/>
+          <a:ext cx="0" cy="0"/>
+          <a:chOff x="0" y="0"/>
+          <a:chExt cx="0" cy="0"/>
+        </a:xfrm>
+      </p:grpSpPr>
+      <p:sp>
+        <p:nvSpPr>
+          <p:cNvPr id="2" name="Title 1">
+            <a:extLst>
+              <a:ext uri="{FF2B5EF4-FFF2-40B4-BE49-F238E27FC236}">
+                <a16:creationId xmlns:a16="http://schemas.microsoft.com/office/drawing/2014/main" id="{4459B701-27A8-7166-3951-1D38DA0708BA}"/>
+              </a:ext>
+            </a:extLst>
+          </p:cNvPr>
+          <p:cNvSpPr>
+            <a:spLocks noGrp="1"/>
+          </p:cNvSpPr>
+          <p:nvPr>
+            <p:ph type="title"/>
+          </p:nvPr>
+        </p:nvSpPr>
+        <p:spPr/>
+        <p:txBody>
+          <a:bodyPr/>
+          <a:lstStyle/>
+          <a:p>
+            <a:r>
+              <a:rPr lang="en-US" dirty="0"/>
+              <a:t>Database &amp;</a:t>
+            </a:r>
+            <a:br>
+              <a:rPr lang="en-US" dirty="0"/>
+            </a:br>
+            <a:r>
+              <a:rPr lang="en-US" dirty="0"/>
+              <a:t>Back End</a:t>
+            </a:r>
+          </a:p>
+        </p:txBody>
+      </p:sp>
+    </p:spTree>
+    <p:extLst>
+      <p:ext uri="{BB962C8B-B14F-4D97-AF65-F5344CB8AC3E}">
+        <p14:creationId xmlns:p14="http://schemas.microsoft.com/office/powerpoint/2010/main" val="100735567"/>
+      </p:ext>
+    </p:extLst>
+  </p:cSld>
+  <p:clrMapOvr>
+    <a:masterClrMapping/>
+  </p:clrMapOvr>
+</p:sld>
+</file>
+
+<file path=ppt/slides/slide2.xml><?xml version="1.0" encoding="utf-8"?>
+<p:sld xmlns:a="http://schemas.openxmlformats.org/drawingml/2006/main" xmlns:r="http://schemas.openxmlformats.org/officeDocument/2006/relationships" xmlns:p="http://schemas.openxmlformats.org/presentationml/2006/main">
+  <p:cSld>
+    <p:spTree>
+      <p:nvGrpSpPr>
+        <p:cNvPr id="1" name=""/>
+        <p:cNvGrpSpPr/>
+        <p:nvPr/>
+      </p:nvGrpSpPr>
+      <p:grpSpPr>
+        <a:xfrm>
+          <a:off x="0" y="0"/>
+          <a:ext cx="0" cy="0"/>
+          <a:chOff x="0" y="0"/>
+          <a:chExt cx="0" cy="0"/>
+        </a:xfrm>
+      </p:grpSpPr>
+      <p:sp>
+        <p:nvSpPr>
+          <p:cNvPr id="2" name="Title 1">
+            <a:extLst>
+              <a:ext uri="{FF2B5EF4-FFF2-40B4-BE49-F238E27FC236}">
+                <a16:creationId xmlns:a16="http://schemas.microsoft.com/office/drawing/2014/main" id="{4E3F9206-A795-C7ED-7814-16D6ABD97F9A}"/>
+              </a:ext>
+            </a:extLst>
+          </p:cNvPr>
+          <p:cNvSpPr>
+            <a:spLocks noGrp="1"/>
+          </p:cNvSpPr>
+          <p:nvPr>
+            <p:ph type="title"/>
+          </p:nvPr>
+        </p:nvSpPr>
+        <p:spPr/>
+        <p:txBody>
+          <a:bodyPr/>
+          <a:lstStyle/>
+          <a:p>
+            <a:r>
+              <a:rPr lang="en-US"/>
+              <a:t>Main Idea</a:t>
+            </a:r>
+          </a:p>
+        </p:txBody>
+      </p:sp>
+      <p:sp>
+        <p:nvSpPr>
+          <p:cNvPr id="3" name="Content Placeholder 2">
+            <a:extLst>
+              <a:ext uri="{FF2B5EF4-FFF2-40B4-BE49-F238E27FC236}">
+                <a16:creationId xmlns:a16="http://schemas.microsoft.com/office/drawing/2014/main" id="{8B26E0C8-E97A-F7FF-C3CA-1814C5714F8B}"/>
+              </a:ext>
+            </a:extLst>
+          </p:cNvPr>
+          <p:cNvSpPr>
+            <a:spLocks noGrp="1"/>
+          </p:cNvSpPr>
+          <p:nvPr>
+            <p:ph sz="quarter" idx="13"/>
+          </p:nvPr>
+        </p:nvSpPr>
+        <p:spPr/>
+        <p:txBody>
+          <a:bodyPr vert="horz" lIns="0" tIns="228600" rIns="0" bIns="0" rtlCol="0" anchor="t">
+            <a:normAutofit/>
+          </a:bodyPr>
+          <a:lstStyle/>
+          <a:p>
+            <a:pPr marL="283210" indent="-283210"/>
+            <a:r>
+              <a:rPr lang="en-US">
+                <a:solidFill>
+                  <a:schemeClr val="bg1"/>
+                </a:solidFill>
+              </a:rPr>
+              <a:t>The main goal is to create a database system that may be utilized via website by hospitals, insurance companies, and patients to store and access data.</a:t>
+            </a:r>
+          </a:p>
+          <a:p>
+            <a:pPr marL="283210" indent="-283210"/>
+            <a:r>
+              <a:rPr lang="en-US">
+                <a:solidFill>
+                  <a:schemeClr val="bg1"/>
+                </a:solidFill>
+              </a:rPr>
+              <a:t>This system will focus on the general information that a health facility is expected to incorporate:</a:t>
+            </a:r>
+          </a:p>
+          <a:p>
+            <a:pPr lvl="1">
+              <a:buFontTx/>
+              <a:buChar char="-"/>
+            </a:pPr>
+            <a:r>
+              <a:rPr lang="en-US"/>
+              <a:t>Patients</a:t>
+            </a:r>
+          </a:p>
+          <a:p>
+            <a:pPr lvl="1">
+              <a:buFontTx/>
+              <a:buChar char="-"/>
+            </a:pPr>
+            <a:r>
+              <a:rPr lang="en-US"/>
+              <a:t>Insurance</a:t>
+            </a:r>
+          </a:p>
+          <a:p>
+            <a:pPr lvl="1">
+              <a:buFontTx/>
+              <a:buChar char="-"/>
+            </a:pPr>
+            <a:r>
+              <a:rPr lang="en-US"/>
+              <a:t>Billing</a:t>
+            </a:r>
+          </a:p>
+          <a:p>
+            <a:pPr lvl="1">
+              <a:buFontTx/>
+              <a:buChar char="-"/>
+            </a:pPr>
+            <a:r>
+              <a:rPr lang="en-US"/>
+              <a:t>Procedure data</a:t>
+            </a:r>
+          </a:p>
+          <a:p>
+            <a:pPr marL="685546" lvl="1" indent="-283210"/>
+            <a:endParaRPr lang="en-US"/>
+          </a:p>
+          <a:p>
+            <a:pPr marL="685546" lvl="1" indent="-283210"/>
+            <a:endParaRPr lang="en-US"/>
+          </a:p>
+        </p:txBody>
+      </p:sp>
+    </p:spTree>
+    <p:extLst>
+      <p:ext uri="{BB962C8B-B14F-4D97-AF65-F5344CB8AC3E}">
+        <p14:creationId xmlns:p14="http://schemas.microsoft.com/office/powerpoint/2010/main" val="3548240917"/>
+      </p:ext>
+    </p:extLst>
+  </p:cSld>
+  <p:clrMapOvr>
+    <a:masterClrMapping/>
+  </p:clrMapOvr>
+</p:sld>
+</file>
+
+<file path=ppt/slides/slide20.xml><?xml version="1.0" encoding="utf-8"?>
+<p:sld xmlns:a="http://schemas.openxmlformats.org/drawingml/2006/main" xmlns:r="http://schemas.openxmlformats.org/officeDocument/2006/relationships" xmlns:p="http://schemas.openxmlformats.org/presentationml/2006/main">
+  <p:cSld>
+    <p:bg>
+      <p:bgPr>
+        <a:solidFill>
+          <a:schemeClr val="accent2"/>
+        </a:solidFill>
+        <a:effectLst/>
+      </p:bgPr>
+    </p:bg>
+    <p:spTree>
+      <p:nvGrpSpPr>
+        <p:cNvPr id="1" name=""/>
+        <p:cNvGrpSpPr/>
+        <p:nvPr/>
+      </p:nvGrpSpPr>
+      <p:grpSpPr>
+        <a:xfrm>
+          <a:off x="0" y="0"/>
+          <a:ext cx="0" cy="0"/>
+          <a:chOff x="0" y="0"/>
+          <a:chExt cx="0" cy="0"/>
+        </a:xfrm>
+      </p:grpSpPr>
+      <p:sp>
+        <p:nvSpPr>
+          <p:cNvPr id="2" name="Title 1">
+            <a:extLst>
+              <a:ext uri="{FF2B5EF4-FFF2-40B4-BE49-F238E27FC236}">
+                <a16:creationId xmlns:a16="http://schemas.microsoft.com/office/drawing/2014/main" id="{04315639-6EDB-6CFC-BDFF-99115DEDB037}"/>
+              </a:ext>
+            </a:extLst>
+          </p:cNvPr>
+          <p:cNvSpPr>
+            <a:spLocks noGrp="1"/>
+          </p:cNvSpPr>
+          <p:nvPr>
+            <p:ph type="title"/>
+          </p:nvPr>
+        </p:nvSpPr>
+        <p:spPr/>
+        <p:txBody>
+          <a:bodyPr/>
+          <a:lstStyle/>
+          <a:p>
+            <a:r>
+              <a:rPr lang="en-US"/>
+              <a:t>Basic</a:t>
+            </a:r>
+            <a:br>
+              <a:rPr lang="en-US"/>
+            </a:br>
+            <a:r>
+              <a:rPr lang="en-US"/>
+              <a:t>Schema</a:t>
+            </a:r>
+          </a:p>
+        </p:txBody>
+      </p:sp>
+      <p:pic>
+        <p:nvPicPr>
+          <p:cNvPr id="6" name="Picture 5">
+            <a:extLst>
+              <a:ext uri="{FF2B5EF4-FFF2-40B4-BE49-F238E27FC236}">
+                <a16:creationId xmlns:a16="http://schemas.microsoft.com/office/drawing/2014/main" id="{C28B2799-40A7-C969-AF84-840353CA415F}"/>
+              </a:ext>
+            </a:extLst>
+          </p:cNvPr>
+          <p:cNvPicPr>
+            <a:picLocks noChangeAspect="1"/>
+          </p:cNvPicPr>
+          <p:nvPr/>
+        </p:nvPicPr>
+        <p:blipFill>
+          <a:blip r:embed="rId2"/>
+          <a:stretch>
+            <a:fillRect/>
+          </a:stretch>
+        </p:blipFill>
+        <p:spPr>
+          <a:xfrm>
+            <a:off x="7509318" y="1383107"/>
+            <a:ext cx="3429297" cy="1615580"/>
+          </a:xfrm>
+          <a:prstGeom prst="rect">
+            <a:avLst/>
+          </a:prstGeom>
+          <a:effectLst>
+            <a:outerShdw blurRad="50800" dist="38100" dir="2700000" algn="tl" rotWithShape="0">
+              <a:prstClr val="black">
+                <a:alpha val="40000"/>
+              </a:prstClr>
+            </a:outerShdw>
+          </a:effectLst>
+        </p:spPr>
+      </p:pic>
+      <p:pic>
+        <p:nvPicPr>
+          <p:cNvPr id="8" name="Picture 7">
+            <a:extLst>
+              <a:ext uri="{FF2B5EF4-FFF2-40B4-BE49-F238E27FC236}">
+                <a16:creationId xmlns:a16="http://schemas.microsoft.com/office/drawing/2014/main" id="{DB53C3AB-02D1-6034-52C9-16DAF5FFD8EE}"/>
+              </a:ext>
+            </a:extLst>
+          </p:cNvPr>
+          <p:cNvPicPr>
+            <a:picLocks noChangeAspect="1"/>
+          </p:cNvPicPr>
+          <p:nvPr/>
+        </p:nvPicPr>
+        <p:blipFill>
+          <a:blip r:embed="rId3"/>
+          <a:stretch>
+            <a:fillRect/>
+          </a:stretch>
+        </p:blipFill>
+        <p:spPr>
+          <a:xfrm>
+            <a:off x="3943248" y="3988999"/>
+            <a:ext cx="3414056" cy="1623201"/>
+          </a:xfrm>
+          <a:prstGeom prst="rect">
+            <a:avLst/>
+          </a:prstGeom>
+          <a:effectLst>
+            <a:outerShdw blurRad="50800" dist="38100" dir="2700000" algn="tl" rotWithShape="0">
+              <a:prstClr val="black">
+                <a:alpha val="40000"/>
+              </a:prstClr>
+            </a:outerShdw>
+          </a:effectLst>
+        </p:spPr>
+      </p:pic>
+      <p:pic>
+        <p:nvPicPr>
+          <p:cNvPr id="14" name="Picture 13">
+            <a:extLst>
+              <a:ext uri="{FF2B5EF4-FFF2-40B4-BE49-F238E27FC236}">
+                <a16:creationId xmlns:a16="http://schemas.microsoft.com/office/drawing/2014/main" id="{3BDF6EBE-0101-7317-C937-B2D093FAEC26}"/>
+              </a:ext>
+            </a:extLst>
+          </p:cNvPr>
+          <p:cNvPicPr>
+            <a:picLocks noChangeAspect="1"/>
+          </p:cNvPicPr>
+          <p:nvPr/>
+        </p:nvPicPr>
+        <p:blipFill>
+          <a:blip r:embed="rId4"/>
+          <a:stretch>
+            <a:fillRect/>
+          </a:stretch>
+        </p:blipFill>
+        <p:spPr>
+          <a:xfrm>
+            <a:off x="2883976" y="365758"/>
+            <a:ext cx="4473328" cy="3452159"/>
+          </a:xfrm>
+          <a:prstGeom prst="rect">
+            <a:avLst/>
+          </a:prstGeom>
+          <a:effectLst>
+            <a:outerShdw blurRad="50800" dist="38100" algn="l" rotWithShape="0">
+              <a:prstClr val="black">
+                <a:alpha val="40000"/>
+              </a:prstClr>
+            </a:outerShdw>
+          </a:effectLst>
+        </p:spPr>
+      </p:pic>
+      <p:pic>
+        <p:nvPicPr>
+          <p:cNvPr id="16" name="Picture 15">
+            <a:extLst>
+              <a:ext uri="{FF2B5EF4-FFF2-40B4-BE49-F238E27FC236}">
+                <a16:creationId xmlns:a16="http://schemas.microsoft.com/office/drawing/2014/main" id="{3A4F14C6-8B98-39A4-2117-5D4E13F477BE}"/>
+              </a:ext>
+            </a:extLst>
+          </p:cNvPr>
+          <p:cNvPicPr>
+            <a:picLocks noChangeAspect="1"/>
+          </p:cNvPicPr>
+          <p:nvPr/>
+        </p:nvPicPr>
+        <p:blipFill>
+          <a:blip r:embed="rId5"/>
+          <a:stretch>
+            <a:fillRect/>
+          </a:stretch>
+        </p:blipFill>
+        <p:spPr>
+          <a:xfrm>
+            <a:off x="7509318" y="3143193"/>
+            <a:ext cx="4435224" cy="2834886"/>
+          </a:xfrm>
+          <a:prstGeom prst="rect">
+            <a:avLst/>
+          </a:prstGeom>
+          <a:effectLst>
+            <a:outerShdw blurRad="50800" dist="38100" dir="2700000" algn="tl" rotWithShape="0">
+              <a:prstClr val="black">
+                <a:alpha val="40000"/>
+              </a:prstClr>
+            </a:outerShdw>
+          </a:effectLst>
+        </p:spPr>
+      </p:pic>
+      <p:pic>
+        <p:nvPicPr>
+          <p:cNvPr id="4" name="Picture 3">
+            <a:extLst>
+              <a:ext uri="{FF2B5EF4-FFF2-40B4-BE49-F238E27FC236}">
+                <a16:creationId xmlns:a16="http://schemas.microsoft.com/office/drawing/2014/main" id="{8A9E032F-5165-0B1C-E76F-F7025FFD54D5}"/>
+              </a:ext>
+            </a:extLst>
+          </p:cNvPr>
+          <p:cNvPicPr>
+            <a:picLocks noChangeAspect="1"/>
+          </p:cNvPicPr>
+          <p:nvPr/>
+        </p:nvPicPr>
+        <p:blipFill>
+          <a:blip r:embed="rId6"/>
+          <a:stretch>
+            <a:fillRect/>
+          </a:stretch>
+        </p:blipFill>
+        <p:spPr>
+          <a:xfrm>
+            <a:off x="445888" y="4147065"/>
+            <a:ext cx="3227477" cy="2432806"/>
+          </a:xfrm>
+          <a:prstGeom prst="rect">
+            <a:avLst/>
+          </a:prstGeom>
+          <a:effectLst>
+            <a:outerShdw blurRad="50800" dist="38100" dir="5400000" algn="t" rotWithShape="0">
+              <a:prstClr val="black">
+                <a:alpha val="40000"/>
+              </a:prstClr>
+            </a:outerShdw>
+          </a:effectLst>
+        </p:spPr>
+      </p:pic>
+    </p:spTree>
+    <p:extLst>
+      <p:ext uri="{BB962C8B-B14F-4D97-AF65-F5344CB8AC3E}">
+        <p14:creationId xmlns:p14="http://schemas.microsoft.com/office/powerpoint/2010/main" val="1018942463"/>
+      </p:ext>
+    </p:extLst>
+  </p:cSld>
+  <p:clrMapOvr>
+    <a:masterClrMapping/>
+  </p:clrMapOvr>
+</p:sld>
+</file>
+
+<file path=ppt/slides/slide21.xml><?xml version="1.0" encoding="utf-8"?>
+<p:sld xmlns:a="http://schemas.openxmlformats.org/drawingml/2006/main" xmlns:r="http://schemas.openxmlformats.org/officeDocument/2006/relationships" xmlns:p="http://schemas.openxmlformats.org/presentationml/2006/main">
+  <p:cSld>
+    <p:bg>
+      <p:bgPr>
+        <a:solidFill>
+          <a:schemeClr val="accent1"/>
+        </a:solidFill>
+        <a:effectLst/>
+      </p:bgPr>
+    </p:bg>
+    <p:spTree>
+      <p:nvGrpSpPr>
+        <p:cNvPr id="1" name=""/>
+        <p:cNvGrpSpPr/>
+        <p:nvPr/>
+      </p:nvGrpSpPr>
+      <p:grpSpPr>
+        <a:xfrm>
+          <a:off x="0" y="0"/>
+          <a:ext cx="0" cy="0"/>
+          <a:chOff x="0" y="0"/>
+          <a:chExt cx="0" cy="0"/>
+        </a:xfrm>
+      </p:grpSpPr>
+      <p:sp>
+        <p:nvSpPr>
+          <p:cNvPr id="2" name="Title 1">
+            <a:extLst>
+              <a:ext uri="{FF2B5EF4-FFF2-40B4-BE49-F238E27FC236}">
+                <a16:creationId xmlns:a16="http://schemas.microsoft.com/office/drawing/2014/main" id="{4E3F9206-A795-C7ED-7814-16D6ABD97F9A}"/>
+              </a:ext>
+            </a:extLst>
+          </p:cNvPr>
+          <p:cNvSpPr>
+            <a:spLocks noGrp="1"/>
+          </p:cNvSpPr>
+          <p:nvPr>
+            <p:ph type="title"/>
+          </p:nvPr>
+        </p:nvSpPr>
+        <p:spPr/>
+        <p:txBody>
+          <a:bodyPr/>
+          <a:lstStyle/>
+          <a:p>
+            <a:r>
+              <a:rPr lang="en-US"/>
+              <a:t>Patient Table</a:t>
+            </a:r>
+          </a:p>
+        </p:txBody>
+      </p:sp>
+      <p:sp>
+        <p:nvSpPr>
+          <p:cNvPr id="3" name="Content Placeholder 2">
+            <a:extLst>
+              <a:ext uri="{FF2B5EF4-FFF2-40B4-BE49-F238E27FC236}">
+                <a16:creationId xmlns:a16="http://schemas.microsoft.com/office/drawing/2014/main" id="{8B26E0C8-E97A-F7FF-C3CA-1814C5714F8B}"/>
+              </a:ext>
+            </a:extLst>
+          </p:cNvPr>
+          <p:cNvSpPr>
+            <a:spLocks noGrp="1"/>
+          </p:cNvSpPr>
+          <p:nvPr>
+            <p:ph sz="quarter" idx="13"/>
+          </p:nvPr>
+        </p:nvSpPr>
+        <p:spPr/>
+        <p:txBody>
+          <a:bodyPr vert="horz" lIns="0" tIns="228600" rIns="0" bIns="0" rtlCol="0" anchor="t">
+            <a:normAutofit/>
+          </a:bodyPr>
+          <a:lstStyle/>
+          <a:p>
+            <a:pPr marL="283210" indent="-283210"/>
+            <a:r>
+              <a:rPr lang="en-US">
+                <a:solidFill>
+                  <a:schemeClr val="bg1"/>
+                </a:solidFill>
+              </a:rPr>
+              <a:t>Contains information about individual patients.</a:t>
+            </a:r>
+          </a:p>
+          <a:p>
+            <a:pPr marL="283210" indent="-283210"/>
+            <a:r>
+              <a:rPr lang="en-US">
+                <a:solidFill>
+                  <a:schemeClr val="bg1"/>
+                </a:solidFill>
+              </a:rPr>
+              <a:t>Attributes include personal information such as social security number, address, and contact information.</a:t>
+            </a:r>
+          </a:p>
+          <a:p>
+            <a:pPr marL="283210" indent="-283210"/>
+            <a:r>
+              <a:rPr lang="en-US">
+                <a:solidFill>
+                  <a:schemeClr val="bg1"/>
+                </a:solidFill>
+              </a:rPr>
+              <a:t>Its primary key is social security number.</a:t>
+            </a:r>
+          </a:p>
+          <a:p>
+            <a:pPr marL="283210" indent="-283210"/>
+            <a:r>
+              <a:rPr lang="en-US">
+                <a:solidFill>
+                  <a:schemeClr val="bg1"/>
+                </a:solidFill>
+              </a:rPr>
+              <a:t>Its foreign key is an insurance ID number, which is used to access the insurance table.</a:t>
+            </a:r>
+          </a:p>
+        </p:txBody>
+      </p:sp>
+    </p:spTree>
+    <p:extLst>
+      <p:ext uri="{BB962C8B-B14F-4D97-AF65-F5344CB8AC3E}">
+        <p14:creationId xmlns:p14="http://schemas.microsoft.com/office/powerpoint/2010/main" val="555575388"/>
+      </p:ext>
+    </p:extLst>
+  </p:cSld>
+  <p:clrMapOvr>
+    <a:masterClrMapping/>
+  </p:clrMapOvr>
+</p:sld>
+</file>
+
+<file path=ppt/slides/slide22.xml><?xml version="1.0" encoding="utf-8"?>
+<p:sld xmlns:a="http://schemas.openxmlformats.org/drawingml/2006/main" xmlns:r="http://schemas.openxmlformats.org/officeDocument/2006/relationships" xmlns:p="http://schemas.openxmlformats.org/presentationml/2006/main">
+  <p:cSld>
+    <p:bg>
+      <p:bgPr>
+        <a:solidFill>
+          <a:schemeClr val="accent2"/>
+        </a:solidFill>
+        <a:effectLst/>
+      </p:bgPr>
+    </p:bg>
+    <p:spTree>
+      <p:nvGrpSpPr>
+        <p:cNvPr id="1" name=""/>
+        <p:cNvGrpSpPr/>
+        <p:nvPr/>
+      </p:nvGrpSpPr>
+      <p:grpSpPr>
+        <a:xfrm>
+          <a:off x="0" y="0"/>
+          <a:ext cx="0" cy="0"/>
+          <a:chOff x="0" y="0"/>
+          <a:chExt cx="0" cy="0"/>
+        </a:xfrm>
+      </p:grpSpPr>
+      <p:sp>
+        <p:nvSpPr>
+          <p:cNvPr id="2" name="Title 1">
+            <a:extLst>
+              <a:ext uri="{FF2B5EF4-FFF2-40B4-BE49-F238E27FC236}">
+                <a16:creationId xmlns:a16="http://schemas.microsoft.com/office/drawing/2014/main" id="{4E3F9206-A795-C7ED-7814-16D6ABD97F9A}"/>
+              </a:ext>
+            </a:extLst>
+          </p:cNvPr>
+          <p:cNvSpPr>
+            <a:spLocks noGrp="1"/>
+          </p:cNvSpPr>
+          <p:nvPr>
+            <p:ph type="title"/>
+          </p:nvPr>
+        </p:nvSpPr>
+        <p:spPr/>
+        <p:txBody>
+          <a:bodyPr/>
+          <a:lstStyle/>
+          <a:p>
+            <a:r>
+              <a:rPr lang="en-US"/>
+              <a:t>Billing Table</a:t>
+            </a:r>
+          </a:p>
+        </p:txBody>
+      </p:sp>
+      <p:sp>
+        <p:nvSpPr>
+          <p:cNvPr id="3" name="Content Placeholder 2">
+            <a:extLst>
+              <a:ext uri="{FF2B5EF4-FFF2-40B4-BE49-F238E27FC236}">
+                <a16:creationId xmlns:a16="http://schemas.microsoft.com/office/drawing/2014/main" id="{8B26E0C8-E97A-F7FF-C3CA-1814C5714F8B}"/>
+              </a:ext>
+            </a:extLst>
+          </p:cNvPr>
+          <p:cNvSpPr>
+            <a:spLocks noGrp="1"/>
+          </p:cNvSpPr>
+          <p:nvPr>
+            <p:ph sz="quarter" idx="13"/>
+          </p:nvPr>
+        </p:nvSpPr>
+        <p:spPr/>
+        <p:txBody>
+          <a:bodyPr vert="horz" lIns="0" tIns="228600" rIns="0" bIns="0" rtlCol="0" anchor="t">
+            <a:normAutofit/>
+          </a:bodyPr>
+          <a:lstStyle/>
+          <a:p>
+            <a:pPr marL="283210" indent="-283210"/>
+            <a:r>
+              <a:rPr lang="en-US">
+                <a:solidFill>
+                  <a:schemeClr val="bg1"/>
+                </a:solidFill>
+              </a:rPr>
+              <a:t>Contains information about transactions.</a:t>
+            </a:r>
+          </a:p>
+          <a:p>
+            <a:pPr marL="283210" indent="-283210"/>
+            <a:r>
+              <a:rPr lang="en-US">
+                <a:solidFill>
+                  <a:schemeClr val="bg1"/>
+                </a:solidFill>
+              </a:rPr>
+              <a:t>Attributes include information on procedure costs, past operations, and anything related to payment.</a:t>
+            </a:r>
+          </a:p>
+          <a:p>
+            <a:pPr marL="283210" indent="-283210"/>
+            <a:r>
+              <a:rPr lang="en-US">
+                <a:solidFill>
+                  <a:schemeClr val="bg1"/>
+                </a:solidFill>
+              </a:rPr>
+              <a:t>Its primary key a billing ID number.</a:t>
+            </a:r>
+          </a:p>
+          <a:p>
+            <a:pPr marL="283210" indent="-283210"/>
+            <a:r>
+              <a:rPr lang="en-US">
+                <a:solidFill>
+                  <a:schemeClr val="bg1"/>
+                </a:solidFill>
+              </a:rPr>
+              <a:t>Its first foreign key is SSN to access the patient table.</a:t>
+            </a:r>
+          </a:p>
+          <a:p>
+            <a:pPr marL="283210" indent="-283210"/>
+            <a:r>
+              <a:rPr lang="en-US">
+                <a:solidFill>
+                  <a:schemeClr val="bg1"/>
+                </a:solidFill>
+              </a:rPr>
+              <a:t>Its second foreign key is a procedure code which  accesses the procedure table.</a:t>
+            </a:r>
+          </a:p>
+        </p:txBody>
+      </p:sp>
+    </p:spTree>
+    <p:extLst>
+      <p:ext uri="{BB962C8B-B14F-4D97-AF65-F5344CB8AC3E}">
+        <p14:creationId xmlns:p14="http://schemas.microsoft.com/office/powerpoint/2010/main" val="1442064200"/>
+      </p:ext>
+    </p:extLst>
+  </p:cSld>
+  <p:clrMapOvr>
+    <a:masterClrMapping/>
+  </p:clrMapOvr>
+</p:sld>
+</file>
+
+<file path=ppt/slides/slide23.xml><?xml version="1.0" encoding="utf-8"?>
+<p:sld xmlns:a="http://schemas.openxmlformats.org/drawingml/2006/main" xmlns:r="http://schemas.openxmlformats.org/officeDocument/2006/relationships" xmlns:p="http://schemas.openxmlformats.org/presentationml/2006/main">
+  <p:cSld>
+    <p:bg>
+      <p:bgPr>
+        <a:solidFill>
+          <a:schemeClr val="accent1"/>
+        </a:solidFill>
+        <a:effectLst/>
+      </p:bgPr>
+    </p:bg>
+    <p:spTree>
+      <p:nvGrpSpPr>
+        <p:cNvPr id="1" name=""/>
+        <p:cNvGrpSpPr/>
+        <p:nvPr/>
+      </p:nvGrpSpPr>
+      <p:grpSpPr>
+        <a:xfrm>
+          <a:off x="0" y="0"/>
+          <a:ext cx="0" cy="0"/>
+          <a:chOff x="0" y="0"/>
+          <a:chExt cx="0" cy="0"/>
+        </a:xfrm>
+      </p:grpSpPr>
+      <p:sp>
+        <p:nvSpPr>
+          <p:cNvPr id="2" name="Title 1">
+            <a:extLst>
+              <a:ext uri="{FF2B5EF4-FFF2-40B4-BE49-F238E27FC236}">
+                <a16:creationId xmlns:a16="http://schemas.microsoft.com/office/drawing/2014/main" id="{4E3F9206-A795-C7ED-7814-16D6ABD97F9A}"/>
+              </a:ext>
+            </a:extLst>
+          </p:cNvPr>
+          <p:cNvSpPr>
+            <a:spLocks noGrp="1"/>
+          </p:cNvSpPr>
+          <p:nvPr>
+            <p:ph type="title"/>
+          </p:nvPr>
+        </p:nvSpPr>
+        <p:spPr/>
+        <p:txBody>
+          <a:bodyPr/>
+          <a:lstStyle/>
+          <a:p>
+            <a:r>
+              <a:rPr lang="en-US"/>
+              <a:t>Insurance Table</a:t>
+            </a:r>
+          </a:p>
+        </p:txBody>
+      </p:sp>
+      <p:sp>
+        <p:nvSpPr>
+          <p:cNvPr id="3" name="Content Placeholder 2">
+            <a:extLst>
+              <a:ext uri="{FF2B5EF4-FFF2-40B4-BE49-F238E27FC236}">
+                <a16:creationId xmlns:a16="http://schemas.microsoft.com/office/drawing/2014/main" id="{8B26E0C8-E97A-F7FF-C3CA-1814C5714F8B}"/>
+              </a:ext>
+            </a:extLst>
+          </p:cNvPr>
+          <p:cNvSpPr>
+            <a:spLocks noGrp="1"/>
+          </p:cNvSpPr>
+          <p:nvPr>
+            <p:ph sz="quarter" idx="13"/>
+          </p:nvPr>
+        </p:nvSpPr>
+        <p:spPr/>
+        <p:txBody>
+          <a:bodyPr vert="horz" lIns="0" tIns="228600" rIns="0" bIns="0" rtlCol="0" anchor="t">
+            <a:normAutofit/>
+          </a:bodyPr>
+          <a:lstStyle/>
+          <a:p>
+            <a:pPr marL="283210" indent="-283210"/>
+            <a:r>
+              <a:rPr lang="en-US">
+                <a:solidFill>
+                  <a:schemeClr val="bg1"/>
+                </a:solidFill>
+              </a:rPr>
+              <a:t>Contains insurance information</a:t>
+            </a:r>
+          </a:p>
+          <a:p>
+            <a:pPr marL="283210" indent="-283210"/>
+            <a:r>
+              <a:rPr lang="en-US">
+                <a:solidFill>
+                  <a:schemeClr val="bg1"/>
+                </a:solidFill>
+              </a:rPr>
+              <a:t>Attributes include insurance company name, policy number, and dates.</a:t>
+            </a:r>
+          </a:p>
+          <a:p>
+            <a:pPr marL="283210" indent="-283210"/>
+            <a:r>
+              <a:rPr lang="en-US">
+                <a:solidFill>
+                  <a:schemeClr val="bg1"/>
+                </a:solidFill>
+              </a:rPr>
+              <a:t>Its primary key is insurance number.</a:t>
+            </a:r>
+          </a:p>
+          <a:p>
+            <a:pPr marL="283210" indent="-283210"/>
+            <a:r>
+              <a:rPr lang="en-US">
+                <a:solidFill>
+                  <a:schemeClr val="bg1"/>
+                </a:solidFill>
+              </a:rPr>
+              <a:t>It has no foreign key.</a:t>
+            </a:r>
+          </a:p>
+        </p:txBody>
+      </p:sp>
+    </p:spTree>
+    <p:extLst>
+      <p:ext uri="{BB962C8B-B14F-4D97-AF65-F5344CB8AC3E}">
+        <p14:creationId xmlns:p14="http://schemas.microsoft.com/office/powerpoint/2010/main" val="215277334"/>
+      </p:ext>
+    </p:extLst>
+  </p:cSld>
+  <p:clrMapOvr>
+    <a:masterClrMapping/>
+  </p:clrMapOvr>
+</p:sld>
+</file>
+
+<file path=ppt/slides/slide24.xml><?xml version="1.0" encoding="utf-8"?>
+<p:sld xmlns:a="http://schemas.openxmlformats.org/drawingml/2006/main" xmlns:r="http://schemas.openxmlformats.org/officeDocument/2006/relationships" xmlns:p="http://schemas.openxmlformats.org/presentationml/2006/main">
+  <p:cSld>
+    <p:bg>
+      <p:bgPr>
+        <a:solidFill>
+          <a:schemeClr val="accent2"/>
+        </a:solidFill>
+        <a:effectLst/>
+      </p:bgPr>
+    </p:bg>
+    <p:spTree>
+      <p:nvGrpSpPr>
+        <p:cNvPr id="1" name=""/>
+        <p:cNvGrpSpPr/>
+        <p:nvPr/>
+      </p:nvGrpSpPr>
+      <p:grpSpPr>
+        <a:xfrm>
+          <a:off x="0" y="0"/>
+          <a:ext cx="0" cy="0"/>
+          <a:chOff x="0" y="0"/>
+          <a:chExt cx="0" cy="0"/>
+        </a:xfrm>
+      </p:grpSpPr>
+      <p:sp>
+        <p:nvSpPr>
+          <p:cNvPr id="2" name="Title 1">
+            <a:extLst>
+              <a:ext uri="{FF2B5EF4-FFF2-40B4-BE49-F238E27FC236}">
+                <a16:creationId xmlns:a16="http://schemas.microsoft.com/office/drawing/2014/main" id="{4E3F9206-A795-C7ED-7814-16D6ABD97F9A}"/>
+              </a:ext>
+            </a:extLst>
+          </p:cNvPr>
+          <p:cNvSpPr>
+            <a:spLocks noGrp="1"/>
+          </p:cNvSpPr>
+          <p:nvPr>
+            <p:ph type="title"/>
+          </p:nvPr>
+        </p:nvSpPr>
+        <p:spPr/>
+        <p:txBody>
+          <a:bodyPr/>
+          <a:lstStyle/>
+          <a:p>
+            <a:r>
+              <a:rPr lang="en-US"/>
+              <a:t>Procedure Table</a:t>
+            </a:r>
+          </a:p>
+        </p:txBody>
+      </p:sp>
+      <p:sp>
+        <p:nvSpPr>
+          <p:cNvPr id="3" name="Content Placeholder 2">
+            <a:extLst>
+              <a:ext uri="{FF2B5EF4-FFF2-40B4-BE49-F238E27FC236}">
+                <a16:creationId xmlns:a16="http://schemas.microsoft.com/office/drawing/2014/main" id="{8B26E0C8-E97A-F7FF-C3CA-1814C5714F8B}"/>
+              </a:ext>
+            </a:extLst>
+          </p:cNvPr>
+          <p:cNvSpPr>
+            <a:spLocks noGrp="1"/>
+          </p:cNvSpPr>
+          <p:nvPr>
+            <p:ph sz="quarter" idx="13"/>
+          </p:nvPr>
+        </p:nvSpPr>
+        <p:spPr/>
+        <p:txBody>
+          <a:bodyPr vert="horz" lIns="0" tIns="228600" rIns="0" bIns="0" rtlCol="0" anchor="t">
+            <a:normAutofit/>
+          </a:bodyPr>
+          <a:lstStyle/>
+          <a:p>
+            <a:pPr marL="283210" indent="-283210"/>
+            <a:r>
+              <a:rPr lang="en-US">
+                <a:solidFill>
+                  <a:schemeClr val="bg1"/>
+                </a:solidFill>
+              </a:rPr>
+              <a:t>Contains information about past procedures.</a:t>
+            </a:r>
+          </a:p>
+          <a:p>
+            <a:pPr marL="283210" indent="-283210"/>
+            <a:r>
+              <a:rPr lang="en-US">
+                <a:solidFill>
+                  <a:schemeClr val="bg1"/>
+                </a:solidFill>
+              </a:rPr>
+              <a:t>Attributes include dates, operation type via code, and a description of the operation.</a:t>
+            </a:r>
+          </a:p>
+          <a:p>
+            <a:pPr marL="283210" indent="-283210"/>
+            <a:r>
+              <a:rPr lang="en-US">
+                <a:solidFill>
+                  <a:schemeClr val="bg1"/>
+                </a:solidFill>
+              </a:rPr>
+              <a:t>Its primary key is the procedure code.</a:t>
+            </a:r>
+          </a:p>
+          <a:p>
+            <a:pPr marL="283210" indent="-283210"/>
+            <a:r>
+              <a:rPr lang="en-US">
+                <a:solidFill>
+                  <a:schemeClr val="bg1"/>
+                </a:solidFill>
+              </a:rPr>
+              <a:t>It has no foreign key.</a:t>
+            </a:r>
+          </a:p>
+        </p:txBody>
+      </p:sp>
+    </p:spTree>
+    <p:extLst>
+      <p:ext uri="{BB962C8B-B14F-4D97-AF65-F5344CB8AC3E}">
+        <p14:creationId xmlns:p14="http://schemas.microsoft.com/office/powerpoint/2010/main" val="1133866786"/>
+      </p:ext>
+    </p:extLst>
+  </p:cSld>
+  <p:clrMapOvr>
+    <a:masterClrMapping/>
+  </p:clrMapOvr>
+</p:sld>
+</file>
+
+<file path=ppt/slides/slide25.xml><?xml version="1.0" encoding="utf-8"?>
+<p:sld xmlns:a="http://schemas.openxmlformats.org/drawingml/2006/main" xmlns:r="http://schemas.openxmlformats.org/officeDocument/2006/relationships" xmlns:p="http://schemas.openxmlformats.org/presentationml/2006/main">
+  <p:cSld>
+    <p:bg>
+      <p:bgPr>
+        <a:solidFill>
+          <a:schemeClr val="accent1"/>
+        </a:solidFill>
+        <a:effectLst/>
+      </p:bgPr>
+    </p:bg>
+    <p:spTree>
+      <p:nvGrpSpPr>
+        <p:cNvPr id="1" name=""/>
+        <p:cNvGrpSpPr/>
+        <p:nvPr/>
+      </p:nvGrpSpPr>
+      <p:grpSpPr>
+        <a:xfrm>
+          <a:off x="0" y="0"/>
+          <a:ext cx="0" cy="0"/>
+          <a:chOff x="0" y="0"/>
+          <a:chExt cx="0" cy="0"/>
+        </a:xfrm>
+      </p:grpSpPr>
+      <p:sp>
+        <p:nvSpPr>
+          <p:cNvPr id="2" name="Title 1">
+            <a:extLst>
+              <a:ext uri="{FF2B5EF4-FFF2-40B4-BE49-F238E27FC236}">
+                <a16:creationId xmlns:a16="http://schemas.microsoft.com/office/drawing/2014/main" id="{4E3F9206-A795-C7ED-7814-16D6ABD97F9A}"/>
+              </a:ext>
+            </a:extLst>
+          </p:cNvPr>
+          <p:cNvSpPr>
+            <a:spLocks noGrp="1"/>
+          </p:cNvSpPr>
+          <p:nvPr>
+            <p:ph type="title"/>
+          </p:nvPr>
+        </p:nvSpPr>
+        <p:spPr/>
+        <p:txBody>
+          <a:bodyPr/>
+          <a:lstStyle/>
+          <a:p>
+            <a:r>
+              <a:rPr lang="en-US" dirty="0"/>
+              <a:t>Staff and Patient </a:t>
+            </a:r>
+            <a:br>
+              <a:rPr lang="en-US" dirty="0"/>
+            </a:br>
+            <a:r>
+              <a:rPr lang="en-US" dirty="0"/>
+              <a:t>Login Tables</a:t>
+            </a:r>
+          </a:p>
+        </p:txBody>
+      </p:sp>
+      <p:sp>
+        <p:nvSpPr>
+          <p:cNvPr id="3" name="Content Placeholder 2">
+            <a:extLst>
+              <a:ext uri="{FF2B5EF4-FFF2-40B4-BE49-F238E27FC236}">
+                <a16:creationId xmlns:a16="http://schemas.microsoft.com/office/drawing/2014/main" id="{8B26E0C8-E97A-F7FF-C3CA-1814C5714F8B}"/>
+              </a:ext>
+            </a:extLst>
+          </p:cNvPr>
+          <p:cNvSpPr>
+            <a:spLocks noGrp="1"/>
+          </p:cNvSpPr>
+          <p:nvPr>
+            <p:ph sz="quarter" idx="13"/>
+          </p:nvPr>
+        </p:nvSpPr>
+        <p:spPr/>
+        <p:txBody>
+          <a:bodyPr vert="horz" lIns="0" tIns="228600" rIns="0" bIns="0" rtlCol="0" anchor="t">
+            <a:normAutofit/>
+          </a:bodyPr>
+          <a:lstStyle/>
+          <a:p>
+            <a:pPr marL="283210" indent="-283210"/>
+            <a:endParaRPr lang="en-US" dirty="0">
+              <a:solidFill>
+                <a:schemeClr val="bg1"/>
+              </a:solidFill>
+            </a:endParaRPr>
+          </a:p>
+          <a:p>
+            <a:pPr marL="283210" indent="-283210"/>
+            <a:r>
+              <a:rPr lang="en-US" dirty="0">
+                <a:solidFill>
+                  <a:schemeClr val="bg1"/>
+                </a:solidFill>
+              </a:rPr>
+              <a:t>Hold login information for each type of user.</a:t>
+            </a:r>
+          </a:p>
+          <a:p>
+            <a:pPr marL="283210" indent="-283210"/>
+            <a:r>
+              <a:rPr lang="en-US" dirty="0">
+                <a:solidFill>
+                  <a:schemeClr val="bg1"/>
+                </a:solidFill>
+              </a:rPr>
+              <a:t>Used to validate credentials and serve users based on type.</a:t>
+            </a:r>
+          </a:p>
+        </p:txBody>
+      </p:sp>
+    </p:spTree>
+    <p:extLst>
+      <p:ext uri="{BB962C8B-B14F-4D97-AF65-F5344CB8AC3E}">
+        <p14:creationId xmlns:p14="http://schemas.microsoft.com/office/powerpoint/2010/main" val="3438723370"/>
+      </p:ext>
+    </p:extLst>
+  </p:cSld>
+  <p:clrMapOvr>
+    <a:masterClrMapping/>
+  </p:clrMapOvr>
+</p:sld>
+</file>
+
+<file path=ppt/slides/slide26.xml><?xml version="1.0" encoding="utf-8"?>
+<p:sld xmlns:a="http://schemas.openxmlformats.org/drawingml/2006/main" xmlns:r="http://schemas.openxmlformats.org/officeDocument/2006/relationships" xmlns:p="http://schemas.openxmlformats.org/presentationml/2006/main">
+  <p:cSld>
+    <p:spTree>
+      <p:nvGrpSpPr>
+        <p:cNvPr id="1" name=""/>
+        <p:cNvGrpSpPr/>
+        <p:nvPr/>
+      </p:nvGrpSpPr>
+      <p:grpSpPr>
+        <a:xfrm>
+          <a:off x="0" y="0"/>
+          <a:ext cx="0" cy="0"/>
+          <a:chOff x="0" y="0"/>
+          <a:chExt cx="0" cy="0"/>
+        </a:xfrm>
+      </p:grpSpPr>
+      <p:sp>
+        <p:nvSpPr>
+          <p:cNvPr id="2" name="Title 1">
+            <a:extLst>
+              <a:ext uri="{FF2B5EF4-FFF2-40B4-BE49-F238E27FC236}">
+                <a16:creationId xmlns:a16="http://schemas.microsoft.com/office/drawing/2014/main" id="{4E3F9206-A795-C7ED-7814-16D6ABD97F9A}"/>
+              </a:ext>
+            </a:extLst>
+          </p:cNvPr>
+          <p:cNvSpPr>
+            <a:spLocks noGrp="1"/>
+          </p:cNvSpPr>
+          <p:nvPr>
+            <p:ph type="title"/>
+          </p:nvPr>
+        </p:nvSpPr>
+        <p:spPr>
+          <a:xfrm>
+            <a:off x="2702126" y="472440"/>
+            <a:ext cx="6787747" cy="685799"/>
+          </a:xfrm>
+        </p:spPr>
+        <p:txBody>
+          <a:bodyPr/>
+          <a:lstStyle/>
+          <a:p>
+            <a:pPr algn="ctr"/>
+            <a:r>
+              <a:rPr lang="en-US"/>
+              <a:t>EER Diagram</a:t>
+            </a:r>
+          </a:p>
+        </p:txBody>
+      </p:sp>
+      <p:pic>
+        <p:nvPicPr>
+          <p:cNvPr id="4" name="Picture 3">
+            <a:extLst>
+              <a:ext uri="{FF2B5EF4-FFF2-40B4-BE49-F238E27FC236}">
+                <a16:creationId xmlns:a16="http://schemas.microsoft.com/office/drawing/2014/main" id="{5D3DB6F1-5883-5715-1616-2F386C52C21D}"/>
+              </a:ext>
+            </a:extLst>
+          </p:cNvPr>
+          <p:cNvPicPr>
+            <a:picLocks noChangeAspect="1"/>
+          </p:cNvPicPr>
+          <p:nvPr/>
+        </p:nvPicPr>
+        <p:blipFill>
+          <a:blip r:embed="rId2"/>
+          <a:stretch>
+            <a:fillRect/>
+          </a:stretch>
+        </p:blipFill>
+        <p:spPr>
+          <a:xfrm>
+            <a:off x="2594022" y="1249636"/>
+            <a:ext cx="7003954" cy="5608364"/>
+          </a:xfrm>
+          <a:prstGeom prst="rect">
+            <a:avLst/>
+          </a:prstGeom>
+        </p:spPr>
+      </p:pic>
+    </p:spTree>
+    <p:extLst>
+      <p:ext uri="{BB962C8B-B14F-4D97-AF65-F5344CB8AC3E}">
+        <p14:creationId xmlns:p14="http://schemas.microsoft.com/office/powerpoint/2010/main" val="2786145554"/>
+      </p:ext>
+    </p:extLst>
+  </p:cSld>
+  <p:clrMapOvr>
+    <a:masterClrMapping/>
+  </p:clrMapOvr>
+</p:sld>
+</file>
+
+<file path=ppt/slides/slide27.xml><?xml version="1.0" encoding="utf-8"?>
+<p:sld xmlns:a="http://schemas.openxmlformats.org/drawingml/2006/main" xmlns:r="http://schemas.openxmlformats.org/officeDocument/2006/relationships" xmlns:p="http://schemas.openxmlformats.org/presentationml/2006/main">
+  <p:cSld>
+    <p:spTree>
+      <p:nvGrpSpPr>
+        <p:cNvPr id="1" name=""/>
+        <p:cNvGrpSpPr/>
+        <p:nvPr/>
+      </p:nvGrpSpPr>
+      <p:grpSpPr>
+        <a:xfrm>
+          <a:off x="0" y="0"/>
+          <a:ext cx="0" cy="0"/>
+          <a:chOff x="0" y="0"/>
+          <a:chExt cx="0" cy="0"/>
+        </a:xfrm>
+      </p:grpSpPr>
+      <p:sp>
+        <p:nvSpPr>
+          <p:cNvPr id="2" name="Title 1">
+            <a:extLst>
+              <a:ext uri="{FF2B5EF4-FFF2-40B4-BE49-F238E27FC236}">
+                <a16:creationId xmlns:a16="http://schemas.microsoft.com/office/drawing/2014/main" id="{4459B701-27A8-7166-3951-1D38DA0708BA}"/>
+              </a:ext>
+            </a:extLst>
+          </p:cNvPr>
+          <p:cNvSpPr>
+            <a:spLocks noGrp="1"/>
+          </p:cNvSpPr>
+          <p:nvPr>
+            <p:ph type="title"/>
+          </p:nvPr>
+        </p:nvSpPr>
+        <p:spPr/>
+        <p:txBody>
+          <a:bodyPr/>
+          <a:lstStyle/>
+          <a:p>
+            <a:r>
+              <a:rPr lang="en-US" dirty="0"/>
+              <a:t>Short Demo</a:t>
+            </a:r>
+          </a:p>
+        </p:txBody>
+      </p:sp>
+    </p:spTree>
+    <p:extLst>
+      <p:ext uri="{BB962C8B-B14F-4D97-AF65-F5344CB8AC3E}">
+        <p14:creationId xmlns:p14="http://schemas.microsoft.com/office/powerpoint/2010/main" val="2136811320"/>
       </p:ext>
     </p:extLst>
   </p:cSld>
@@ -12085,41 +13539,6 @@
       </p:sp>
       <p:sp>
         <p:nvSpPr>
-          <p:cNvPr id="3" name="Content Placeholder 2">
-            <a:extLst>
-              <a:ext uri="{FF2B5EF4-FFF2-40B4-BE49-F238E27FC236}">
-                <a16:creationId xmlns:a16="http://schemas.microsoft.com/office/drawing/2014/main" id="{17979AAD-3255-9867-10F2-4A080C29489C}"/>
-              </a:ext>
-            </a:extLst>
-          </p:cNvPr>
-          <p:cNvSpPr>
-            <a:spLocks noGrp="1"/>
-          </p:cNvSpPr>
-          <p:nvPr>
-            <p:ph sz="quarter" idx="13"/>
-          </p:nvPr>
-        </p:nvSpPr>
-        <p:spPr>
-          <a:xfrm>
-            <a:off x="7921171" y="476794"/>
-            <a:ext cx="2286001" cy="832757"/>
-          </a:xfrm>
-        </p:spPr>
-        <p:txBody>
-          <a:bodyPr vert="horz" lIns="0" tIns="228600" rIns="0" bIns="0" rtlCol="0" anchor="t">
-            <a:normAutofit/>
-          </a:bodyPr>
-          <a:lstStyle/>
-          <a:p>
-            <a:pPr marL="0" indent="0">
-              <a:buNone/>
-            </a:pPr>
-            <a:endParaRPr lang="en-US"/>
-          </a:p>
-        </p:txBody>
-      </p:sp>
-      <p:sp>
-        <p:nvSpPr>
           <p:cNvPr id="4" name="Rectangle 3">
             <a:extLst>
               <a:ext uri="{FF2B5EF4-FFF2-40B4-BE49-F238E27FC236}">
@@ -12933,8 +14352,8 @@
         </p:nvSpPr>
         <p:spPr>
           <a:xfrm>
-            <a:off x="4516126" y="4833504"/>
-            <a:ext cx="5164667" cy="1552222"/>
+            <a:off x="4513780" y="4718378"/>
+            <a:ext cx="5167014" cy="1667348"/>
           </a:xfrm>
           <a:prstGeom prst="roundRect">
             <a:avLst/>
@@ -12979,8 +14398,8 @@
         </p:nvSpPr>
         <p:spPr>
           <a:xfrm>
-            <a:off x="4516091" y="3307029"/>
-            <a:ext cx="6792148" cy="1420518"/>
+            <a:off x="4513779" y="3175327"/>
+            <a:ext cx="6794460" cy="1428424"/>
           </a:xfrm>
           <a:prstGeom prst="roundRect">
             <a:avLst/>
@@ -13028,8 +14447,8 @@
         </p:nvSpPr>
         <p:spPr>
           <a:xfrm>
-            <a:off x="4513761" y="1574536"/>
-            <a:ext cx="6876815" cy="1618074"/>
+            <a:off x="4556112" y="2131154"/>
+            <a:ext cx="6794460" cy="929545"/>
           </a:xfrm>
           <a:prstGeom prst="roundRect">
             <a:avLst/>
@@ -13078,7 +14497,7 @@
         <p:spPr>
           <a:xfrm>
             <a:off x="4513779" y="549762"/>
-            <a:ext cx="5917259" cy="931333"/>
+            <a:ext cx="6738421" cy="1488588"/>
           </a:xfrm>
           <a:prstGeom prst="roundRect">
             <a:avLst/>
@@ -13136,7 +14555,14 @@
           <a:lstStyle/>
           <a:p>
             <a:r>
-              <a:rPr lang="en-US"/>
+              <a:rPr lang="en-US" dirty="0"/>
+              <a:t>Typical</a:t>
+            </a:r>
+            <a:br>
+              <a:rPr lang="en-US" dirty="0"/>
+            </a:br>
+            <a:r>
+              <a:rPr lang="en-US" dirty="0"/>
               <a:t>End Users</a:t>
             </a:r>
           </a:p>
@@ -13173,44 +14599,33 @@
             <a:pPr marL="283210" indent="-283210"/>
             <a:r>
               <a:rPr lang="en-US"/>
-              <a:t>Administrator:</a:t>
-            </a:r>
-          </a:p>
-          <a:p>
-            <a:pPr lvl="1" indent="-283210">
-              <a:buFont typeface="Calibri" panose="020B0604020202020204" pitchFamily="34" charset="0"/>
+              <a:t>Patient:</a:t>
+            </a:r>
+          </a:p>
+          <a:p>
+            <a:pPr lvl="1">
+              <a:buFontTx/>
               <a:buChar char="-"/>
             </a:pPr>
             <a:r>
               <a:rPr lang="en-US"/>
-              <a:t>Full edit and view all data</a:t>
+              <a:t>Full view patient data, May only edit with permission Select view but not edit procedure, billing, and insurance information</a:t>
             </a:r>
           </a:p>
           <a:p>
             <a:pPr marL="283210" indent="-283210"/>
             <a:r>
               <a:rPr lang="en-US"/>
-              <a:t>Patient:</a:t>
-            </a:r>
-          </a:p>
-          <a:p>
-            <a:pPr lvl="1" indent="-283210">
-              <a:buFont typeface="Calibri" panose="020B0604020202020204" pitchFamily="34" charset="0"/>
-              <a:buChar char="-"/>
+              <a:t>Administrator:</a:t>
+            </a:r>
+          </a:p>
+          <a:p>
+            <a:pPr marL="0" indent="0">
+              <a:buNone/>
             </a:pPr>
             <a:r>
               <a:rPr lang="en-US"/>
-              <a:t>Full view patient data, May only edit with permission</a:t>
-            </a:r>
-          </a:p>
-          <a:p>
-            <a:pPr lvl="1" indent="-283210">
-              <a:buFont typeface="Calibri" panose="020B0604020202020204" pitchFamily="34" charset="0"/>
-              <a:buChar char="-"/>
-            </a:pPr>
-            <a:r>
-              <a:rPr lang="en-US"/>
-              <a:t>Select view but not edit procedure, billing, and insurance information.</a:t>
+              <a:t>      -    Full edit and view all data</a:t>
             </a:r>
           </a:p>
           <a:p>
@@ -13269,7 +14684,7 @@
             </a:pPr>
             <a:r>
               <a:rPr lang="en-US"/>
-              <a:t>May edit and insurance info.</a:t>
+              <a:t>May edit insurance info.</a:t>
             </a:r>
           </a:p>
           <a:p>
@@ -13288,6 +14703,89 @@
           <a:p>
             <a:pPr marL="283210" indent="-283210"/>
             <a:endParaRPr lang="en-US"/>
+          </a:p>
+        </p:txBody>
+      </p:sp>
+      <p:sp>
+        <p:nvSpPr>
+          <p:cNvPr id="4" name="Left Brace 3">
+            <a:extLst>
+              <a:ext uri="{FF2B5EF4-FFF2-40B4-BE49-F238E27FC236}">
+                <a16:creationId xmlns:a16="http://schemas.microsoft.com/office/drawing/2014/main" id="{41EAB829-BA65-7F0C-6EFC-39DAF71DAE57}"/>
+              </a:ext>
+            </a:extLst>
+          </p:cNvPr>
+          <p:cNvSpPr/>
+          <p:nvPr/>
+        </p:nvSpPr>
+        <p:spPr>
+          <a:xfrm>
+            <a:off x="3849993" y="2131153"/>
+            <a:ext cx="706119" cy="4302926"/>
+          </a:xfrm>
+          <a:prstGeom prst="leftBrace">
+            <a:avLst/>
+          </a:prstGeom>
+        </p:spPr>
+        <p:style>
+          <a:lnRef idx="1">
+            <a:schemeClr val="dk1"/>
+          </a:lnRef>
+          <a:fillRef idx="0">
+            <a:schemeClr val="dk1"/>
+          </a:fillRef>
+          <a:effectRef idx="0">
+            <a:schemeClr val="dk1"/>
+          </a:effectRef>
+          <a:fontRef idx="minor">
+            <a:schemeClr val="tx1"/>
+          </a:fontRef>
+        </p:style>
+        <p:txBody>
+          <a:bodyPr rtlCol="0" anchor="ctr"/>
+          <a:lstStyle/>
+          <a:p>
+            <a:pPr algn="ctr"/>
+            <a:endParaRPr lang="en-US"/>
+          </a:p>
+        </p:txBody>
+      </p:sp>
+      <p:sp>
+        <p:nvSpPr>
+          <p:cNvPr id="5" name="TextBox 4">
+            <a:extLst>
+              <a:ext uri="{FF2B5EF4-FFF2-40B4-BE49-F238E27FC236}">
+                <a16:creationId xmlns:a16="http://schemas.microsoft.com/office/drawing/2014/main" id="{C6B5E09A-BE8B-AA28-DC6E-FD4C1D10A90E}"/>
+              </a:ext>
+            </a:extLst>
+          </p:cNvPr>
+          <p:cNvSpPr txBox="1"/>
+          <p:nvPr/>
+        </p:nvSpPr>
+        <p:spPr>
+          <a:xfrm>
+            <a:off x="2801732" y="3889539"/>
+            <a:ext cx="1328460" cy="923330"/>
+          </a:xfrm>
+          <a:prstGeom prst="rect">
+            <a:avLst/>
+          </a:prstGeom>
+          <a:noFill/>
+        </p:spPr>
+        <p:txBody>
+          <a:bodyPr wrap="square" rtlCol="0">
+            <a:spAutoFit/>
+          </a:bodyPr>
+          <a:lstStyle/>
+          <a:p>
+            <a:r>
+              <a:rPr lang="en-US" dirty="0">
+                <a:solidFill>
+                  <a:schemeClr val="bg1"/>
+                </a:solidFill>
+              </a:rPr>
+              <a:t>Possible types of Staff</a:t>
+            </a:r>
           </a:p>
         </p:txBody>
       </p:sp>
@@ -13323,10 +14821,10 @@
       </p:grpSpPr>
       <p:sp>
         <p:nvSpPr>
-          <p:cNvPr id="2" name="Title 1">
-            <a:extLst>
-              <a:ext uri="{FF2B5EF4-FFF2-40B4-BE49-F238E27FC236}">
-                <a16:creationId xmlns:a16="http://schemas.microsoft.com/office/drawing/2014/main" id="{4459B701-27A8-7166-3951-1D38DA0708BA}"/>
+          <p:cNvPr id="3" name="Title 2">
+            <a:extLst>
+              <a:ext uri="{FF2B5EF4-FFF2-40B4-BE49-F238E27FC236}">
+                <a16:creationId xmlns:a16="http://schemas.microsoft.com/office/drawing/2014/main" id="{0DE441B2-00F6-3B68-DB87-19FDA4CE3AA8}"/>
               </a:ext>
             </a:extLst>
           </p:cNvPr>
@@ -13343,16 +14841,169 @@
           <a:lstStyle/>
           <a:p>
             <a:r>
-              <a:rPr lang="en-US"/>
-              <a:t>Database</a:t>
-            </a:r>
+              <a:rPr lang="en-US" dirty="0"/>
+              <a:t>Staff vs Patient</a:t>
+            </a:r>
+          </a:p>
+        </p:txBody>
+      </p:sp>
+      <p:sp>
+        <p:nvSpPr>
+          <p:cNvPr id="2" name="Picture Placeholder 1">
+            <a:extLst>
+              <a:ext uri="{FF2B5EF4-FFF2-40B4-BE49-F238E27FC236}">
+                <a16:creationId xmlns:a16="http://schemas.microsoft.com/office/drawing/2014/main" id="{A1EE7DD2-ABDE-F3DB-434C-5D0658D1CE73}"/>
+              </a:ext>
+            </a:extLst>
+          </p:cNvPr>
+          <p:cNvSpPr>
+            <a:spLocks noGrp="1"/>
+          </p:cNvSpPr>
+          <p:nvPr>
+            <p:ph sz="quarter" idx="13"/>
+          </p:nvPr>
+        </p:nvSpPr>
+        <p:spPr>
+          <a:xfrm>
+            <a:off x="595523" y="2676525"/>
+            <a:ext cx="5168016" cy="3597470"/>
+          </a:xfrm>
+        </p:spPr>
+        <p:txBody>
+          <a:bodyPr vert="horz" lIns="0" tIns="45720" rIns="91440" bIns="45720" rtlCol="0" anchor="t">
+            <a:normAutofit/>
+          </a:bodyPr>
+          <a:lstStyle/>
+          <a:p>
+            <a:pPr algn="ctr"/>
+            <a:r>
+              <a:rPr lang="en-US" sz="2400" b="1" u="sng" dirty="0"/>
+              <a:t>Staff</a:t>
+            </a:r>
+          </a:p>
+          <a:p>
+            <a:pPr marL="342900" indent="-342900">
+              <a:buFont typeface="Arial" panose="020B0604020202020204" pitchFamily="34" charset="0"/>
+              <a:buChar char="•"/>
+            </a:pPr>
+            <a:r>
+              <a:rPr lang="en-US" sz="2400" dirty="0"/>
+              <a:t>Closest to “Admin” role</a:t>
+            </a:r>
+          </a:p>
+          <a:p>
+            <a:pPr marL="342900" indent="-342900">
+              <a:buFont typeface="Wingdings" panose="05000000000000000000" pitchFamily="2" charset="2"/>
+              <a:buChar char="Ø"/>
+            </a:pPr>
+            <a:r>
+              <a:rPr lang="en-US" sz="2400" dirty="0"/>
+              <a:t>View all patient data</a:t>
+            </a:r>
+          </a:p>
+          <a:p>
+            <a:pPr marL="342900" indent="-342900">
+              <a:buFont typeface="Wingdings" panose="05000000000000000000" pitchFamily="2" charset="2"/>
+              <a:buChar char="Ø"/>
+            </a:pPr>
+            <a:r>
+              <a:rPr lang="en-US" sz="2400" dirty="0"/>
+              <a:t>Add new bills/payments</a:t>
+            </a:r>
+          </a:p>
+          <a:p>
+            <a:pPr marL="342900" indent="-342900">
+              <a:buFont typeface="Wingdings" panose="05000000000000000000" pitchFamily="2" charset="2"/>
+              <a:buChar char="Ø"/>
+            </a:pPr>
+            <a:r>
+              <a:rPr lang="en-US" sz="2400" dirty="0"/>
+              <a:t>Add new patients</a:t>
+            </a:r>
+          </a:p>
+        </p:txBody>
+      </p:sp>
+      <p:sp>
+        <p:nvSpPr>
+          <p:cNvPr id="4" name="Content Placeholder 3">
+            <a:extLst>
+              <a:ext uri="{FF2B5EF4-FFF2-40B4-BE49-F238E27FC236}">
+                <a16:creationId xmlns:a16="http://schemas.microsoft.com/office/drawing/2014/main" id="{F8AA985B-B57B-377F-DF71-42C21B227044}"/>
+              </a:ext>
+            </a:extLst>
+          </p:cNvPr>
+          <p:cNvSpPr>
+            <a:spLocks noGrp="1"/>
+          </p:cNvSpPr>
+          <p:nvPr>
+            <p:ph sz="quarter" idx="14"/>
+          </p:nvPr>
+        </p:nvSpPr>
+        <p:spPr>
+          <a:xfrm>
+            <a:off x="6395013" y="2676525"/>
+            <a:ext cx="5172147" cy="3597470"/>
+          </a:xfrm>
+        </p:spPr>
+        <p:txBody>
+          <a:bodyPr vert="horz" lIns="0" tIns="45720" rIns="91440" bIns="45720" rtlCol="0" anchor="t">
+            <a:normAutofit/>
+          </a:bodyPr>
+          <a:lstStyle/>
+          <a:p>
+            <a:pPr marL="0" indent="0" algn="ctr">
+              <a:buNone/>
+            </a:pPr>
+            <a:r>
+              <a:rPr lang="en-US" sz="2400" b="1" u="sng" dirty="0"/>
+              <a:t>Patient</a:t>
+            </a:r>
+          </a:p>
+          <a:p>
+            <a:r>
+              <a:rPr lang="en-US" sz="2400" dirty="0"/>
+              <a:t>General users</a:t>
+            </a:r>
+          </a:p>
+          <a:p>
+            <a:pPr>
+              <a:buFont typeface="Wingdings" panose="05000000000000000000" pitchFamily="2" charset="2"/>
+              <a:buChar char="Ø"/>
+            </a:pPr>
+            <a:r>
+              <a:rPr lang="en-US" sz="2400" dirty="0"/>
+              <a:t>View their own data</a:t>
+            </a:r>
+          </a:p>
+          <a:p>
+            <a:pPr>
+              <a:buFont typeface="Wingdings" panose="05000000000000000000" pitchFamily="2" charset="2"/>
+              <a:buChar char="Ø"/>
+            </a:pPr>
+            <a:r>
+              <a:rPr lang="en-US" sz="2400" dirty="0"/>
+              <a:t>Create new account</a:t>
+            </a:r>
+          </a:p>
+          <a:p>
+            <a:pPr>
+              <a:buFont typeface="Wingdings" panose="05000000000000000000" pitchFamily="2" charset="2"/>
+              <a:buChar char="Ø"/>
+            </a:pPr>
+            <a:r>
+              <a:rPr lang="en-US" sz="2400" dirty="0"/>
+              <a:t>Change account information</a:t>
+            </a:r>
+          </a:p>
+          <a:p>
+            <a:endParaRPr lang="en-US" sz="2400" dirty="0"/>
           </a:p>
         </p:txBody>
       </p:sp>
     </p:spTree>
     <p:extLst>
       <p:ext uri="{BB962C8B-B14F-4D97-AF65-F5344CB8AC3E}">
-        <p14:creationId xmlns:p14="http://schemas.microsoft.com/office/powerpoint/2010/main" val="100735567"/>
+        <p14:creationId xmlns:p14="http://schemas.microsoft.com/office/powerpoint/2010/main" val="109724481"/>
       </p:ext>
     </p:extLst>
   </p:cSld>
@@ -13365,14 +15016,6 @@
 <file path=ppt/slides/slide9.xml><?xml version="1.0" encoding="utf-8"?>
 <p:sld xmlns:a="http://schemas.openxmlformats.org/drawingml/2006/main" xmlns:r="http://schemas.openxmlformats.org/officeDocument/2006/relationships" xmlns:p="http://schemas.openxmlformats.org/presentationml/2006/main">
   <p:cSld>
-    <p:bg>
-      <p:bgPr>
-        <a:solidFill>
-          <a:schemeClr val="accent2"/>
-        </a:solidFill>
-        <a:effectLst/>
-      </p:bgPr>
-    </p:bg>
     <p:spTree>
       <p:nvGrpSpPr>
         <p:cNvPr id="1" name=""/>
@@ -13392,7 +15035,7 @@
           <p:cNvPr id="2" name="Title 1">
             <a:extLst>
               <a:ext uri="{FF2B5EF4-FFF2-40B4-BE49-F238E27FC236}">
-                <a16:creationId xmlns:a16="http://schemas.microsoft.com/office/drawing/2014/main" id="{04315639-6EDB-6CFC-BDFF-99115DEDB037}"/>
+                <a16:creationId xmlns:a16="http://schemas.microsoft.com/office/drawing/2014/main" id="{4459B701-27A8-7166-3951-1D38DA0708BA}"/>
               </a:ext>
             </a:extLst>
           </p:cNvPr>
@@ -13410,170 +15053,15 @@
           <a:p>
             <a:r>
               <a:rPr lang="en-US"/>
-              <a:t>Basic</a:t>
-            </a:r>
-            <a:br>
-              <a:rPr lang="en-US"/>
-            </a:br>
-            <a:r>
-              <a:rPr lang="en-US"/>
-              <a:t>Schema</a:t>
+              <a:t>Technology Stack</a:t>
             </a:r>
           </a:p>
         </p:txBody>
       </p:sp>
-      <p:pic>
-        <p:nvPicPr>
-          <p:cNvPr id="6" name="Picture 5">
-            <a:extLst>
-              <a:ext uri="{FF2B5EF4-FFF2-40B4-BE49-F238E27FC236}">
-                <a16:creationId xmlns:a16="http://schemas.microsoft.com/office/drawing/2014/main" id="{C28B2799-40A7-C969-AF84-840353CA415F}"/>
-              </a:ext>
-            </a:extLst>
-          </p:cNvPr>
-          <p:cNvPicPr>
-            <a:picLocks noChangeAspect="1"/>
-          </p:cNvPicPr>
-          <p:nvPr/>
-        </p:nvPicPr>
-        <p:blipFill>
-          <a:blip r:embed="rId2"/>
-          <a:stretch>
-            <a:fillRect/>
-          </a:stretch>
-        </p:blipFill>
-        <p:spPr>
-          <a:xfrm>
-            <a:off x="7509318" y="1383107"/>
-            <a:ext cx="3429297" cy="1615580"/>
-          </a:xfrm>
-          <a:prstGeom prst="rect">
-            <a:avLst/>
-          </a:prstGeom>
-          <a:effectLst>
-            <a:outerShdw blurRad="50800" dist="38100" dir="2700000" algn="tl" rotWithShape="0">
-              <a:prstClr val="black">
-                <a:alpha val="40000"/>
-              </a:prstClr>
-            </a:outerShdw>
-          </a:effectLst>
-        </p:spPr>
-      </p:pic>
-      <p:pic>
-        <p:nvPicPr>
-          <p:cNvPr id="8" name="Picture 7">
-            <a:extLst>
-              <a:ext uri="{FF2B5EF4-FFF2-40B4-BE49-F238E27FC236}">
-                <a16:creationId xmlns:a16="http://schemas.microsoft.com/office/drawing/2014/main" id="{DB53C3AB-02D1-6034-52C9-16DAF5FFD8EE}"/>
-              </a:ext>
-            </a:extLst>
-          </p:cNvPr>
-          <p:cNvPicPr>
-            <a:picLocks noChangeAspect="1"/>
-          </p:cNvPicPr>
-          <p:nvPr/>
-        </p:nvPicPr>
-        <p:blipFill>
-          <a:blip r:embed="rId3"/>
-          <a:stretch>
-            <a:fillRect/>
-          </a:stretch>
-        </p:blipFill>
-        <p:spPr>
-          <a:xfrm>
-            <a:off x="3943248" y="3988999"/>
-            <a:ext cx="3414056" cy="1623201"/>
-          </a:xfrm>
-          <a:prstGeom prst="rect">
-            <a:avLst/>
-          </a:prstGeom>
-          <a:effectLst>
-            <a:outerShdw blurRad="50800" dist="38100" dir="2700000" algn="tl" rotWithShape="0">
-              <a:prstClr val="black">
-                <a:alpha val="40000"/>
-              </a:prstClr>
-            </a:outerShdw>
-          </a:effectLst>
-        </p:spPr>
-      </p:pic>
-      <p:pic>
-        <p:nvPicPr>
-          <p:cNvPr id="14" name="Picture 13">
-            <a:extLst>
-              <a:ext uri="{FF2B5EF4-FFF2-40B4-BE49-F238E27FC236}">
-                <a16:creationId xmlns:a16="http://schemas.microsoft.com/office/drawing/2014/main" id="{3BDF6EBE-0101-7317-C937-B2D093FAEC26}"/>
-              </a:ext>
-            </a:extLst>
-          </p:cNvPr>
-          <p:cNvPicPr>
-            <a:picLocks noChangeAspect="1"/>
-          </p:cNvPicPr>
-          <p:nvPr/>
-        </p:nvPicPr>
-        <p:blipFill>
-          <a:blip r:embed="rId4"/>
-          <a:stretch>
-            <a:fillRect/>
-          </a:stretch>
-        </p:blipFill>
-        <p:spPr>
-          <a:xfrm>
-            <a:off x="2883976" y="365758"/>
-            <a:ext cx="4473328" cy="3452159"/>
-          </a:xfrm>
-          <a:prstGeom prst="rect">
-            <a:avLst/>
-          </a:prstGeom>
-          <a:effectLst>
-            <a:outerShdw blurRad="50800" dist="38100" algn="l" rotWithShape="0">
-              <a:prstClr val="black">
-                <a:alpha val="40000"/>
-              </a:prstClr>
-            </a:outerShdw>
-          </a:effectLst>
-        </p:spPr>
-      </p:pic>
-      <p:pic>
-        <p:nvPicPr>
-          <p:cNvPr id="16" name="Picture 15">
-            <a:extLst>
-              <a:ext uri="{FF2B5EF4-FFF2-40B4-BE49-F238E27FC236}">
-                <a16:creationId xmlns:a16="http://schemas.microsoft.com/office/drawing/2014/main" id="{3A4F14C6-8B98-39A4-2117-5D4E13F477BE}"/>
-              </a:ext>
-            </a:extLst>
-          </p:cNvPr>
-          <p:cNvPicPr>
-            <a:picLocks noChangeAspect="1"/>
-          </p:cNvPicPr>
-          <p:nvPr/>
-        </p:nvPicPr>
-        <p:blipFill>
-          <a:blip r:embed="rId5"/>
-          <a:stretch>
-            <a:fillRect/>
-          </a:stretch>
-        </p:blipFill>
-        <p:spPr>
-          <a:xfrm>
-            <a:off x="7509318" y="3143193"/>
-            <a:ext cx="4435224" cy="2834886"/>
-          </a:xfrm>
-          <a:prstGeom prst="rect">
-            <a:avLst/>
-          </a:prstGeom>
-          <a:effectLst>
-            <a:outerShdw blurRad="50800" dist="38100" dir="2700000" algn="tl" rotWithShape="0">
-              <a:prstClr val="black">
-                <a:alpha val="40000"/>
-              </a:prstClr>
-            </a:outerShdw>
-          </a:effectLst>
-        </p:spPr>
-      </p:pic>
     </p:spTree>
     <p:extLst>
       <p:ext uri="{BB962C8B-B14F-4D97-AF65-F5344CB8AC3E}">
-        <p14:creationId xmlns:p14="http://schemas.microsoft.com/office/powerpoint/2010/main" val="1018942463"/>
+        <p14:creationId xmlns:p14="http://schemas.microsoft.com/office/powerpoint/2010/main" val="2790568823"/>
       </p:ext>
     </p:extLst>
   </p:cSld>
@@ -14375,20 +15863,20 @@
 </file>
 
 <file path=customXml/item1.xml><?xml version="1.0" encoding="utf-8"?>
-<p:properties xmlns:p="http://schemas.microsoft.com/office/2006/metadata/properties" xmlns:xsi="http://www.w3.org/2001/XMLSchema-instance" xmlns:pc="http://schemas.microsoft.com/office/infopath/2007/PartnerControls">
-  <documentManagement>
-    <_activity xmlns="11d7ce33-dfe0-44a5-a210-f9ab29f6f09c" xsi:nil="true"/>
-  </documentManagement>
-</p:properties>
-</file>
-
-<file path=customXml/item2.xml><?xml version="1.0" encoding="utf-8"?>
 <?mso-contentType ?>
 <FormTemplates xmlns="http://schemas.microsoft.com/sharepoint/v3/contenttype/forms">
   <Display>DocumentLibraryForm</Display>
   <Edit>DocumentLibraryForm</Edit>
   <New>DocumentLibraryForm</New>
 </FormTemplates>
+</file>
+
+<file path=customXml/item2.xml><?xml version="1.0" encoding="utf-8"?>
+<p:properties xmlns:p="http://schemas.microsoft.com/office/2006/metadata/properties" xmlns:xsi="http://www.w3.org/2001/XMLSchema-instance" xmlns:pc="http://schemas.microsoft.com/office/infopath/2007/PartnerControls">
+  <documentManagement>
+    <_activity xmlns="11d7ce33-dfe0-44a5-a210-f9ab29f6f09c" xsi:nil="true"/>
+  </documentManagement>
+</p:properties>
 </file>
 
 <file path=customXml/item3.xml><?xml version="1.0" encoding="utf-8"?>
@@ -14581,26 +16069,26 @@
 </file>
 
 <file path=customXml/itemProps1.xml><?xml version="1.0" encoding="utf-8"?>
-<ds:datastoreItem xmlns:ds="http://schemas.openxmlformats.org/officeDocument/2006/customXml" ds:itemID="{4F4B194E-8B30-4377-8C59-ECFB902D2A26}">
+<ds:datastoreItem xmlns:ds="http://schemas.openxmlformats.org/officeDocument/2006/customXml" ds:itemID="{C21FFAC0-05A2-416A-B06C-C248395482CF}">
   <ds:schemaRefs>
-    <ds:schemaRef ds:uri="11d7ce33-dfe0-44a5-a210-f9ab29f6f09c"/>
-    <ds:schemaRef ds:uri="5dc1f009-03bb-4a08-950e-aabddf1dd0e9"/>
-    <ds:schemaRef ds:uri="http://purl.org/dc/dcmitype/"/>
-    <ds:schemaRef ds:uri="http://purl.org/dc/elements/1.1/"/>
-    <ds:schemaRef ds:uri="http://purl.org/dc/terms/"/>
-    <ds:schemaRef ds:uri="http://schemas.microsoft.com/office/2006/documentManagement/types"/>
-    <ds:schemaRef ds:uri="http://schemas.microsoft.com/office/2006/metadata/properties"/>
-    <ds:schemaRef ds:uri="http://schemas.microsoft.com/office/infopath/2007/PartnerControls"/>
-    <ds:schemaRef ds:uri="http://schemas.openxmlformats.org/package/2006/metadata/core-properties"/>
-    <ds:schemaRef ds:uri="http://www.w3.org/XML/1998/namespace"/>
+    <ds:schemaRef ds:uri="http://schemas.microsoft.com/sharepoint/v3/contenttype/forms"/>
   </ds:schemaRefs>
 </ds:datastoreItem>
 </file>
 
 <file path=customXml/itemProps2.xml><?xml version="1.0" encoding="utf-8"?>
-<ds:datastoreItem xmlns:ds="http://schemas.openxmlformats.org/officeDocument/2006/customXml" ds:itemID="{C21FFAC0-05A2-416A-B06C-C248395482CF}">
+<ds:datastoreItem xmlns:ds="http://schemas.openxmlformats.org/officeDocument/2006/customXml" ds:itemID="{4F4B194E-8B30-4377-8C59-ECFB902D2A26}">
   <ds:schemaRefs>
-    <ds:schemaRef ds:uri="http://schemas.microsoft.com/sharepoint/v3/contenttype/forms"/>
+    <ds:schemaRef ds:uri="http://schemas.openxmlformats.org/package/2006/metadata/core-properties"/>
+    <ds:schemaRef ds:uri="http://schemas.microsoft.com/office/2006/documentManagement/types"/>
+    <ds:schemaRef ds:uri="http://purl.org/dc/elements/1.1/"/>
+    <ds:schemaRef ds:uri="http://www.w3.org/XML/1998/namespace"/>
+    <ds:schemaRef ds:uri="http://purl.org/dc/terms/"/>
+    <ds:schemaRef ds:uri="http://schemas.microsoft.com/office/2006/metadata/properties"/>
+    <ds:schemaRef ds:uri="http://schemas.microsoft.com/office/infopath/2007/PartnerControls"/>
+    <ds:schemaRef ds:uri="5dc1f009-03bb-4a08-950e-aabddf1dd0e9"/>
+    <ds:schemaRef ds:uri="11d7ce33-dfe0-44a5-a210-f9ab29f6f09c"/>
+    <ds:schemaRef ds:uri="http://purl.org/dc/dcmitype/"/>
   </ds:schemaRefs>
 </ds:datastoreItem>
 </file>
